--- a/archived/20221123_folder_script_structure.pptx
+++ b/archived/20221123_folder_script_structure.pptx
@@ -5,10 +5,10 @@
     <p:sldMasterId id="2147483648" r:id="rId1"/>
   </p:sldMasterIdLst>
   <p:notesMasterIdLst>
-    <p:notesMasterId r:id="rId13"/>
+    <p:notesMasterId r:id="rId14"/>
   </p:notesMasterIdLst>
   <p:handoutMasterIdLst>
-    <p:handoutMasterId r:id="rId14"/>
+    <p:handoutMasterId r:id="rId15"/>
   </p:handoutMasterIdLst>
   <p:sldIdLst>
     <p:sldId id="276" r:id="rId2"/>
@@ -18,10 +18,11 @@
     <p:sldId id="280" r:id="rId6"/>
     <p:sldId id="285" r:id="rId7"/>
     <p:sldId id="292" r:id="rId8"/>
-    <p:sldId id="291" r:id="rId9"/>
-    <p:sldId id="289" r:id="rId10"/>
-    <p:sldId id="283" r:id="rId11"/>
-    <p:sldId id="284" r:id="rId12"/>
+    <p:sldId id="293" r:id="rId9"/>
+    <p:sldId id="291" r:id="rId10"/>
+    <p:sldId id="289" r:id="rId11"/>
+    <p:sldId id="283" r:id="rId12"/>
+    <p:sldId id="284" r:id="rId13"/>
   </p:sldIdLst>
   <p:sldSz cx="12192000" cy="6858000"/>
   <p:notesSz cx="6858000" cy="9144000"/>
@@ -236,7 +237,7 @@
           <a:p>
             <a:fld id="{F68ABEA4-9216-4FDF-AAE1-D8632908A8EC}" type="datetimeFigureOut">
               <a:rPr lang="de-CH" smtClean="0"/>
-              <a:t>16.01.2023</a:t>
+              <a:t>22.01.2023</a:t>
             </a:fld>
             <a:endParaRPr lang="de-CH"/>
           </a:p>
@@ -413,7 +414,7 @@
           <a:p>
             <a:fld id="{4B78A90D-FE7E-41AF-B03D-808D82937CB9}" type="datetimeFigureOut">
               <a:rPr lang="de-CH" smtClean="0"/>
-              <a:t>16.01.2023</a:t>
+              <a:t>22.01.2023</a:t>
             </a:fld>
             <a:endParaRPr lang="de-CH"/>
           </a:p>
@@ -1174,7 +1175,7 @@
           <a:p>
             <a:fld id="{73231582-25B0-444E-AA4F-1DF6560C4213}" type="datetime1">
               <a:rPr lang="de-CH" noProof="0" smtClean="0"/>
-              <a:t>16.01.2023</a:t>
+              <a:t>22.01.2023</a:t>
             </a:fld>
             <a:endParaRPr lang="de-CH" noProof="0"/>
           </a:p>
@@ -1369,7 +1370,7 @@
           <a:p>
             <a:fld id="{242E75BC-2332-46BD-83E6-37C27E30057F}" type="datetime1">
               <a:rPr lang="de-CH" noProof="0" smtClean="0"/>
-              <a:t>16.01.2023</a:t>
+              <a:t>22.01.2023</a:t>
             </a:fld>
             <a:endParaRPr lang="de-CH" noProof="0"/>
           </a:p>
@@ -1656,7 +1657,7 @@
           <a:p>
             <a:fld id="{2D1B63AC-7FC1-4D37-85E2-296067C12FE1}" type="datetime1">
               <a:rPr lang="de-CH" noProof="0" smtClean="0"/>
-              <a:t>16.01.2023</a:t>
+              <a:t>22.01.2023</a:t>
             </a:fld>
             <a:endParaRPr lang="de-CH" noProof="0"/>
           </a:p>
@@ -1954,7 +1955,7 @@
           <a:p>
             <a:fld id="{6B9F7A7B-B54C-4FCB-AEBE-6A4F1CFC6519}" type="datetime1">
               <a:rPr lang="de-CH" noProof="0" smtClean="0"/>
-              <a:t>16.01.2023</a:t>
+              <a:t>22.01.2023</a:t>
             </a:fld>
             <a:endParaRPr lang="de-CH" noProof="0"/>
           </a:p>
@@ -2354,7 +2355,7 @@
           <a:p>
             <a:fld id="{DF33CB82-5F18-4A2D-AC12-45D07FE3FE93}" type="datetime1">
               <a:rPr lang="de-CH" noProof="0" smtClean="0"/>
-              <a:t>16.01.2023</a:t>
+              <a:t>22.01.2023</a:t>
             </a:fld>
             <a:endParaRPr lang="de-CH" noProof="0"/>
           </a:p>
@@ -2722,7 +2723,7 @@
           <a:p>
             <a:fld id="{BF07D762-0558-459F-BD63-EB37C4B6AEDE}" type="datetime1">
               <a:rPr lang="de-CH" noProof="0" smtClean="0"/>
-              <a:t>16.01.2023</a:t>
+              <a:t>22.01.2023</a:t>
             </a:fld>
             <a:endParaRPr lang="de-CH" noProof="0"/>
           </a:p>
@@ -4900,7 +4901,7 @@
           <a:p>
             <a:fld id="{AF24159B-E4F0-491A-987A-BB36210A3487}" type="datetime1">
               <a:rPr lang="de-CH" noProof="0" smtClean="0"/>
-              <a:t>16.01.2023</a:t>
+              <a:t>22.01.2023</a:t>
             </a:fld>
             <a:endParaRPr lang="de-CH" noProof="0"/>
           </a:p>
@@ -5182,7 +5183,7 @@
           <a:p>
             <a:fld id="{2766B431-E9C0-42FA-A169-1C18600E56F3}" type="datetime1">
               <a:rPr lang="de-CH" noProof="0" smtClean="0"/>
-              <a:t>16.01.2023</a:t>
+              <a:t>22.01.2023</a:t>
             </a:fld>
             <a:endParaRPr lang="de-CH" noProof="0"/>
           </a:p>
@@ -5430,7 +5431,7 @@
           <a:p>
             <a:fld id="{F761BEC9-C431-4FA5-857C-CC51D31ED09B}" type="datetime1">
               <a:rPr lang="de-CH" noProof="0" smtClean="0"/>
-              <a:t>16.01.2023</a:t>
+              <a:t>22.01.2023</a:t>
             </a:fld>
             <a:endParaRPr lang="de-CH" noProof="0"/>
           </a:p>
@@ -5706,7 +5707,7 @@
           <a:p>
             <a:fld id="{7C34338F-395B-4159-90E8-FCE6347E5FEF}" type="datetime1">
               <a:rPr lang="de-CH" noProof="0" smtClean="0"/>
-              <a:t>16.01.2023</a:t>
+              <a:t>22.01.2023</a:t>
             </a:fld>
             <a:endParaRPr lang="de-CH" noProof="0"/>
           </a:p>
@@ -7637,7 +7638,7 @@
           <a:p>
             <a:fld id="{518626E0-68FC-4E0B-8A98-EE7CC0609E97}" type="datetime1">
               <a:rPr lang="de-CH" noProof="0" smtClean="0"/>
-              <a:t>16.01.2023</a:t>
+              <a:t>22.01.2023</a:t>
             </a:fld>
             <a:endParaRPr lang="de-CH" noProof="0"/>
           </a:p>
@@ -8322,7 +8323,7 @@
           <a:p>
             <a:fld id="{AF24159B-E4F0-491A-987A-BB36210A3487}" type="datetime1">
               <a:rPr lang="de-CH" noProof="0" smtClean="0"/>
-              <a:t>16.01.2023</a:t>
+              <a:t>22.01.2023</a:t>
             </a:fld>
             <a:endParaRPr lang="de-CH" noProof="0"/>
           </a:p>
@@ -9232,6 +9233,35 @@
           <a:chExt cx="0" cy="0"/>
         </a:xfrm>
       </p:grpSpPr>
+      <p:pic>
+        <p:nvPicPr>
+          <p:cNvPr id="40" name="Picture 39">
+            <a:extLst>
+              <a:ext uri="{FF2B5EF4-FFF2-40B4-BE49-F238E27FC236}">
+                <a16:creationId xmlns:a16="http://schemas.microsoft.com/office/drawing/2014/main" id="{DD532B26-980C-45FB-ADF2-B36A4A4FB66C}"/>
+              </a:ext>
+            </a:extLst>
+          </p:cNvPr>
+          <p:cNvPicPr>
+            <a:picLocks noChangeAspect="1"/>
+          </p:cNvPicPr>
+          <p:nvPr/>
+        </p:nvPicPr>
+        <p:blipFill rotWithShape="1">
+          <a:blip r:embed="rId2"/>
+          <a:srcRect b="83170"/>
+          <a:stretch/>
+        </p:blipFill>
+        <p:spPr>
+          <a:xfrm>
+            <a:off x="1101892" y="1332393"/>
+            <a:ext cx="2495741" cy="327279"/>
+          </a:xfrm>
+          <a:prstGeom prst="rect">
+            <a:avLst/>
+          </a:prstGeom>
+        </p:spPr>
+      </p:pic>
       <p:sp>
         <p:nvSpPr>
           <p:cNvPr id="2" name="Title 1">
@@ -9255,7 +9285,7 @@
           <a:p>
             <a:r>
               <a:rPr lang="en-US" dirty="0"/>
-              <a:t>3 - results</a:t>
+              <a:t>2d – scripts/plotting</a:t>
             </a:r>
           </a:p>
         </p:txBody>
@@ -9283,7 +9313,7 @@
           <a:p>
             <a:fld id="{AF24159B-E4F0-491A-987A-BB36210A3487}" type="datetime1">
               <a:rPr lang="de-CH" noProof="0" smtClean="0"/>
-              <a:t>16.01.2023</a:t>
+              <a:t>22.01.2023</a:t>
             </a:fld>
             <a:endParaRPr lang="de-CH" noProof="0"/>
           </a:p>
@@ -9349,93 +9379,98 @@
       </p:sp>
       <p:sp>
         <p:nvSpPr>
-          <p:cNvPr id="27" name="Content Placeholder 26">
-            <a:extLst>
-              <a:ext uri="{FF2B5EF4-FFF2-40B4-BE49-F238E27FC236}">
-                <a16:creationId xmlns:a16="http://schemas.microsoft.com/office/drawing/2014/main" id="{BDB970EF-A434-40E8-B1B3-3A4E34D0897F}"/>
-              </a:ext>
-            </a:extLst>
-          </p:cNvPr>
-          <p:cNvSpPr>
-            <a:spLocks noGrp="1"/>
-          </p:cNvSpPr>
-          <p:nvPr>
-            <p:ph idx="1"/>
-          </p:nvPr>
-        </p:nvSpPr>
-        <p:spPr/>
-        <p:txBody>
-          <a:bodyPr/>
+          <p:cNvPr id="30" name="Rectangle: Rounded Corners 29">
+            <a:extLst>
+              <a:ext uri="{FF2B5EF4-FFF2-40B4-BE49-F238E27FC236}">
+                <a16:creationId xmlns:a16="http://schemas.microsoft.com/office/drawing/2014/main" id="{E736D7B8-5A5D-417B-B619-001488CE144F}"/>
+              </a:ext>
+            </a:extLst>
+          </p:cNvPr>
+          <p:cNvSpPr/>
+          <p:nvPr/>
+        </p:nvSpPr>
+        <p:spPr>
+          <a:xfrm>
+            <a:off x="4374785" y="1355900"/>
+            <a:ext cx="7531466" cy="284415"/>
+          </a:xfrm>
+          <a:prstGeom prst="roundRect">
+            <a:avLst/>
+          </a:prstGeom>
+          <a:ln/>
+        </p:spPr>
+        <p:style>
+          <a:lnRef idx="2">
+            <a:schemeClr val="dk1"/>
+          </a:lnRef>
+          <a:fillRef idx="1">
+            <a:schemeClr val="lt1"/>
+          </a:fillRef>
+          <a:effectRef idx="0">
+            <a:schemeClr val="dk1"/>
+          </a:effectRef>
+          <a:fontRef idx="minor">
+            <a:schemeClr val="dk1"/>
+          </a:fontRef>
+        </p:style>
+        <p:txBody>
+          <a:bodyPr rtlCol="0" anchor="ctr"/>
           <a:lstStyle/>
           <a:p>
-            <a:pPr marL="0" indent="0">
-              <a:buNone/>
-            </a:pPr>
-            <a:r>
-              <a:rPr lang="en-US" dirty="0"/>
-              <a:t>This folder contains the species loss resulting from the application of the </a:t>
-            </a:r>
-            <a:r>
-              <a:rPr lang="en-US" dirty="0" err="1"/>
-              <a:t>LCImpact</a:t>
-            </a:r>
-            <a:r>
-              <a:rPr lang="en-US" dirty="0"/>
-              <a:t> model to the GLOBIOM areas, at ecoregion resolution, per each scenario and land use types.  </a:t>
-            </a:r>
-          </a:p>
-          <a:p>
-            <a:pPr marL="0" indent="0">
-              <a:buNone/>
-            </a:pPr>
-            <a:endParaRPr lang="en-US" dirty="0"/>
-          </a:p>
-          <a:p>
-            <a:pPr marL="0" indent="0">
-              <a:buNone/>
-            </a:pPr>
-            <a:r>
-              <a:rPr lang="en-US" dirty="0"/>
-              <a:t>	      A readme file provides more details. </a:t>
-            </a:r>
-          </a:p>
-          <a:p>
-            <a:pPr marL="0" indent="0">
-              <a:buNone/>
-            </a:pPr>
-            <a:endParaRPr lang="en-US" sz="1800" dirty="0"/>
-          </a:p>
-          <a:p>
-            <a:pPr marL="0" indent="0">
-              <a:buNone/>
-            </a:pPr>
-            <a:r>
-              <a:rPr lang="en-US" sz="1800" dirty="0"/>
-              <a:t>Meaning of the words in the names: timber = EU timber plantations have been included; cutoff = response ratios larger than 1 converted to 1; </a:t>
-            </a:r>
-            <a:r>
-              <a:rPr lang="en-US" sz="1800" dirty="0" err="1"/>
-              <a:t>nocutoff</a:t>
-            </a:r>
-            <a:r>
-              <a:rPr lang="en-US" sz="1800" dirty="0"/>
-              <a:t> = cutoff not applied; bs = confidence interval calculated with bootstrapping; static = no confidence intervals; All the results included in the manuscript have been calculated using the areas of the marginal approach (mg), but some tests have been made also with the average approach (av). </a:t>
-            </a:r>
-          </a:p>
-          <a:p>
-            <a:pPr marL="0" indent="0">
-              <a:buNone/>
-            </a:pPr>
-            <a:endParaRPr lang="en-US" dirty="0"/>
-          </a:p>
-        </p:txBody>
-      </p:sp>
+            <a:r>
+              <a:rPr lang="en-US" sz="1500" dirty="0"/>
+              <a:t>Maps of the world ecoregions, the GLOBIOM regions and the EU28 border.</a:t>
+            </a:r>
+          </a:p>
+        </p:txBody>
+      </p:sp>
+      <p:cxnSp>
+        <p:nvCxnSpPr>
+          <p:cNvPr id="29" name="Straight Arrow Connector 28">
+            <a:extLst>
+              <a:ext uri="{FF2B5EF4-FFF2-40B4-BE49-F238E27FC236}">
+                <a16:creationId xmlns:a16="http://schemas.microsoft.com/office/drawing/2014/main" id="{3F356820-8517-4490-AF32-C46AF5919C32}"/>
+              </a:ext>
+            </a:extLst>
+          </p:cNvPr>
+          <p:cNvCxnSpPr>
+            <a:cxnSpLocks/>
+          </p:cNvCxnSpPr>
+          <p:nvPr/>
+        </p:nvCxnSpPr>
+        <p:spPr>
+          <a:xfrm>
+            <a:off x="3074408" y="1507333"/>
+            <a:ext cx="1262277" cy="0"/>
+          </a:xfrm>
+          <a:prstGeom prst="straightConnector1">
+            <a:avLst/>
+          </a:prstGeom>
+          <a:ln>
+            <a:tailEnd type="triangle"/>
+          </a:ln>
+        </p:spPr>
+        <p:style>
+          <a:lnRef idx="1">
+            <a:schemeClr val="dk1"/>
+          </a:lnRef>
+          <a:fillRef idx="0">
+            <a:schemeClr val="dk1"/>
+          </a:fillRef>
+          <a:effectRef idx="0">
+            <a:schemeClr val="dk1"/>
+          </a:effectRef>
+          <a:fontRef idx="minor">
+            <a:schemeClr val="tx1"/>
+          </a:fontRef>
+        </p:style>
+      </p:cxnSp>
       <p:pic>
         <p:nvPicPr>
           <p:cNvPr id="7" name="Picture 6">
             <a:extLst>
               <a:ext uri="{FF2B5EF4-FFF2-40B4-BE49-F238E27FC236}">
-                <a16:creationId xmlns:a16="http://schemas.microsoft.com/office/drawing/2014/main" id="{32E88FC2-C1AB-4396-8F96-D0429742C309}"/>
+                <a16:creationId xmlns:a16="http://schemas.microsoft.com/office/drawing/2014/main" id="{45AA58B0-C686-41F3-99B2-56BE4AF93F68}"/>
               </a:ext>
             </a:extLst>
           </p:cNvPr>
@@ -9445,15 +9480,15 @@
           <p:nvPr/>
         </p:nvPicPr>
         <p:blipFill>
-          <a:blip r:embed="rId2"/>
+          <a:blip r:embed="rId3"/>
           <a:stretch>
             <a:fillRect/>
           </a:stretch>
         </p:blipFill>
         <p:spPr>
           <a:xfrm>
-            <a:off x="731837" y="2134012"/>
-            <a:ext cx="1267553" cy="338539"/>
+            <a:off x="1101892" y="2185432"/>
+            <a:ext cx="2850025" cy="3038977"/>
           </a:xfrm>
           <a:prstGeom prst="rect">
             <a:avLst/>
@@ -9463,7 +9498,7 @@
     </p:spTree>
     <p:extLst>
       <p:ext uri="{BB962C8B-B14F-4D97-AF65-F5344CB8AC3E}">
-        <p14:creationId xmlns:p14="http://schemas.microsoft.com/office/powerpoint/2010/main" val="3201800661"/>
+        <p14:creationId xmlns:p14="http://schemas.microsoft.com/office/powerpoint/2010/main" val="2959597689"/>
       </p:ext>
     </p:extLst>
   </p:cSld>
@@ -9513,13 +9548,8 @@
           <a:p>
             <a:r>
               <a:rPr lang="en-US" dirty="0"/>
-              <a:t>4 – </a:t>
-            </a:r>
-            <a:r>
-              <a:rPr lang="en-US" dirty="0" err="1"/>
-              <a:t>aggregation_plotting</a:t>
-            </a:r>
-            <a:endParaRPr lang="en-US" dirty="0"/>
+              <a:t>3 - results</a:t>
+            </a:r>
           </a:p>
         </p:txBody>
       </p:sp>
@@ -9546,7 +9576,7 @@
           <a:p>
             <a:fld id="{AF24159B-E4F0-491A-987A-BB36210A3487}" type="datetime1">
               <a:rPr lang="de-CH" noProof="0" smtClean="0"/>
-              <a:t>16.01.2023</a:t>
+              <a:t>22.01.2023</a:t>
             </a:fld>
             <a:endParaRPr lang="de-CH" noProof="0"/>
           </a:p>
@@ -9605,6 +9635,269 @@
             <a:fld id="{5ACA52AF-F19D-405C-AD5F-7D94B96A5CC3}" type="slidenum">
               <a:rPr lang="de-CH" noProof="0" smtClean="0"/>
               <a:t>11</a:t>
+            </a:fld>
+            <a:endParaRPr lang="de-CH" noProof="0"/>
+          </a:p>
+        </p:txBody>
+      </p:sp>
+      <p:sp>
+        <p:nvSpPr>
+          <p:cNvPr id="27" name="Content Placeholder 26">
+            <a:extLst>
+              <a:ext uri="{FF2B5EF4-FFF2-40B4-BE49-F238E27FC236}">
+                <a16:creationId xmlns:a16="http://schemas.microsoft.com/office/drawing/2014/main" id="{BDB970EF-A434-40E8-B1B3-3A4E34D0897F}"/>
+              </a:ext>
+            </a:extLst>
+          </p:cNvPr>
+          <p:cNvSpPr>
+            <a:spLocks noGrp="1"/>
+          </p:cNvSpPr>
+          <p:nvPr>
+            <p:ph idx="1"/>
+          </p:nvPr>
+        </p:nvSpPr>
+        <p:spPr/>
+        <p:txBody>
+          <a:bodyPr/>
+          <a:lstStyle/>
+          <a:p>
+            <a:pPr marL="0" indent="0">
+              <a:buNone/>
+            </a:pPr>
+            <a:r>
+              <a:rPr lang="en-US" dirty="0"/>
+              <a:t>This folder contains the species loss resulting from the application of the </a:t>
+            </a:r>
+            <a:r>
+              <a:rPr lang="en-US" dirty="0" err="1"/>
+              <a:t>LCImpact</a:t>
+            </a:r>
+            <a:r>
+              <a:rPr lang="en-US" dirty="0"/>
+              <a:t> model to the GLOBIOM areas, at ecoregion resolution, per each scenario and land use types.  </a:t>
+            </a:r>
+          </a:p>
+          <a:p>
+            <a:pPr marL="0" indent="0">
+              <a:buNone/>
+            </a:pPr>
+            <a:endParaRPr lang="en-US" dirty="0"/>
+          </a:p>
+          <a:p>
+            <a:pPr marL="0" indent="0">
+              <a:buNone/>
+            </a:pPr>
+            <a:r>
+              <a:rPr lang="en-US" dirty="0"/>
+              <a:t>	      A readme file provides more details. </a:t>
+            </a:r>
+          </a:p>
+          <a:p>
+            <a:pPr marL="0" indent="0">
+              <a:buNone/>
+            </a:pPr>
+            <a:endParaRPr lang="en-US" sz="1800" dirty="0"/>
+          </a:p>
+          <a:p>
+            <a:pPr marL="0" indent="0">
+              <a:buNone/>
+            </a:pPr>
+            <a:r>
+              <a:rPr lang="en-US" sz="1800" dirty="0"/>
+              <a:t>Meaning of the words in the names: timber = EU timber plantations have been included; cutoff = response ratios larger than 1 converted to 1; </a:t>
+            </a:r>
+            <a:r>
+              <a:rPr lang="en-US" sz="1800" dirty="0" err="1"/>
+              <a:t>nocutoff</a:t>
+            </a:r>
+            <a:r>
+              <a:rPr lang="en-US" sz="1800" dirty="0"/>
+              <a:t> = cutoff not applied; bs = confidence interval calculated with bootstrapping; static = no confidence intervals; All the results included in the manuscript have been calculated using the areas of the marginal approach (mg), but some tests have been made also with the average approach (av). </a:t>
+            </a:r>
+          </a:p>
+          <a:p>
+            <a:pPr marL="0" indent="0">
+              <a:buNone/>
+            </a:pPr>
+            <a:endParaRPr lang="en-US" dirty="0"/>
+          </a:p>
+        </p:txBody>
+      </p:sp>
+      <p:pic>
+        <p:nvPicPr>
+          <p:cNvPr id="7" name="Picture 6">
+            <a:extLst>
+              <a:ext uri="{FF2B5EF4-FFF2-40B4-BE49-F238E27FC236}">
+                <a16:creationId xmlns:a16="http://schemas.microsoft.com/office/drawing/2014/main" id="{32E88FC2-C1AB-4396-8F96-D0429742C309}"/>
+              </a:ext>
+            </a:extLst>
+          </p:cNvPr>
+          <p:cNvPicPr>
+            <a:picLocks noChangeAspect="1"/>
+          </p:cNvPicPr>
+          <p:nvPr/>
+        </p:nvPicPr>
+        <p:blipFill>
+          <a:blip r:embed="rId2"/>
+          <a:stretch>
+            <a:fillRect/>
+          </a:stretch>
+        </p:blipFill>
+        <p:spPr>
+          <a:xfrm>
+            <a:off x="731837" y="2134012"/>
+            <a:ext cx="1267553" cy="338539"/>
+          </a:xfrm>
+          <a:prstGeom prst="rect">
+            <a:avLst/>
+          </a:prstGeom>
+        </p:spPr>
+      </p:pic>
+    </p:spTree>
+    <p:extLst>
+      <p:ext uri="{BB962C8B-B14F-4D97-AF65-F5344CB8AC3E}">
+        <p14:creationId xmlns:p14="http://schemas.microsoft.com/office/powerpoint/2010/main" val="3201800661"/>
+      </p:ext>
+    </p:extLst>
+  </p:cSld>
+  <p:clrMapOvr>
+    <a:masterClrMapping/>
+  </p:clrMapOvr>
+</p:sld>
+</file>
+
+<file path=ppt/slides/slide12.xml><?xml version="1.0" encoding="utf-8"?>
+<p:sld xmlns:a="http://schemas.openxmlformats.org/drawingml/2006/main" xmlns:r="http://schemas.openxmlformats.org/officeDocument/2006/relationships" xmlns:p="http://schemas.openxmlformats.org/presentationml/2006/main">
+  <p:cSld>
+    <p:spTree>
+      <p:nvGrpSpPr>
+        <p:cNvPr id="1" name=""/>
+        <p:cNvGrpSpPr/>
+        <p:nvPr/>
+      </p:nvGrpSpPr>
+      <p:grpSpPr>
+        <a:xfrm>
+          <a:off x="0" y="0"/>
+          <a:ext cx="0" cy="0"/>
+          <a:chOff x="0" y="0"/>
+          <a:chExt cx="0" cy="0"/>
+        </a:xfrm>
+      </p:grpSpPr>
+      <p:sp>
+        <p:nvSpPr>
+          <p:cNvPr id="2" name="Title 1">
+            <a:extLst>
+              <a:ext uri="{FF2B5EF4-FFF2-40B4-BE49-F238E27FC236}">
+                <a16:creationId xmlns:a16="http://schemas.microsoft.com/office/drawing/2014/main" id="{8943DDBD-0DAF-4F98-B87B-5544C1631230}"/>
+              </a:ext>
+            </a:extLst>
+          </p:cNvPr>
+          <p:cNvSpPr>
+            <a:spLocks noGrp="1"/>
+          </p:cNvSpPr>
+          <p:nvPr>
+            <p:ph type="title"/>
+          </p:nvPr>
+        </p:nvSpPr>
+        <p:spPr/>
+        <p:txBody>
+          <a:bodyPr/>
+          <a:lstStyle/>
+          <a:p>
+            <a:r>
+              <a:rPr lang="en-US" dirty="0"/>
+              <a:t>4 – </a:t>
+            </a:r>
+            <a:r>
+              <a:rPr lang="en-US" dirty="0" err="1"/>
+              <a:t>aggregation_plotting</a:t>
+            </a:r>
+            <a:endParaRPr lang="en-US" dirty="0"/>
+          </a:p>
+        </p:txBody>
+      </p:sp>
+      <p:sp>
+        <p:nvSpPr>
+          <p:cNvPr id="4" name="Date Placeholder 3">
+            <a:extLst>
+              <a:ext uri="{FF2B5EF4-FFF2-40B4-BE49-F238E27FC236}">
+                <a16:creationId xmlns:a16="http://schemas.microsoft.com/office/drawing/2014/main" id="{14805272-AFD2-4609-9D33-280B9C18C1F4}"/>
+              </a:ext>
+            </a:extLst>
+          </p:cNvPr>
+          <p:cNvSpPr>
+            <a:spLocks noGrp="1"/>
+          </p:cNvSpPr>
+          <p:nvPr>
+            <p:ph type="dt" sz="half" idx="10"/>
+          </p:nvPr>
+        </p:nvSpPr>
+        <p:spPr/>
+        <p:txBody>
+          <a:bodyPr/>
+          <a:lstStyle/>
+          <a:p>
+            <a:fld id="{AF24159B-E4F0-491A-987A-BB36210A3487}" type="datetime1">
+              <a:rPr lang="de-CH" noProof="0" smtClean="0"/>
+              <a:t>22.01.2023</a:t>
+            </a:fld>
+            <a:endParaRPr lang="de-CH" noProof="0"/>
+          </a:p>
+        </p:txBody>
+      </p:sp>
+      <p:sp>
+        <p:nvSpPr>
+          <p:cNvPr id="5" name="Footer Placeholder 4">
+            <a:extLst>
+              <a:ext uri="{FF2B5EF4-FFF2-40B4-BE49-F238E27FC236}">
+                <a16:creationId xmlns:a16="http://schemas.microsoft.com/office/drawing/2014/main" id="{B0B4A68A-D413-4C01-831D-1AFA7C0E1D1E}"/>
+              </a:ext>
+            </a:extLst>
+          </p:cNvPr>
+          <p:cNvSpPr>
+            <a:spLocks noGrp="1"/>
+          </p:cNvSpPr>
+          <p:nvPr>
+            <p:ph type="ftr" sz="quarter" idx="11"/>
+          </p:nvPr>
+        </p:nvSpPr>
+        <p:spPr/>
+        <p:txBody>
+          <a:bodyPr/>
+          <a:lstStyle/>
+          <a:p>
+            <a:r>
+              <a:rPr lang="de-DE"/>
+              <a:t>Organisational unit (edit via “Insert” &gt; “Header &amp; Footer”)</a:t>
+            </a:r>
+            <a:endParaRPr lang="de-CH" dirty="0"/>
+          </a:p>
+        </p:txBody>
+      </p:sp>
+      <p:sp>
+        <p:nvSpPr>
+          <p:cNvPr id="6" name="Slide Number Placeholder 5">
+            <a:extLst>
+              <a:ext uri="{FF2B5EF4-FFF2-40B4-BE49-F238E27FC236}">
+                <a16:creationId xmlns:a16="http://schemas.microsoft.com/office/drawing/2014/main" id="{891F89F2-2B40-4EDB-87F0-CF82FC02FB0A}"/>
+              </a:ext>
+            </a:extLst>
+          </p:cNvPr>
+          <p:cNvSpPr>
+            <a:spLocks noGrp="1"/>
+          </p:cNvSpPr>
+          <p:nvPr>
+            <p:ph type="sldNum" sz="quarter" idx="12"/>
+          </p:nvPr>
+        </p:nvSpPr>
+        <p:spPr/>
+        <p:txBody>
+          <a:bodyPr/>
+          <a:lstStyle/>
+          <a:p>
+            <a:fld id="{5ACA52AF-F19D-405C-AD5F-7D94B96A5CC3}" type="slidenum">
+              <a:rPr lang="de-CH" noProof="0" smtClean="0"/>
+              <a:t>12</a:t>
             </a:fld>
             <a:endParaRPr lang="de-CH" noProof="0"/>
           </a:p>
@@ -9922,7 +10215,7 @@
           <a:p>
             <a:fld id="{AF24159B-E4F0-491A-987A-BB36210A3487}" type="datetime1">
               <a:rPr lang="de-CH" noProof="0" smtClean="0"/>
-              <a:t>16.01.2023</a:t>
+              <a:t>22.01.2023</a:t>
             </a:fld>
             <a:endParaRPr lang="de-CH" noProof="0"/>
           </a:p>
@@ -10891,7 +11184,7 @@
           <a:p>
             <a:fld id="{AF24159B-E4F0-491A-987A-BB36210A3487}" type="datetime1">
               <a:rPr lang="de-CH" noProof="0" smtClean="0"/>
-              <a:t>16.01.2023</a:t>
+              <a:t>22.01.2023</a:t>
             </a:fld>
             <a:endParaRPr lang="de-CH" noProof="0"/>
           </a:p>
@@ -11762,7 +12055,7 @@
           <a:p>
             <a:fld id="{AF24159B-E4F0-491A-987A-BB36210A3487}" type="datetime1">
               <a:rPr lang="de-CH" noProof="0" smtClean="0"/>
-              <a:t>16.01.2023</a:t>
+              <a:t>22.01.2023</a:t>
             </a:fld>
             <a:endParaRPr lang="de-CH" noProof="0"/>
           </a:p>
@@ -12884,7 +13177,7 @@
           <a:p>
             <a:fld id="{AF24159B-E4F0-491A-987A-BB36210A3487}" type="datetime1">
               <a:rPr lang="de-CH" noProof="0" smtClean="0"/>
-              <a:t>16.01.2023</a:t>
+              <a:t>22.01.2023</a:t>
             </a:fld>
             <a:endParaRPr lang="de-CH" noProof="0"/>
           </a:p>
@@ -14170,7 +14463,7 @@
           <a:p>
             <a:fld id="{AF24159B-E4F0-491A-987A-BB36210A3487}" type="datetime1">
               <a:rPr lang="de-CH" noProof="0" smtClean="0"/>
-              <a:t>16.01.2023</a:t>
+              <a:t>22.01.2023</a:t>
             </a:fld>
             <a:endParaRPr lang="de-CH" noProof="0"/>
           </a:p>
@@ -16101,7 +16394,7 @@
         </p:nvSpPr>
         <p:spPr>
           <a:xfrm>
-            <a:off x="-367259" y="1911246"/>
+            <a:off x="-381504" y="1992341"/>
             <a:ext cx="13828425" cy="4581289"/>
           </a:xfrm>
           <a:prstGeom prst="rect">
@@ -16191,7 +16484,7 @@
           <a:p>
             <a:fld id="{AF24159B-E4F0-491A-987A-BB36210A3487}" type="datetime1">
               <a:rPr lang="de-CH" noProof="0" smtClean="0"/>
-              <a:t>16.01.2023</a:t>
+              <a:t>22.01.2023</a:t>
             </a:fld>
             <a:endParaRPr lang="de-CH" noProof="0"/>
           </a:p>
@@ -16269,7 +16562,7 @@
         </p:nvSpPr>
         <p:spPr>
           <a:xfrm>
-            <a:off x="1185490" y="2420913"/>
+            <a:off x="1034416" y="2420913"/>
             <a:ext cx="1842704" cy="2321799"/>
           </a:xfrm>
           <a:prstGeom prst="rect">
@@ -16359,7 +16652,7 @@
         </p:nvSpPr>
         <p:spPr>
           <a:xfrm>
-            <a:off x="3405833" y="2420912"/>
+            <a:off x="3254764" y="2420912"/>
             <a:ext cx="2743200" cy="274320"/>
           </a:xfrm>
           <a:prstGeom prst="rect">
@@ -16423,7 +16716,7 @@
         </p:nvSpPr>
         <p:spPr>
           <a:xfrm>
-            <a:off x="3405833" y="3155190"/>
+            <a:off x="3254764" y="3155190"/>
             <a:ext cx="2743200" cy="919465"/>
           </a:xfrm>
           <a:prstGeom prst="rect">
@@ -16512,7 +16805,7 @@
         </p:nvSpPr>
         <p:spPr>
           <a:xfrm>
-            <a:off x="3405833" y="4156164"/>
+            <a:off x="3254764" y="4156164"/>
             <a:ext cx="2743200" cy="690808"/>
           </a:xfrm>
           <a:prstGeom prst="rect">
@@ -16585,7 +16878,7 @@
         </p:nvSpPr>
         <p:spPr>
           <a:xfrm>
-            <a:off x="9059933" y="3267702"/>
+            <a:off x="9059933" y="3283604"/>
             <a:ext cx="2193250" cy="601921"/>
           </a:xfrm>
           <a:prstGeom prst="rect">
@@ -16641,7 +16934,7 @@
         </p:nvSpPr>
         <p:spPr>
           <a:xfrm>
-            <a:off x="3405833" y="2786976"/>
+            <a:off x="3254764" y="2786976"/>
             <a:ext cx="2743200" cy="274320"/>
           </a:xfrm>
           <a:prstGeom prst="rect">
@@ -16705,7 +16998,7 @@
         </p:nvSpPr>
         <p:spPr>
           <a:xfrm>
-            <a:off x="6521256" y="3577363"/>
+            <a:off x="6362798" y="3577363"/>
             <a:ext cx="2188030" cy="274320"/>
           </a:xfrm>
           <a:prstGeom prst="rect">
@@ -16817,7 +17110,7 @@
         </p:nvSpPr>
         <p:spPr>
           <a:xfrm>
-            <a:off x="6521255" y="2381836"/>
+            <a:off x="6362798" y="2420912"/>
             <a:ext cx="2184359" cy="274320"/>
           </a:xfrm>
           <a:prstGeom prst="rect">
@@ -16929,7 +17222,7 @@
         </p:nvSpPr>
         <p:spPr>
           <a:xfrm>
-            <a:off x="6490018" y="4151494"/>
+            <a:off x="6362798" y="4151494"/>
             <a:ext cx="2219268" cy="690805"/>
           </a:xfrm>
           <a:prstGeom prst="rect">
@@ -17004,8 +17297,8 @@
         </p:nvSpPr>
         <p:spPr>
           <a:xfrm>
-            <a:off x="3351747" y="2154311"/>
-            <a:ext cx="2884713" cy="239417"/>
+            <a:off x="2775481" y="2173361"/>
+            <a:ext cx="627797" cy="239417"/>
           </a:xfrm>
           <a:prstGeom prst="rect">
             <a:avLst/>
@@ -17036,7 +17329,7 @@
             <a:pPr algn="ctr"/>
             <a:r>
               <a:rPr lang="en-US" sz="1400" i="1" dirty="0"/>
-              <a:t>Functions and data called</a:t>
+              <a:t>calls</a:t>
             </a:r>
           </a:p>
         </p:txBody>
@@ -17056,8 +17349,8 @@
           <p:nvPr/>
         </p:nvCxnSpPr>
         <p:spPr>
-          <a:xfrm flipH="1">
-            <a:off x="3065560" y="2561799"/>
+          <a:xfrm>
+            <a:off x="2906540" y="2561799"/>
             <a:ext cx="286187" cy="0"/>
           </a:xfrm>
           <a:prstGeom prst="straightConnector1">
@@ -17097,8 +17390,8 @@
           <p:nvPr/>
         </p:nvCxnSpPr>
         <p:spPr>
-          <a:xfrm flipH="1">
-            <a:off x="3065560" y="2894079"/>
+          <a:xfrm>
+            <a:off x="2906540" y="2894079"/>
             <a:ext cx="286187" cy="0"/>
           </a:xfrm>
           <a:prstGeom prst="straightConnector1">
@@ -17138,8 +17431,8 @@
           <p:nvPr/>
         </p:nvCxnSpPr>
         <p:spPr>
-          <a:xfrm flipH="1">
-            <a:off x="3065560" y="3601109"/>
+          <a:xfrm>
+            <a:off x="2906540" y="3601109"/>
             <a:ext cx="286187" cy="0"/>
           </a:xfrm>
           <a:prstGeom prst="straightConnector1">
@@ -17179,8 +17472,8 @@
           <p:nvPr/>
         </p:nvCxnSpPr>
         <p:spPr>
-          <a:xfrm flipH="1">
-            <a:off x="3065560" y="4488022"/>
+          <a:xfrm>
+            <a:off x="2906540" y="4488022"/>
             <a:ext cx="286187" cy="0"/>
           </a:xfrm>
           <a:prstGeom prst="straightConnector1">
@@ -17219,8 +17512,8 @@
         </p:nvSpPr>
         <p:spPr>
           <a:xfrm>
-            <a:off x="6843785" y="2129828"/>
-            <a:ext cx="1628345" cy="239417"/>
+            <a:off x="5914359" y="2173361"/>
+            <a:ext cx="570725" cy="239417"/>
           </a:xfrm>
           <a:prstGeom prst="rect">
             <a:avLst/>
@@ -17251,7 +17544,7 @@
             <a:pPr algn="ctr"/>
             <a:r>
               <a:rPr lang="en-US" sz="1400" i="1" dirty="0"/>
-              <a:t>Functions called</a:t>
+              <a:t>calls</a:t>
             </a:r>
           </a:p>
         </p:txBody>
@@ -17270,8 +17563,8 @@
         </p:nvSpPr>
         <p:spPr>
           <a:xfrm>
-            <a:off x="6801564" y="2945974"/>
-            <a:ext cx="4543847" cy="289695"/>
+            <a:off x="5933409" y="3047062"/>
+            <a:ext cx="1751850" cy="289695"/>
           </a:xfrm>
           <a:prstGeom prst="rect">
             <a:avLst/>
@@ -17302,7 +17595,7 @@
             <a:pPr algn="ctr"/>
             <a:r>
               <a:rPr lang="en-US" sz="1400" i="1" dirty="0"/>
-              <a:t>Functions used to produce the data</a:t>
+              <a:t>data produced by</a:t>
             </a:r>
           </a:p>
         </p:txBody>
@@ -17322,8 +17615,8 @@
           <p:nvPr/>
         </p:nvCxnSpPr>
         <p:spPr>
-          <a:xfrm flipH="1">
-            <a:off x="6173443" y="2511144"/>
+          <a:xfrm>
+            <a:off x="6030318" y="2542948"/>
             <a:ext cx="286187" cy="0"/>
           </a:xfrm>
           <a:prstGeom prst="straightConnector1">
@@ -17363,8 +17656,8 @@
           <p:nvPr/>
         </p:nvCxnSpPr>
         <p:spPr>
-          <a:xfrm flipH="1">
-            <a:off x="6173443" y="3697319"/>
+          <a:xfrm>
+            <a:off x="6030318" y="3729123"/>
             <a:ext cx="286187" cy="0"/>
           </a:xfrm>
           <a:prstGeom prst="straightConnector1">
@@ -17404,49 +17697,8 @@
           <p:nvPr/>
         </p:nvCxnSpPr>
         <p:spPr>
-          <a:xfrm flipH="1">
-            <a:off x="6173443" y="4452357"/>
-            <a:ext cx="286187" cy="0"/>
-          </a:xfrm>
-          <a:prstGeom prst="straightConnector1">
-            <a:avLst/>
-          </a:prstGeom>
-          <a:ln>
-            <a:tailEnd type="triangle"/>
-          </a:ln>
-        </p:spPr>
-        <p:style>
-          <a:lnRef idx="1">
-            <a:schemeClr val="dk1"/>
-          </a:lnRef>
-          <a:fillRef idx="0">
-            <a:schemeClr val="dk1"/>
-          </a:fillRef>
-          <a:effectRef idx="0">
-            <a:schemeClr val="dk1"/>
-          </a:effectRef>
-          <a:fontRef idx="minor">
-            <a:schemeClr val="tx1"/>
-          </a:fontRef>
-        </p:style>
-      </p:cxnSp>
-      <p:cxnSp>
-        <p:nvCxnSpPr>
-          <p:cNvPr id="96" name="Straight Arrow Connector 95">
-            <a:extLst>
-              <a:ext uri="{FF2B5EF4-FFF2-40B4-BE49-F238E27FC236}">
-                <a16:creationId xmlns:a16="http://schemas.microsoft.com/office/drawing/2014/main" id="{27285420-91E1-4393-9974-E3ED36BFE362}"/>
-              </a:ext>
-            </a:extLst>
-          </p:cNvPr>
-          <p:cNvCxnSpPr>
-            <a:cxnSpLocks/>
-          </p:cNvCxnSpPr>
-          <p:nvPr/>
-        </p:nvCxnSpPr>
-        <p:spPr>
-          <a:xfrm flipH="1">
-            <a:off x="8719710" y="3704814"/>
+          <a:xfrm>
+            <a:off x="6030318" y="4484161"/>
             <a:ext cx="286187" cy="0"/>
           </a:xfrm>
           <a:prstGeom prst="straightConnector1">
@@ -17486,9 +17738,9 @@
           <p:nvPr/>
         </p:nvCxnSpPr>
         <p:spPr>
-          <a:xfrm flipH="1">
-            <a:off x="6173443" y="3406733"/>
-            <a:ext cx="2834640" cy="0"/>
+          <a:xfrm>
+            <a:off x="6030318" y="3359027"/>
+            <a:ext cx="2954656" cy="0"/>
           </a:xfrm>
           <a:prstGeom prst="straightConnector1">
             <a:avLst/>
@@ -17526,8 +17778,8 @@
         </p:nvSpPr>
         <p:spPr>
           <a:xfrm>
-            <a:off x="11632558" y="2945974"/>
-            <a:ext cx="1628345" cy="239417"/>
+            <a:off x="11121888" y="2984407"/>
+            <a:ext cx="570725" cy="239417"/>
           </a:xfrm>
           <a:prstGeom prst="rect">
             <a:avLst/>
@@ -17558,7 +17810,7 @@
             <a:pPr algn="ctr"/>
             <a:r>
               <a:rPr lang="en-US" sz="1400" i="1" dirty="0"/>
-              <a:t>Functions called</a:t>
+              <a:t>calls</a:t>
             </a:r>
           </a:p>
         </p:txBody>
@@ -17578,7 +17830,7 @@
           <p:nvPr/>
         </p:nvCxnSpPr>
         <p:spPr>
-          <a:xfrm flipH="1">
+          <a:xfrm>
             <a:off x="11273683" y="3398574"/>
             <a:ext cx="286187" cy="0"/>
           </a:xfrm>
@@ -17619,7 +17871,7 @@
           <p:nvPr/>
         </p:nvCxnSpPr>
         <p:spPr>
-          <a:xfrm flipH="1">
+          <a:xfrm>
             <a:off x="11273683" y="3698559"/>
             <a:ext cx="286187" cy="0"/>
           </a:xfrm>
@@ -17659,8 +17911,8 @@
         </p:nvSpPr>
         <p:spPr>
           <a:xfrm>
-            <a:off x="-430199" y="2904318"/>
-            <a:ext cx="1645863" cy="406137"/>
+            <a:off x="-304513" y="2904318"/>
+            <a:ext cx="1124146" cy="406137"/>
           </a:xfrm>
           <a:prstGeom prst="rect">
             <a:avLst/>
@@ -17685,7 +17937,7 @@
           </a:fontRef>
         </p:style>
         <p:txBody>
-          <a:bodyPr rtlCol="0" anchor="ctr"/>
+          <a:bodyPr lIns="0" rIns="0" rtlCol="0" anchor="ctr"/>
           <a:lstStyle/>
           <a:p>
             <a:pPr algn="ctr"/>
@@ -17712,7 +17964,7 @@
         </p:nvCxnSpPr>
         <p:spPr>
           <a:xfrm flipH="1">
-            <a:off x="834524" y="3501731"/>
+            <a:off x="683449" y="3501731"/>
             <a:ext cx="286187" cy="0"/>
           </a:xfrm>
           <a:prstGeom prst="straightConnector1">
@@ -17751,7 +18003,7 @@
         </p:nvSpPr>
         <p:spPr>
           <a:xfrm>
-            <a:off x="-44301" y="3367304"/>
+            <a:off x="-219229" y="3367304"/>
             <a:ext cx="874068" cy="274320"/>
           </a:xfrm>
           <a:prstGeom prst="rect">
@@ -18062,6 +18314,98 @@
           </a:p>
         </p:txBody>
       </p:sp>
+      <p:sp>
+        <p:nvSpPr>
+          <p:cNvPr id="51" name="Rectangle 50">
+            <a:extLst>
+              <a:ext uri="{FF2B5EF4-FFF2-40B4-BE49-F238E27FC236}">
+                <a16:creationId xmlns:a16="http://schemas.microsoft.com/office/drawing/2014/main" id="{377C8A2C-5011-44C5-B66C-C7ED2A414A10}"/>
+              </a:ext>
+            </a:extLst>
+          </p:cNvPr>
+          <p:cNvSpPr/>
+          <p:nvPr/>
+        </p:nvSpPr>
+        <p:spPr>
+          <a:xfrm>
+            <a:off x="8506940" y="3475106"/>
+            <a:ext cx="570725" cy="239417"/>
+          </a:xfrm>
+          <a:prstGeom prst="rect">
+            <a:avLst/>
+          </a:prstGeom>
+          <a:noFill/>
+          <a:ln>
+            <a:noFill/>
+          </a:ln>
+        </p:spPr>
+        <p:style>
+          <a:lnRef idx="0">
+            <a:scrgbClr r="0" g="0" b="0"/>
+          </a:lnRef>
+          <a:fillRef idx="0">
+            <a:scrgbClr r="0" g="0" b="0"/>
+          </a:fillRef>
+          <a:effectRef idx="0">
+            <a:scrgbClr r="0" g="0" b="0"/>
+          </a:effectRef>
+          <a:fontRef idx="minor">
+            <a:schemeClr val="dk1"/>
+          </a:fontRef>
+        </p:style>
+        <p:txBody>
+          <a:bodyPr rtlCol="0" anchor="ctr"/>
+          <a:lstStyle/>
+          <a:p>
+            <a:pPr algn="ctr"/>
+            <a:r>
+              <a:rPr lang="en-US" sz="1400" i="1" dirty="0"/>
+              <a:t>calls</a:t>
+            </a:r>
+          </a:p>
+        </p:txBody>
+      </p:sp>
+      <p:cxnSp>
+        <p:nvCxnSpPr>
+          <p:cNvPr id="52" name="Straight Arrow Connector 51">
+            <a:extLst>
+              <a:ext uri="{FF2B5EF4-FFF2-40B4-BE49-F238E27FC236}">
+                <a16:creationId xmlns:a16="http://schemas.microsoft.com/office/drawing/2014/main" id="{72A71A94-5DE7-4BFC-8828-1107597D0A0C}"/>
+              </a:ext>
+            </a:extLst>
+          </p:cNvPr>
+          <p:cNvCxnSpPr>
+            <a:cxnSpLocks/>
+          </p:cNvCxnSpPr>
+          <p:nvPr/>
+        </p:nvCxnSpPr>
+        <p:spPr>
+          <a:xfrm>
+            <a:off x="8635060" y="3760927"/>
+            <a:ext cx="346287" cy="0"/>
+          </a:xfrm>
+          <a:prstGeom prst="straightConnector1">
+            <a:avLst/>
+          </a:prstGeom>
+          <a:ln>
+            <a:tailEnd type="triangle"/>
+          </a:ln>
+        </p:spPr>
+        <p:style>
+          <a:lnRef idx="1">
+            <a:schemeClr val="dk1"/>
+          </a:lnRef>
+          <a:fillRef idx="0">
+            <a:schemeClr val="dk1"/>
+          </a:fillRef>
+          <a:effectRef idx="0">
+            <a:schemeClr val="dk1"/>
+          </a:effectRef>
+          <a:fontRef idx="minor">
+            <a:schemeClr val="tx1"/>
+          </a:fontRef>
+        </p:style>
+      </p:cxnSp>
     </p:spTree>
     <p:extLst>
       <p:ext uri="{BB962C8B-B14F-4D97-AF65-F5344CB8AC3E}">
@@ -18094,10 +18438,66 @@
       </p:grpSpPr>
       <p:sp>
         <p:nvSpPr>
+          <p:cNvPr id="24" name="Rectangle 23">
+            <a:extLst>
+              <a:ext uri="{FF2B5EF4-FFF2-40B4-BE49-F238E27FC236}">
+                <a16:creationId xmlns:a16="http://schemas.microsoft.com/office/drawing/2014/main" id="{01331239-61E3-46D3-9600-600DFF3FC71B}"/>
+              </a:ext>
+            </a:extLst>
+          </p:cNvPr>
+          <p:cNvSpPr/>
+          <p:nvPr/>
+        </p:nvSpPr>
+        <p:spPr>
+          <a:xfrm>
+            <a:off x="-1395959" y="6930921"/>
+            <a:ext cx="13828425" cy="4581289"/>
+          </a:xfrm>
+          <a:prstGeom prst="rect">
+            <a:avLst/>
+          </a:prstGeom>
+          <a:solidFill>
+            <a:schemeClr val="bg1"/>
+          </a:solidFill>
+          <a:ln>
+            <a:solidFill>
+              <a:schemeClr val="bg2">
+                <a:lumMod val="65000"/>
+              </a:schemeClr>
+            </a:solidFill>
+          </a:ln>
+        </p:spPr>
+        <p:style>
+          <a:lnRef idx="2">
+            <a:schemeClr val="accent1">
+              <a:shade val="50000"/>
+            </a:schemeClr>
+          </a:lnRef>
+          <a:fillRef idx="1">
+            <a:schemeClr val="accent1"/>
+          </a:fillRef>
+          <a:effectRef idx="0">
+            <a:schemeClr val="accent1"/>
+          </a:effectRef>
+          <a:fontRef idx="minor">
+            <a:schemeClr val="lt1"/>
+          </a:fontRef>
+        </p:style>
+        <p:txBody>
+          <a:bodyPr rtlCol="0" anchor="ctr"/>
+          <a:lstStyle/>
+          <a:p>
+            <a:pPr algn="ctr"/>
+            <a:endParaRPr lang="en-US" i="1" dirty="0"/>
+          </a:p>
+        </p:txBody>
+      </p:sp>
+      <p:sp>
+        <p:nvSpPr>
           <p:cNvPr id="2" name="Title 1">
             <a:extLst>
               <a:ext uri="{FF2B5EF4-FFF2-40B4-BE49-F238E27FC236}">
-                <a16:creationId xmlns:a16="http://schemas.microsoft.com/office/drawing/2014/main" id="{E3B833BA-155A-4C5F-B1D5-000C537B7242}"/>
+                <a16:creationId xmlns:a16="http://schemas.microsoft.com/office/drawing/2014/main" id="{BF23B248-6A8F-4DD9-AA82-43753D3E1F04}"/>
               </a:ext>
             </a:extLst>
           </p:cNvPr>
@@ -18113,48 +18513,16 @@
           <a:bodyPr/>
           <a:lstStyle/>
           <a:p>
-            <a:r>
-              <a:rPr lang="en-US" dirty="0"/>
-              <a:t>2c – scripts/aggregation</a:t>
-            </a:r>
-          </a:p>
-        </p:txBody>
-      </p:sp>
-      <p:pic>
-        <p:nvPicPr>
-          <p:cNvPr id="8" name="Content Placeholder 7">
-            <a:extLst>
-              <a:ext uri="{FF2B5EF4-FFF2-40B4-BE49-F238E27FC236}">
-                <a16:creationId xmlns:a16="http://schemas.microsoft.com/office/drawing/2014/main" id="{18693AF9-DB03-4F82-BB18-406BD6F15900}"/>
-              </a:ext>
-            </a:extLst>
-          </p:cNvPr>
-          <p:cNvPicPr>
-            <a:picLocks noGrp="1" noChangeAspect="1"/>
-          </p:cNvPicPr>
-          <p:nvPr>
-            <p:ph idx="1"/>
-          </p:nvPr>
-        </p:nvPicPr>
-        <p:blipFill>
-          <a:blip r:embed="rId2"/>
-          <a:stretch>
-            <a:fillRect/>
-          </a:stretch>
-        </p:blipFill>
-        <p:spPr>
-          <a:xfrm>
-            <a:off x="204907" y="1279418"/>
-            <a:ext cx="1626653" cy="553062"/>
-          </a:xfrm>
-        </p:spPr>
-      </p:pic>
+            <a:endParaRPr lang="en-US"/>
+          </a:p>
+        </p:txBody>
+      </p:sp>
       <p:sp>
         <p:nvSpPr>
           <p:cNvPr id="4" name="Date Placeholder 3">
             <a:extLst>
               <a:ext uri="{FF2B5EF4-FFF2-40B4-BE49-F238E27FC236}">
-                <a16:creationId xmlns:a16="http://schemas.microsoft.com/office/drawing/2014/main" id="{8D378AC1-0C93-48D9-B605-FFCE9FAF05F3}"/>
+                <a16:creationId xmlns:a16="http://schemas.microsoft.com/office/drawing/2014/main" id="{DFA13598-B459-44A3-9A70-9A1C2A368AB2}"/>
               </a:ext>
             </a:extLst>
           </p:cNvPr>
@@ -18172,7 +18540,7 @@
           <a:p>
             <a:fld id="{AF24159B-E4F0-491A-987A-BB36210A3487}" type="datetime1">
               <a:rPr lang="de-CH" noProof="0" smtClean="0"/>
-              <a:t>16.01.2023</a:t>
+              <a:t>22.01.2023</a:t>
             </a:fld>
             <a:endParaRPr lang="de-CH" noProof="0"/>
           </a:p>
@@ -18183,7 +18551,7 @@
           <p:cNvPr id="5" name="Footer Placeholder 4">
             <a:extLst>
               <a:ext uri="{FF2B5EF4-FFF2-40B4-BE49-F238E27FC236}">
-                <a16:creationId xmlns:a16="http://schemas.microsoft.com/office/drawing/2014/main" id="{4C78B408-DA72-439F-BF0A-E2FCF5267D30}"/>
+                <a16:creationId xmlns:a16="http://schemas.microsoft.com/office/drawing/2014/main" id="{116DCAED-6BC7-41E2-8686-AB3366ADEE87}"/>
               </a:ext>
             </a:extLst>
           </p:cNvPr>
@@ -18200,7 +18568,7 @@
           <a:lstStyle/>
           <a:p>
             <a:r>
-              <a:rPr lang="de-DE"/>
+              <a:rPr lang="de-DE" dirty="0"/>
               <a:t>Organisational unit (edit via “Insert” &gt; “Header &amp; Footer”)</a:t>
             </a:r>
             <a:endParaRPr lang="de-CH" dirty="0"/>
@@ -18212,7 +18580,7 @@
           <p:cNvPr id="6" name="Slide Number Placeholder 5">
             <a:extLst>
               <a:ext uri="{FF2B5EF4-FFF2-40B4-BE49-F238E27FC236}">
-                <a16:creationId xmlns:a16="http://schemas.microsoft.com/office/drawing/2014/main" id="{BB0323FB-FC1C-451E-87DC-5B29294DEA28}"/>
+                <a16:creationId xmlns:a16="http://schemas.microsoft.com/office/drawing/2014/main" id="{FF862641-C9BA-4787-936E-10C056B2ADDD}"/>
               </a:ext>
             </a:extLst>
           </p:cNvPr>
@@ -18236,132 +18604,798 @@
           </a:p>
         </p:txBody>
       </p:sp>
-      <p:pic>
-        <p:nvPicPr>
-          <p:cNvPr id="10" name="Picture 9">
-            <a:extLst>
-              <a:ext uri="{FF2B5EF4-FFF2-40B4-BE49-F238E27FC236}">
-                <a16:creationId xmlns:a16="http://schemas.microsoft.com/office/drawing/2014/main" id="{9CDCA6D2-058D-43F9-8515-404EED86AA0B}"/>
-              </a:ext>
-            </a:extLst>
-          </p:cNvPr>
-          <p:cNvPicPr>
-            <a:picLocks noChangeAspect="1"/>
-          </p:cNvPicPr>
+      <p:sp>
+        <p:nvSpPr>
+          <p:cNvPr id="36" name="Rectangle 35">
+            <a:extLst>
+              <a:ext uri="{FF2B5EF4-FFF2-40B4-BE49-F238E27FC236}">
+                <a16:creationId xmlns:a16="http://schemas.microsoft.com/office/drawing/2014/main" id="{6391EE1F-C6D9-4EA9-8F49-89E9628281B9}"/>
+              </a:ext>
+            </a:extLst>
+          </p:cNvPr>
+          <p:cNvSpPr/>
           <p:nvPr/>
-        </p:nvPicPr>
-        <p:blipFill>
-          <a:blip r:embed="rId3"/>
-          <a:stretch>
-            <a:fillRect/>
-          </a:stretch>
-        </p:blipFill>
-        <p:spPr>
-          <a:xfrm>
-            <a:off x="204907" y="2321860"/>
-            <a:ext cx="1737265" cy="819833"/>
+        </p:nvSpPr>
+        <p:spPr>
+          <a:xfrm>
+            <a:off x="156790" y="7440588"/>
+            <a:ext cx="1842704" cy="2321799"/>
           </a:xfrm>
           <a:prstGeom prst="rect">
             <a:avLst/>
           </a:prstGeom>
-        </p:spPr>
-      </p:pic>
-      <p:pic>
-        <p:nvPicPr>
-          <p:cNvPr id="12" name="Picture 11">
-            <a:extLst>
-              <a:ext uri="{FF2B5EF4-FFF2-40B4-BE49-F238E27FC236}">
-                <a16:creationId xmlns:a16="http://schemas.microsoft.com/office/drawing/2014/main" id="{55C2FF07-6D45-4DE3-886D-5F7CF94D442D}"/>
-              </a:ext>
-            </a:extLst>
-          </p:cNvPr>
-          <p:cNvPicPr>
-            <a:picLocks noChangeAspect="1"/>
-          </p:cNvPicPr>
+          <a:solidFill>
+            <a:schemeClr val="accent1">
+              <a:lumMod val="20000"/>
+              <a:lumOff val="80000"/>
+            </a:schemeClr>
+          </a:solidFill>
+          <a:ln>
+            <a:noFill/>
+          </a:ln>
+        </p:spPr>
+        <p:style>
+          <a:lnRef idx="3">
+            <a:schemeClr val="lt1"/>
+          </a:lnRef>
+          <a:fillRef idx="1">
+            <a:schemeClr val="accent3"/>
+          </a:fillRef>
+          <a:effectRef idx="1">
+            <a:schemeClr val="accent3"/>
+          </a:effectRef>
+          <a:fontRef idx="minor">
+            <a:schemeClr val="lt1"/>
+          </a:fontRef>
+        </p:style>
+        <p:txBody>
+          <a:bodyPr rtlCol="0" anchor="ctr"/>
+          <a:lstStyle/>
+          <a:p>
+            <a:r>
+              <a:rPr lang="en-US" sz="1400" dirty="0" err="1">
+                <a:solidFill>
+                  <a:sysClr val="windowText" lastClr="000000"/>
+                </a:solidFill>
+              </a:rPr>
+              <a:t>calculate_impacts.R</a:t>
+            </a:r>
+            <a:r>
+              <a:rPr lang="en-US" sz="1400" dirty="0">
+                <a:solidFill>
+                  <a:sysClr val="windowText" lastClr="000000"/>
+                </a:solidFill>
+              </a:rPr>
+              <a:t>, </a:t>
+            </a:r>
+          </a:p>
+          <a:p>
+            <a:r>
+              <a:rPr lang="en-US" sz="1400" dirty="0">
+                <a:solidFill>
+                  <a:sysClr val="windowText" lastClr="000000"/>
+                </a:solidFill>
+              </a:rPr>
+              <a:t>called in </a:t>
+            </a:r>
+            <a:r>
+              <a:rPr lang="en-US" sz="1400" dirty="0" err="1">
+                <a:solidFill>
+                  <a:sysClr val="windowText" lastClr="000000"/>
+                </a:solidFill>
+              </a:rPr>
+              <a:t>main.R</a:t>
+            </a:r>
+            <a:endParaRPr lang="en-US" sz="1400" dirty="0">
+              <a:solidFill>
+                <a:sysClr val="windowText" lastClr="000000"/>
+              </a:solidFill>
+            </a:endParaRPr>
+          </a:p>
+        </p:txBody>
+      </p:sp>
+      <p:sp>
+        <p:nvSpPr>
+          <p:cNvPr id="40" name="Rectangle 39">
+            <a:extLst>
+              <a:ext uri="{FF2B5EF4-FFF2-40B4-BE49-F238E27FC236}">
+                <a16:creationId xmlns:a16="http://schemas.microsoft.com/office/drawing/2014/main" id="{47848ABF-E097-4330-9C9A-7654311E10DD}"/>
+              </a:ext>
+            </a:extLst>
+          </p:cNvPr>
+          <p:cNvSpPr/>
           <p:nvPr/>
-        </p:nvPicPr>
-        <p:blipFill>
-          <a:blip r:embed="rId4"/>
-          <a:stretch>
-            <a:fillRect/>
-          </a:stretch>
-        </p:blipFill>
-        <p:spPr>
-          <a:xfrm>
-            <a:off x="204907" y="4480431"/>
-            <a:ext cx="1639665" cy="266772"/>
+        </p:nvSpPr>
+        <p:spPr>
+          <a:xfrm>
+            <a:off x="2377133" y="7440587"/>
+            <a:ext cx="2743200" cy="274320"/>
           </a:xfrm>
           <a:prstGeom prst="rect">
             <a:avLst/>
           </a:prstGeom>
-        </p:spPr>
-      </p:pic>
-      <p:pic>
-        <p:nvPicPr>
-          <p:cNvPr id="14" name="Picture 13">
-            <a:extLst>
-              <a:ext uri="{FF2B5EF4-FFF2-40B4-BE49-F238E27FC236}">
-                <a16:creationId xmlns:a16="http://schemas.microsoft.com/office/drawing/2014/main" id="{E2156D53-AEB8-4C85-AAEF-A711C0C55487}"/>
-              </a:ext>
-            </a:extLst>
-          </p:cNvPr>
-          <p:cNvPicPr>
-            <a:picLocks noChangeAspect="1"/>
-          </p:cNvPicPr>
+          <a:solidFill>
+            <a:schemeClr val="accent1">
+              <a:lumMod val="20000"/>
+              <a:lumOff val="80000"/>
+            </a:schemeClr>
+          </a:solidFill>
+          <a:ln>
+            <a:noFill/>
+          </a:ln>
+        </p:spPr>
+        <p:style>
+          <a:lnRef idx="3">
+            <a:schemeClr val="lt1"/>
+          </a:lnRef>
+          <a:fillRef idx="1">
+            <a:schemeClr val="accent3"/>
+          </a:fillRef>
+          <a:effectRef idx="1">
+            <a:schemeClr val="accent3"/>
+          </a:effectRef>
+          <a:fontRef idx="minor">
+            <a:schemeClr val="lt1"/>
+          </a:fontRef>
+        </p:style>
+        <p:txBody>
+          <a:bodyPr rtlCol="0" anchor="ctr"/>
+          <a:lstStyle/>
+          <a:p>
+            <a:r>
+              <a:rPr lang="en-US" sz="1400" dirty="0" err="1">
+                <a:solidFill>
+                  <a:sysClr val="windowText" lastClr="000000"/>
+                </a:solidFill>
+              </a:rPr>
+              <a:t>calculate_slost.R</a:t>
+            </a:r>
+            <a:endParaRPr lang="en-US" sz="1400" dirty="0">
+              <a:solidFill>
+                <a:sysClr val="windowText" lastClr="000000"/>
+              </a:solidFill>
+            </a:endParaRPr>
+          </a:p>
+        </p:txBody>
+      </p:sp>
+      <p:sp>
+        <p:nvSpPr>
+          <p:cNvPr id="41" name="Rectangle 40">
+            <a:extLst>
+              <a:ext uri="{FF2B5EF4-FFF2-40B4-BE49-F238E27FC236}">
+                <a16:creationId xmlns:a16="http://schemas.microsoft.com/office/drawing/2014/main" id="{AD0F66E2-9C2C-427E-ABCA-472A0ACEDC7A}"/>
+              </a:ext>
+            </a:extLst>
+          </p:cNvPr>
+          <p:cNvSpPr/>
           <p:nvPr/>
-        </p:nvPicPr>
-        <p:blipFill>
-          <a:blip r:embed="rId5"/>
-          <a:stretch>
-            <a:fillRect/>
-          </a:stretch>
-        </p:blipFill>
-        <p:spPr>
-          <a:xfrm>
-            <a:off x="204907" y="5465319"/>
-            <a:ext cx="2030063" cy="266772"/>
+        </p:nvSpPr>
+        <p:spPr>
+          <a:xfrm>
+            <a:off x="2377133" y="8174865"/>
+            <a:ext cx="2743200" cy="919465"/>
           </a:xfrm>
           <a:prstGeom prst="rect">
             <a:avLst/>
           </a:prstGeom>
-        </p:spPr>
-      </p:pic>
-      <p:pic>
-        <p:nvPicPr>
-          <p:cNvPr id="16" name="Picture 15">
-            <a:extLst>
-              <a:ext uri="{FF2B5EF4-FFF2-40B4-BE49-F238E27FC236}">
-                <a16:creationId xmlns:a16="http://schemas.microsoft.com/office/drawing/2014/main" id="{88E74792-219B-4D54-ACDC-775255D2FCD5}"/>
-              </a:ext>
-            </a:extLst>
-          </p:cNvPr>
-          <p:cNvPicPr>
-            <a:picLocks noChangeAspect="1"/>
-          </p:cNvPicPr>
+          <a:solidFill>
+            <a:schemeClr val="accent5">
+              <a:lumMod val="20000"/>
+              <a:lumOff val="80000"/>
+            </a:schemeClr>
+          </a:solidFill>
+          <a:ln>
+            <a:noFill/>
+          </a:ln>
+        </p:spPr>
+        <p:style>
+          <a:lnRef idx="2">
+            <a:schemeClr val="dk1"/>
+          </a:lnRef>
+          <a:fillRef idx="1">
+            <a:schemeClr val="lt1"/>
+          </a:fillRef>
+          <a:effectRef idx="0">
+            <a:schemeClr val="dk1"/>
+          </a:effectRef>
+          <a:fontRef idx="minor">
+            <a:schemeClr val="dk1"/>
+          </a:fontRef>
+        </p:style>
+        <p:txBody>
+          <a:bodyPr rtlCol="0" anchor="ctr"/>
+          <a:lstStyle/>
+          <a:p>
+            <a:r>
+              <a:rPr lang="en-US" sz="1400" dirty="0"/>
+              <a:t>.</a:t>
+            </a:r>
+            <a:r>
+              <a:rPr lang="en-US" sz="1400" dirty="0" err="1"/>
+              <a:t>Rdata</a:t>
+            </a:r>
+            <a:r>
+              <a:rPr lang="en-US" sz="1400" dirty="0"/>
+              <a:t> files in data/</a:t>
+            </a:r>
+            <a:r>
+              <a:rPr lang="en-US" sz="1400" dirty="0" err="1"/>
+              <a:t>model_parameters</a:t>
+            </a:r>
+            <a:r>
+              <a:rPr lang="en-US" sz="1400" dirty="0"/>
+              <a:t>/</a:t>
+            </a:r>
+          </a:p>
+          <a:p>
+            <a:r>
+              <a:rPr lang="en-US" sz="1400" dirty="0" err="1"/>
+              <a:t>ecoregions_data</a:t>
+            </a:r>
+            <a:r>
+              <a:rPr lang="en-US" sz="1400" dirty="0"/>
+              <a:t>/</a:t>
+            </a:r>
+            <a:r>
+              <a:rPr lang="en-US" sz="1400" dirty="0" err="1"/>
+              <a:t>rr_zz</a:t>
+            </a:r>
+            <a:r>
+              <a:rPr lang="en-US" sz="1400" dirty="0"/>
+              <a:t>/ selected according to the initial settings</a:t>
+            </a:r>
+          </a:p>
+        </p:txBody>
+      </p:sp>
+      <p:sp>
+        <p:nvSpPr>
+          <p:cNvPr id="42" name="Rectangle 41">
+            <a:extLst>
+              <a:ext uri="{FF2B5EF4-FFF2-40B4-BE49-F238E27FC236}">
+                <a16:creationId xmlns:a16="http://schemas.microsoft.com/office/drawing/2014/main" id="{FBF5419D-7F8D-476B-9D5D-292C72433A21}"/>
+              </a:ext>
+            </a:extLst>
+          </p:cNvPr>
+          <p:cNvSpPr/>
           <p:nvPr/>
-        </p:nvPicPr>
-        <p:blipFill>
-          <a:blip r:embed="rId6"/>
-          <a:stretch>
-            <a:fillRect/>
-          </a:stretch>
-        </p:blipFill>
-        <p:spPr>
-          <a:xfrm>
-            <a:off x="204907" y="3579233"/>
-            <a:ext cx="1769798" cy="279785"/>
+        </p:nvSpPr>
+        <p:spPr>
+          <a:xfrm>
+            <a:off x="2377133" y="9175839"/>
+            <a:ext cx="2743200" cy="690808"/>
           </a:xfrm>
           <a:prstGeom prst="rect">
             <a:avLst/>
           </a:prstGeom>
-        </p:spPr>
-      </p:pic>
+          <a:solidFill>
+            <a:schemeClr val="accent4">
+              <a:lumMod val="20000"/>
+              <a:lumOff val="80000"/>
+            </a:schemeClr>
+          </a:solidFill>
+          <a:ln>
+            <a:noFill/>
+          </a:ln>
+        </p:spPr>
+        <p:style>
+          <a:lnRef idx="2">
+            <a:schemeClr val="dk1"/>
+          </a:lnRef>
+          <a:fillRef idx="1">
+            <a:schemeClr val="lt1"/>
+          </a:fillRef>
+          <a:effectRef idx="0">
+            <a:schemeClr val="dk1"/>
+          </a:effectRef>
+          <a:fontRef idx="minor">
+            <a:schemeClr val="dk1"/>
+          </a:fontRef>
+        </p:style>
+        <p:txBody>
+          <a:bodyPr rtlCol="0" anchor="ctr"/>
+          <a:lstStyle/>
+          <a:p>
+            <a:r>
+              <a:rPr lang="en-US" sz="1400" dirty="0"/>
+              <a:t>.csv files in data/</a:t>
+            </a:r>
+            <a:r>
+              <a:rPr lang="en-US" sz="1400" dirty="0" err="1"/>
+              <a:t>land_use_data</a:t>
+            </a:r>
+            <a:r>
+              <a:rPr lang="en-US" sz="1400" dirty="0"/>
+              <a:t>/</a:t>
+            </a:r>
+          </a:p>
+          <a:p>
+            <a:r>
+              <a:rPr lang="en-US" sz="1400" dirty="0" err="1"/>
+              <a:t>areas_processed</a:t>
+            </a:r>
+            <a:r>
+              <a:rPr lang="en-US" sz="1400" dirty="0"/>
+              <a:t>/ selected according to the initial settings</a:t>
+            </a:r>
+          </a:p>
+        </p:txBody>
+      </p:sp>
+      <p:sp>
+        <p:nvSpPr>
+          <p:cNvPr id="43" name="Rectangle 42">
+            <a:extLst>
+              <a:ext uri="{FF2B5EF4-FFF2-40B4-BE49-F238E27FC236}">
+                <a16:creationId xmlns:a16="http://schemas.microsoft.com/office/drawing/2014/main" id="{F3267249-EB64-4960-954A-FC9F8388B141}"/>
+              </a:ext>
+            </a:extLst>
+          </p:cNvPr>
+          <p:cNvSpPr/>
+          <p:nvPr/>
+        </p:nvSpPr>
+        <p:spPr>
+          <a:xfrm>
+            <a:off x="8031233" y="8287377"/>
+            <a:ext cx="2193250" cy="601921"/>
+          </a:xfrm>
+          <a:prstGeom prst="rect">
+            <a:avLst/>
+          </a:prstGeom>
+          <a:solidFill>
+            <a:schemeClr val="accent1">
+              <a:lumMod val="20000"/>
+              <a:lumOff val="80000"/>
+            </a:schemeClr>
+          </a:solidFill>
+          <a:ln>
+            <a:noFill/>
+          </a:ln>
+        </p:spPr>
+        <p:style>
+          <a:lnRef idx="2">
+            <a:schemeClr val="dk1"/>
+          </a:lnRef>
+          <a:fillRef idx="1">
+            <a:schemeClr val="lt1"/>
+          </a:fillRef>
+          <a:effectRef idx="0">
+            <a:schemeClr val="dk1"/>
+          </a:effectRef>
+          <a:fontRef idx="minor">
+            <a:schemeClr val="dk1"/>
+          </a:fontRef>
+        </p:style>
+        <p:txBody>
+          <a:bodyPr rtlCol="0" anchor="ctr"/>
+          <a:lstStyle/>
+          <a:p>
+            <a:r>
+              <a:rPr lang="en-US" sz="1400" dirty="0" err="1"/>
+              <a:t>parameters_calculation.R</a:t>
+            </a:r>
+            <a:endParaRPr lang="en-US" sz="1400" dirty="0"/>
+          </a:p>
+        </p:txBody>
+      </p:sp>
+      <p:sp>
+        <p:nvSpPr>
+          <p:cNvPr id="44" name="Rectangle 43">
+            <a:extLst>
+              <a:ext uri="{FF2B5EF4-FFF2-40B4-BE49-F238E27FC236}">
+                <a16:creationId xmlns:a16="http://schemas.microsoft.com/office/drawing/2014/main" id="{BA657F5D-8E68-4890-AFAC-655BA2A565BC}"/>
+              </a:ext>
+            </a:extLst>
+          </p:cNvPr>
+          <p:cNvSpPr/>
+          <p:nvPr/>
+        </p:nvSpPr>
+        <p:spPr>
+          <a:xfrm>
+            <a:off x="2377133" y="7806651"/>
+            <a:ext cx="2743200" cy="274320"/>
+          </a:xfrm>
+          <a:prstGeom prst="rect">
+            <a:avLst/>
+          </a:prstGeom>
+          <a:solidFill>
+            <a:schemeClr val="accent1">
+              <a:lumMod val="20000"/>
+              <a:lumOff val="80000"/>
+            </a:schemeClr>
+          </a:solidFill>
+          <a:ln>
+            <a:noFill/>
+          </a:ln>
+        </p:spPr>
+        <p:style>
+          <a:lnRef idx="3">
+            <a:schemeClr val="lt1"/>
+          </a:lnRef>
+          <a:fillRef idx="1">
+            <a:schemeClr val="accent3"/>
+          </a:fillRef>
+          <a:effectRef idx="1">
+            <a:schemeClr val="accent3"/>
+          </a:effectRef>
+          <a:fontRef idx="minor">
+            <a:schemeClr val="lt1"/>
+          </a:fontRef>
+        </p:style>
+        <p:txBody>
+          <a:bodyPr rtlCol="0" anchor="ctr"/>
+          <a:lstStyle/>
+          <a:p>
+            <a:r>
+              <a:rPr lang="en-US" sz="1400" dirty="0" err="1">
+                <a:solidFill>
+                  <a:sysClr val="windowText" lastClr="000000"/>
+                </a:solidFill>
+              </a:rPr>
+              <a:t>allocate_impacts.R</a:t>
+            </a:r>
+            <a:endParaRPr lang="en-US" sz="1400" dirty="0">
+              <a:solidFill>
+                <a:sysClr val="windowText" lastClr="000000"/>
+              </a:solidFill>
+            </a:endParaRPr>
+          </a:p>
+        </p:txBody>
+      </p:sp>
+      <p:sp>
+        <p:nvSpPr>
+          <p:cNvPr id="45" name="Rectangle 44">
+            <a:extLst>
+              <a:ext uri="{FF2B5EF4-FFF2-40B4-BE49-F238E27FC236}">
+                <a16:creationId xmlns:a16="http://schemas.microsoft.com/office/drawing/2014/main" id="{B63660FE-3A78-4871-8333-60B16E0EA00A}"/>
+              </a:ext>
+            </a:extLst>
+          </p:cNvPr>
+          <p:cNvSpPr/>
+          <p:nvPr/>
+        </p:nvSpPr>
+        <p:spPr>
+          <a:xfrm>
+            <a:off x="5492556" y="8597038"/>
+            <a:ext cx="2188030" cy="274320"/>
+          </a:xfrm>
+          <a:prstGeom prst="rect">
+            <a:avLst/>
+          </a:prstGeom>
+          <a:solidFill>
+            <a:schemeClr val="accent1">
+              <a:lumMod val="20000"/>
+              <a:lumOff val="80000"/>
+            </a:schemeClr>
+          </a:solidFill>
+          <a:ln>
+            <a:noFill/>
+          </a:ln>
+        </p:spPr>
+        <p:style>
+          <a:lnRef idx="2">
+            <a:schemeClr val="dk1"/>
+          </a:lnRef>
+          <a:fillRef idx="1">
+            <a:schemeClr val="lt1"/>
+          </a:fillRef>
+          <a:effectRef idx="0">
+            <a:schemeClr val="dk1"/>
+          </a:effectRef>
+          <a:fontRef idx="minor">
+            <a:schemeClr val="dk1"/>
+          </a:fontRef>
+        </p:style>
+        <p:txBody>
+          <a:bodyPr rtlCol="0" anchor="ctr"/>
+          <a:lstStyle/>
+          <a:p>
+            <a:r>
+              <a:rPr lang="en-US" sz="1400" dirty="0" err="1"/>
+              <a:t>bootstrapping.R</a:t>
+            </a:r>
+            <a:endParaRPr lang="en-US" sz="1400" dirty="0"/>
+          </a:p>
+        </p:txBody>
+      </p:sp>
+      <p:sp>
+        <p:nvSpPr>
+          <p:cNvPr id="46" name="Rectangle 45">
+            <a:extLst>
+              <a:ext uri="{FF2B5EF4-FFF2-40B4-BE49-F238E27FC236}">
+                <a16:creationId xmlns:a16="http://schemas.microsoft.com/office/drawing/2014/main" id="{C5F5B2EB-95CD-403F-AFF0-CB8030BF1CDC}"/>
+              </a:ext>
+            </a:extLst>
+          </p:cNvPr>
+          <p:cNvSpPr/>
+          <p:nvPr/>
+        </p:nvSpPr>
+        <p:spPr>
+          <a:xfrm>
+            <a:off x="10576334" y="8247086"/>
+            <a:ext cx="1753092" cy="274320"/>
+          </a:xfrm>
+          <a:prstGeom prst="rect">
+            <a:avLst/>
+          </a:prstGeom>
+          <a:solidFill>
+            <a:schemeClr val="accent1">
+              <a:lumMod val="20000"/>
+              <a:lumOff val="80000"/>
+            </a:schemeClr>
+          </a:solidFill>
+          <a:ln>
+            <a:noFill/>
+          </a:ln>
+        </p:spPr>
+        <p:style>
+          <a:lnRef idx="2">
+            <a:schemeClr val="dk1"/>
+          </a:lnRef>
+          <a:fillRef idx="1">
+            <a:schemeClr val="lt1"/>
+          </a:fillRef>
+          <a:effectRef idx="0">
+            <a:schemeClr val="dk1"/>
+          </a:effectRef>
+          <a:fontRef idx="minor">
+            <a:schemeClr val="dk1"/>
+          </a:fontRef>
+        </p:style>
+        <p:txBody>
+          <a:bodyPr rtlCol="0" anchor="ctr"/>
+          <a:lstStyle/>
+          <a:p>
+            <a:r>
+              <a:rPr lang="en-US" sz="1400" dirty="0" err="1"/>
+              <a:t>distributions.R</a:t>
+            </a:r>
+            <a:endParaRPr lang="en-US" sz="1400" dirty="0"/>
+          </a:p>
+        </p:txBody>
+      </p:sp>
+      <p:sp>
+        <p:nvSpPr>
+          <p:cNvPr id="47" name="Rectangle 46">
+            <a:extLst>
+              <a:ext uri="{FF2B5EF4-FFF2-40B4-BE49-F238E27FC236}">
+                <a16:creationId xmlns:a16="http://schemas.microsoft.com/office/drawing/2014/main" id="{91CD7AC0-3019-4B16-8AB9-02C1A295DCEA}"/>
+              </a:ext>
+            </a:extLst>
+          </p:cNvPr>
+          <p:cNvSpPr/>
+          <p:nvPr/>
+        </p:nvSpPr>
+        <p:spPr>
+          <a:xfrm>
+            <a:off x="5492555" y="7401511"/>
+            <a:ext cx="2184359" cy="274320"/>
+          </a:xfrm>
+          <a:prstGeom prst="rect">
+            <a:avLst/>
+          </a:prstGeom>
+          <a:solidFill>
+            <a:schemeClr val="accent1">
+              <a:lumMod val="20000"/>
+              <a:lumOff val="80000"/>
+            </a:schemeClr>
+          </a:solidFill>
+          <a:ln>
+            <a:noFill/>
+          </a:ln>
+        </p:spPr>
+        <p:style>
+          <a:lnRef idx="2">
+            <a:schemeClr val="dk1"/>
+          </a:lnRef>
+          <a:fillRef idx="1">
+            <a:schemeClr val="lt1"/>
+          </a:fillRef>
+          <a:effectRef idx="0">
+            <a:schemeClr val="dk1"/>
+          </a:effectRef>
+          <a:fontRef idx="minor">
+            <a:schemeClr val="dk1"/>
+          </a:fontRef>
+        </p:style>
+        <p:txBody>
+          <a:bodyPr rtlCol="0" anchor="ctr"/>
+          <a:lstStyle/>
+          <a:p>
+            <a:r>
+              <a:rPr lang="en-US" sz="1400" dirty="0" err="1"/>
+              <a:t>model_functions.R</a:t>
+            </a:r>
+            <a:endParaRPr lang="en-US" sz="1400" dirty="0"/>
+          </a:p>
+        </p:txBody>
+      </p:sp>
+      <p:sp>
+        <p:nvSpPr>
+          <p:cNvPr id="48" name="Rectangle 47">
+            <a:extLst>
+              <a:ext uri="{FF2B5EF4-FFF2-40B4-BE49-F238E27FC236}">
+                <a16:creationId xmlns:a16="http://schemas.microsoft.com/office/drawing/2014/main" id="{77139217-41F5-48DB-8222-04B047A5AF61}"/>
+              </a:ext>
+            </a:extLst>
+          </p:cNvPr>
+          <p:cNvSpPr/>
+          <p:nvPr/>
+        </p:nvSpPr>
+        <p:spPr>
+          <a:xfrm>
+            <a:off x="10568840" y="8601969"/>
+            <a:ext cx="1753092" cy="274320"/>
+          </a:xfrm>
+          <a:prstGeom prst="rect">
+            <a:avLst/>
+          </a:prstGeom>
+          <a:solidFill>
+            <a:schemeClr val="accent1">
+              <a:lumMod val="20000"/>
+              <a:lumOff val="80000"/>
+            </a:schemeClr>
+          </a:solidFill>
+          <a:ln>
+            <a:noFill/>
+          </a:ln>
+        </p:spPr>
+        <p:style>
+          <a:lnRef idx="2">
+            <a:schemeClr val="dk1"/>
+          </a:lnRef>
+          <a:fillRef idx="1">
+            <a:schemeClr val="lt1"/>
+          </a:fillRef>
+          <a:effectRef idx="0">
+            <a:schemeClr val="dk1"/>
+          </a:effectRef>
+          <a:fontRef idx="minor">
+            <a:schemeClr val="dk1"/>
+          </a:fontRef>
+        </p:style>
+        <p:txBody>
+          <a:bodyPr rtlCol="0" anchor="ctr"/>
+          <a:lstStyle/>
+          <a:p>
+            <a:r>
+              <a:rPr lang="en-US" sz="1400" dirty="0" err="1"/>
+              <a:t>model_functions.R</a:t>
+            </a:r>
+            <a:endParaRPr lang="en-US" sz="1400" dirty="0"/>
+          </a:p>
+        </p:txBody>
+      </p:sp>
+      <p:sp>
+        <p:nvSpPr>
+          <p:cNvPr id="60" name="Rectangle 59">
+            <a:extLst>
+              <a:ext uri="{FF2B5EF4-FFF2-40B4-BE49-F238E27FC236}">
+                <a16:creationId xmlns:a16="http://schemas.microsoft.com/office/drawing/2014/main" id="{52E9D9F2-BA95-4D64-BA03-5B3DAF5612D9}"/>
+              </a:ext>
+            </a:extLst>
+          </p:cNvPr>
+          <p:cNvSpPr/>
+          <p:nvPr/>
+        </p:nvSpPr>
+        <p:spPr>
+          <a:xfrm>
+            <a:off x="5461318" y="9171169"/>
+            <a:ext cx="2219268" cy="690805"/>
+          </a:xfrm>
+          <a:prstGeom prst="rect">
+            <a:avLst/>
+          </a:prstGeom>
+          <a:solidFill>
+            <a:schemeClr val="accent1">
+              <a:lumMod val="20000"/>
+              <a:lumOff val="80000"/>
+            </a:schemeClr>
+          </a:solidFill>
+          <a:ln>
+            <a:noFill/>
+          </a:ln>
+        </p:spPr>
+        <p:style>
+          <a:lnRef idx="2">
+            <a:schemeClr val="dk1"/>
+          </a:lnRef>
+          <a:fillRef idx="1">
+            <a:schemeClr val="lt1"/>
+          </a:fillRef>
+          <a:effectRef idx="0">
+            <a:schemeClr val="dk1"/>
+          </a:effectRef>
+          <a:fontRef idx="minor">
+            <a:schemeClr val="dk1"/>
+          </a:fontRef>
+        </p:style>
+        <p:txBody>
+          <a:bodyPr rtlCol="0" anchor="ctr"/>
+          <a:lstStyle/>
+          <a:p>
+            <a:r>
+              <a:rPr lang="en-US" sz="1400" dirty="0" err="1"/>
+              <a:t>data_preparation</a:t>
+            </a:r>
+            <a:r>
+              <a:rPr lang="en-US" sz="1400" dirty="0"/>
+              <a:t>/</a:t>
+            </a:r>
+            <a:r>
+              <a:rPr lang="en-US" sz="1400" dirty="0" err="1"/>
+              <a:t>do_tidy_match.R</a:t>
+            </a:r>
+            <a:r>
+              <a:rPr lang="en-US" sz="1400" dirty="0"/>
+              <a:t> (called in </a:t>
+            </a:r>
+            <a:r>
+              <a:rPr lang="en-US" sz="1400" dirty="0" err="1"/>
+              <a:t>main.R</a:t>
+            </a:r>
+            <a:r>
+              <a:rPr lang="en-US" sz="1400" dirty="0"/>
+              <a:t>)</a:t>
+            </a:r>
+          </a:p>
+        </p:txBody>
+      </p:sp>
+      <p:sp>
+        <p:nvSpPr>
+          <p:cNvPr id="73" name="Rectangle 72">
+            <a:extLst>
+              <a:ext uri="{FF2B5EF4-FFF2-40B4-BE49-F238E27FC236}">
+                <a16:creationId xmlns:a16="http://schemas.microsoft.com/office/drawing/2014/main" id="{B1D6366C-3D3F-4900-B024-EE7E887D8726}"/>
+              </a:ext>
+            </a:extLst>
+          </p:cNvPr>
+          <p:cNvSpPr/>
+          <p:nvPr/>
+        </p:nvSpPr>
+        <p:spPr>
+          <a:xfrm>
+            <a:off x="2323047" y="7173986"/>
+            <a:ext cx="2884713" cy="239417"/>
+          </a:xfrm>
+          <a:prstGeom prst="rect">
+            <a:avLst/>
+          </a:prstGeom>
+          <a:noFill/>
+          <a:ln>
+            <a:noFill/>
+          </a:ln>
+        </p:spPr>
+        <p:style>
+          <a:lnRef idx="0">
+            <a:scrgbClr r="0" g="0" b="0"/>
+          </a:lnRef>
+          <a:fillRef idx="0">
+            <a:scrgbClr r="0" g="0" b="0"/>
+          </a:fillRef>
+          <a:effectRef idx="0">
+            <a:scrgbClr r="0" g="0" b="0"/>
+          </a:effectRef>
+          <a:fontRef idx="minor">
+            <a:schemeClr val="dk1"/>
+          </a:fontRef>
+        </p:style>
+        <p:txBody>
+          <a:bodyPr rtlCol="0" anchor="ctr"/>
+          <a:lstStyle/>
+          <a:p>
+            <a:pPr algn="ctr"/>
+            <a:r>
+              <a:rPr lang="en-US" sz="1400" i="1" dirty="0"/>
+              <a:t>Functions and data called</a:t>
+            </a:r>
+          </a:p>
+        </p:txBody>
+      </p:sp>
       <p:cxnSp>
         <p:nvCxnSpPr>
-          <p:cNvPr id="17" name="Straight Arrow Connector 16">
-            <a:extLst>
-              <a:ext uri="{FF2B5EF4-FFF2-40B4-BE49-F238E27FC236}">
-                <a16:creationId xmlns:a16="http://schemas.microsoft.com/office/drawing/2014/main" id="{25D35313-F29C-4D7C-8FDB-1C1D54E8D3BB}"/>
+          <p:cNvPr id="74" name="Straight Arrow Connector 73">
+            <a:extLst>
+              <a:ext uri="{FF2B5EF4-FFF2-40B4-BE49-F238E27FC236}">
+                <a16:creationId xmlns:a16="http://schemas.microsoft.com/office/drawing/2014/main" id="{DDB97C9A-CFE0-42F7-93C9-FCC0F9D7108B}"/>
               </a:ext>
             </a:extLst>
           </p:cNvPr>
@@ -18371,308 +19405,9 @@
           <p:nvPr/>
         </p:nvCxnSpPr>
         <p:spPr>
-          <a:xfrm>
-            <a:off x="1881972" y="1555949"/>
-            <a:ext cx="608715" cy="0"/>
-          </a:xfrm>
-          <a:prstGeom prst="straightConnector1">
-            <a:avLst/>
-          </a:prstGeom>
-          <a:ln>
-            <a:tailEnd type="triangle"/>
-          </a:ln>
-        </p:spPr>
-        <p:style>
-          <a:lnRef idx="1">
-            <a:schemeClr val="dk1"/>
-          </a:lnRef>
-          <a:fillRef idx="0">
-            <a:schemeClr val="dk1"/>
-          </a:fillRef>
-          <a:effectRef idx="0">
-            <a:schemeClr val="dk1"/>
-          </a:effectRef>
-          <a:fontRef idx="minor">
-            <a:schemeClr val="tx1"/>
-          </a:fontRef>
-        </p:style>
-      </p:cxnSp>
-      <p:sp>
-        <p:nvSpPr>
-          <p:cNvPr id="18" name="Rectangle: Rounded Corners 17">
-            <a:extLst>
-              <a:ext uri="{FF2B5EF4-FFF2-40B4-BE49-F238E27FC236}">
-                <a16:creationId xmlns:a16="http://schemas.microsoft.com/office/drawing/2014/main" id="{4F4A1376-9B45-413C-A9FF-2D1A7F8178B4}"/>
-              </a:ext>
-            </a:extLst>
-          </p:cNvPr>
-          <p:cNvSpPr/>
-          <p:nvPr/>
-        </p:nvSpPr>
-        <p:spPr>
-          <a:xfrm>
-            <a:off x="2572670" y="5418480"/>
-            <a:ext cx="9144000" cy="391567"/>
-          </a:xfrm>
-          <a:prstGeom prst="roundRect">
-            <a:avLst/>
-          </a:prstGeom>
-          <a:ln/>
-        </p:spPr>
-        <p:style>
-          <a:lnRef idx="2">
-            <a:schemeClr val="dk1"/>
-          </a:lnRef>
-          <a:fillRef idx="1">
-            <a:schemeClr val="lt1"/>
-          </a:fillRef>
-          <a:effectRef idx="0">
-            <a:schemeClr val="dk1"/>
-          </a:effectRef>
-          <a:fontRef idx="minor">
-            <a:schemeClr val="dk1"/>
-          </a:fontRef>
-        </p:style>
-        <p:txBody>
-          <a:bodyPr rtlCol="0" anchor="ctr"/>
-          <a:lstStyle/>
-          <a:p>
-            <a:r>
-              <a:rPr lang="en-US" sz="1500" dirty="0"/>
-              <a:t>Script to convert the results at ecoregion resolution to GLOBIOM resolution. Used in </a:t>
-            </a:r>
-            <a:r>
-              <a:rPr lang="en-US" sz="1500" i="1" dirty="0" err="1"/>
-              <a:t>main.R</a:t>
-            </a:r>
-            <a:r>
-              <a:rPr lang="en-US" sz="1500" i="1" dirty="0"/>
-              <a:t>.</a:t>
-            </a:r>
-          </a:p>
-        </p:txBody>
-      </p:sp>
-      <p:cxnSp>
-        <p:nvCxnSpPr>
-          <p:cNvPr id="20" name="Straight Arrow Connector 19">
-            <a:extLst>
-              <a:ext uri="{FF2B5EF4-FFF2-40B4-BE49-F238E27FC236}">
-                <a16:creationId xmlns:a16="http://schemas.microsoft.com/office/drawing/2014/main" id="{42C5696A-B4F6-4213-A105-CB316D1B60B4}"/>
-              </a:ext>
-            </a:extLst>
-          </p:cNvPr>
-          <p:cNvCxnSpPr>
-            <a:cxnSpLocks/>
-          </p:cNvCxnSpPr>
-          <p:nvPr/>
-        </p:nvCxnSpPr>
-        <p:spPr>
-          <a:xfrm>
-            <a:off x="1852712" y="4609095"/>
-            <a:ext cx="637975" cy="0"/>
-          </a:xfrm>
-          <a:prstGeom prst="straightConnector1">
-            <a:avLst/>
-          </a:prstGeom>
-          <a:ln>
-            <a:tailEnd type="triangle"/>
-          </a:ln>
-        </p:spPr>
-        <p:style>
-          <a:lnRef idx="1">
-            <a:schemeClr val="dk1"/>
-          </a:lnRef>
-          <a:fillRef idx="0">
-            <a:schemeClr val="dk1"/>
-          </a:fillRef>
-          <a:effectRef idx="0">
-            <a:schemeClr val="dk1"/>
-          </a:effectRef>
-          <a:fontRef idx="minor">
-            <a:schemeClr val="tx1"/>
-          </a:fontRef>
-        </p:style>
-      </p:cxnSp>
-      <p:sp>
-        <p:nvSpPr>
-          <p:cNvPr id="21" name="Rectangle: Rounded Corners 20">
-            <a:extLst>
-              <a:ext uri="{FF2B5EF4-FFF2-40B4-BE49-F238E27FC236}">
-                <a16:creationId xmlns:a16="http://schemas.microsoft.com/office/drawing/2014/main" id="{E113418E-2E5E-4EE8-A28E-1F3584ED4668}"/>
-              </a:ext>
-            </a:extLst>
-          </p:cNvPr>
-          <p:cNvSpPr/>
-          <p:nvPr/>
-        </p:nvSpPr>
-        <p:spPr>
-          <a:xfrm>
-            <a:off x="2572670" y="2465477"/>
-            <a:ext cx="9144000" cy="548640"/>
-          </a:xfrm>
-          <a:prstGeom prst="roundRect">
-            <a:avLst/>
-          </a:prstGeom>
-          <a:ln/>
-        </p:spPr>
-        <p:style>
-          <a:lnRef idx="2">
-            <a:schemeClr val="dk1"/>
-          </a:lnRef>
-          <a:fillRef idx="1">
-            <a:schemeClr val="lt1"/>
-          </a:fillRef>
-          <a:effectRef idx="0">
-            <a:schemeClr val="dk1"/>
-          </a:effectRef>
-          <a:fontRef idx="minor">
-            <a:schemeClr val="dk1"/>
-          </a:fontRef>
-        </p:style>
-        <p:txBody>
-          <a:bodyPr rtlCol="0" anchor="ctr"/>
-          <a:lstStyle/>
-          <a:p>
-            <a:r>
-              <a:rPr lang="en-US" sz="1500" dirty="0"/>
-              <a:t>Scripts which convert the .</a:t>
-            </a:r>
-            <a:r>
-              <a:rPr lang="en-US" sz="1500" dirty="0" err="1"/>
-              <a:t>Rdata</a:t>
-            </a:r>
-            <a:r>
-              <a:rPr lang="en-US" sz="1500" dirty="0"/>
-              <a:t> files created using </a:t>
-            </a:r>
-            <a:r>
-              <a:rPr lang="en-US" sz="1500" i="1" dirty="0" err="1"/>
-              <a:t>aggregate_areas.R</a:t>
-            </a:r>
-            <a:r>
-              <a:rPr lang="en-US" sz="1500" i="1" dirty="0"/>
-              <a:t> </a:t>
-            </a:r>
-            <a:r>
-              <a:rPr lang="en-US" sz="1500" dirty="0"/>
-              <a:t>and </a:t>
-            </a:r>
-            <a:r>
-              <a:rPr lang="en-US" sz="1500" i="1" dirty="0" err="1"/>
-              <a:t>aggregate_results.R</a:t>
-            </a:r>
-            <a:r>
-              <a:rPr lang="en-US" sz="1500" dirty="0"/>
-              <a:t> to separate .csv files and save them in </a:t>
-            </a:r>
-            <a:r>
-              <a:rPr lang="en-US" sz="1500" i="1" dirty="0" err="1"/>
-              <a:t>aggregation_plotting</a:t>
-            </a:r>
-            <a:r>
-              <a:rPr lang="en-US" sz="1500" dirty="0"/>
-              <a:t>. Used in </a:t>
-            </a:r>
-            <a:r>
-              <a:rPr lang="en-US" sz="1500" i="1" dirty="0" err="1"/>
-              <a:t>main.R</a:t>
-            </a:r>
-            <a:r>
-              <a:rPr lang="en-US" sz="1500" dirty="0"/>
-              <a:t>. </a:t>
-            </a:r>
-          </a:p>
-        </p:txBody>
-      </p:sp>
-      <p:sp>
-        <p:nvSpPr>
-          <p:cNvPr id="23" name="Rectangle: Rounded Corners 22">
-            <a:extLst>
-              <a:ext uri="{FF2B5EF4-FFF2-40B4-BE49-F238E27FC236}">
-                <a16:creationId xmlns:a16="http://schemas.microsoft.com/office/drawing/2014/main" id="{FF58AB39-4D8C-4C29-B54B-D1E942F1BFF9}"/>
-              </a:ext>
-            </a:extLst>
-          </p:cNvPr>
-          <p:cNvSpPr/>
-          <p:nvPr/>
-        </p:nvSpPr>
-        <p:spPr>
-          <a:xfrm>
-            <a:off x="2572670" y="1278781"/>
-            <a:ext cx="9144000" cy="548640"/>
-          </a:xfrm>
-          <a:prstGeom prst="roundRect">
-            <a:avLst/>
-          </a:prstGeom>
-          <a:ln/>
-        </p:spPr>
-        <p:style>
-          <a:lnRef idx="2">
-            <a:schemeClr val="dk1"/>
-          </a:lnRef>
-          <a:fillRef idx="1">
-            <a:schemeClr val="lt1"/>
-          </a:fillRef>
-          <a:effectRef idx="0">
-            <a:schemeClr val="dk1"/>
-          </a:effectRef>
-          <a:fontRef idx="minor">
-            <a:schemeClr val="dk1"/>
-          </a:fontRef>
-        </p:style>
-        <p:txBody>
-          <a:bodyPr rtlCol="0" anchor="ctr"/>
-          <a:lstStyle/>
-          <a:p>
-            <a:r>
-              <a:rPr lang="en-US" sz="1500" dirty="0"/>
-              <a:t>Scripts which sums the results and the areas per ecoregion, scenario and land uses at different level. The output are .</a:t>
-            </a:r>
-            <a:r>
-              <a:rPr lang="en-US" sz="1500" dirty="0" err="1"/>
-              <a:t>Rdata</a:t>
-            </a:r>
-            <a:r>
-              <a:rPr lang="en-US" sz="1500" dirty="0"/>
-              <a:t> files saved in the folder </a:t>
-            </a:r>
-            <a:r>
-              <a:rPr lang="en-US" sz="1500" i="1" dirty="0" err="1"/>
-              <a:t>aggregation_plotting</a:t>
-            </a:r>
-            <a:r>
-              <a:rPr lang="en-US" sz="1500" dirty="0"/>
-              <a:t>. Used in </a:t>
-            </a:r>
-            <a:r>
-              <a:rPr lang="en-US" sz="1500" i="1" dirty="0" err="1"/>
-              <a:t>main.R</a:t>
-            </a:r>
-            <a:r>
-              <a:rPr lang="en-US" sz="1500" dirty="0"/>
-              <a:t>. </a:t>
-            </a:r>
-          </a:p>
-        </p:txBody>
-      </p:sp>
-      <p:cxnSp>
-        <p:nvCxnSpPr>
-          <p:cNvPr id="25" name="Straight Arrow Connector 24">
-            <a:extLst>
-              <a:ext uri="{FF2B5EF4-FFF2-40B4-BE49-F238E27FC236}">
-                <a16:creationId xmlns:a16="http://schemas.microsoft.com/office/drawing/2014/main" id="{ABCA0DA3-962F-43DE-A924-584EF9424609}"/>
-              </a:ext>
-            </a:extLst>
-          </p:cNvPr>
-          <p:cNvCxnSpPr>
-            <a:cxnSpLocks/>
-          </p:cNvCxnSpPr>
-          <p:nvPr/>
-        </p:nvCxnSpPr>
-        <p:spPr>
-          <a:xfrm>
-            <a:off x="2054193" y="3719125"/>
-            <a:ext cx="436494" cy="0"/>
+          <a:xfrm flipH="1">
+            <a:off x="2036860" y="7581474"/>
+            <a:ext cx="286187" cy="0"/>
           </a:xfrm>
           <a:prstGeom prst="straightConnector1">
             <a:avLst/>
@@ -18698,10 +19433,10 @@
       </p:cxnSp>
       <p:cxnSp>
         <p:nvCxnSpPr>
-          <p:cNvPr id="26" name="Straight Arrow Connector 25">
-            <a:extLst>
-              <a:ext uri="{FF2B5EF4-FFF2-40B4-BE49-F238E27FC236}">
-                <a16:creationId xmlns:a16="http://schemas.microsoft.com/office/drawing/2014/main" id="{B34C4002-489C-4220-B35E-0D3DD1E6A67D}"/>
+          <p:cNvPr id="75" name="Straight Arrow Connector 74">
+            <a:extLst>
+              <a:ext uri="{FF2B5EF4-FFF2-40B4-BE49-F238E27FC236}">
+                <a16:creationId xmlns:a16="http://schemas.microsoft.com/office/drawing/2014/main" id="{297330E7-3333-47EF-8C7A-0EFC4620D2F4}"/>
               </a:ext>
             </a:extLst>
           </p:cNvPr>
@@ -18711,9 +19446,9 @@
           <p:nvPr/>
         </p:nvCxnSpPr>
         <p:spPr>
-          <a:xfrm>
-            <a:off x="2315274" y="5623250"/>
-            <a:ext cx="180175" cy="0"/>
+          <a:xfrm flipH="1">
+            <a:off x="2036860" y="7913754"/>
+            <a:ext cx="286187" cy="0"/>
           </a:xfrm>
           <a:prstGeom prst="straightConnector1">
             <a:avLst/>
@@ -18737,146 +19472,12 @@
           </a:fontRef>
         </p:style>
       </p:cxnSp>
-      <p:sp>
-        <p:nvSpPr>
-          <p:cNvPr id="27" name="Rectangle: Rounded Corners 26">
-            <a:extLst>
-              <a:ext uri="{FF2B5EF4-FFF2-40B4-BE49-F238E27FC236}">
-                <a16:creationId xmlns:a16="http://schemas.microsoft.com/office/drawing/2014/main" id="{ADE63353-6197-4C31-81F5-A03C25F64CDD}"/>
-              </a:ext>
-            </a:extLst>
-          </p:cNvPr>
-          <p:cNvSpPr/>
-          <p:nvPr/>
-        </p:nvSpPr>
-        <p:spPr>
-          <a:xfrm>
-            <a:off x="2572670" y="4246630"/>
-            <a:ext cx="9144000" cy="640080"/>
-          </a:xfrm>
-          <a:prstGeom prst="roundRect">
-            <a:avLst/>
-          </a:prstGeom>
-          <a:ln/>
-        </p:spPr>
-        <p:style>
-          <a:lnRef idx="2">
-            <a:schemeClr val="dk1"/>
-          </a:lnRef>
-          <a:fillRef idx="1">
-            <a:schemeClr val="lt1"/>
-          </a:fillRef>
-          <a:effectRef idx="0">
-            <a:schemeClr val="dk1"/>
-          </a:effectRef>
-          <a:fontRef idx="minor">
-            <a:schemeClr val="dk1"/>
-          </a:fontRef>
-        </p:style>
-        <p:txBody>
-          <a:bodyPr rtlCol="0" anchor="ctr"/>
-          <a:lstStyle/>
-          <a:p>
-            <a:r>
-              <a:rPr lang="en-US" sz="1500" dirty="0"/>
-              <a:t>Script to convert the results expressed as PDF to PDF per hectare. The input data for this script are the .csv files in </a:t>
-            </a:r>
-            <a:r>
-              <a:rPr lang="en-US" sz="1500" i="1" dirty="0" err="1"/>
-              <a:t>forest_management</a:t>
-            </a:r>
-            <a:r>
-              <a:rPr lang="en-US" sz="1500" i="1" dirty="0"/>
-              <a:t>/results. </a:t>
-            </a:r>
-            <a:r>
-              <a:rPr lang="en-US" sz="1500" dirty="0"/>
-              <a:t>Used in </a:t>
-            </a:r>
-            <a:r>
-              <a:rPr lang="en-US" sz="1500" i="1" dirty="0" err="1"/>
-              <a:t>main.R</a:t>
-            </a:r>
-            <a:r>
-              <a:rPr lang="en-US" sz="1500" i="1" dirty="0"/>
-              <a:t>.</a:t>
-            </a:r>
-          </a:p>
-        </p:txBody>
-      </p:sp>
-      <p:sp>
-        <p:nvSpPr>
-          <p:cNvPr id="28" name="Rectangle: Rounded Corners 27">
-            <a:extLst>
-              <a:ext uri="{FF2B5EF4-FFF2-40B4-BE49-F238E27FC236}">
-                <a16:creationId xmlns:a16="http://schemas.microsoft.com/office/drawing/2014/main" id="{764A5181-4CF9-4F5F-B6D5-9C48E727D53D}"/>
-              </a:ext>
-            </a:extLst>
-          </p:cNvPr>
-          <p:cNvSpPr/>
-          <p:nvPr/>
-        </p:nvSpPr>
-        <p:spPr>
-          <a:xfrm>
-            <a:off x="2572670" y="3409025"/>
-            <a:ext cx="9144000" cy="640080"/>
-          </a:xfrm>
-          <a:prstGeom prst="roundRect">
-            <a:avLst/>
-          </a:prstGeom>
-          <a:ln/>
-        </p:spPr>
-        <p:style>
-          <a:lnRef idx="2">
-            <a:schemeClr val="dk1"/>
-          </a:lnRef>
-          <a:fillRef idx="1">
-            <a:schemeClr val="lt1"/>
-          </a:fillRef>
-          <a:effectRef idx="0">
-            <a:schemeClr val="dk1"/>
-          </a:effectRef>
-          <a:fontRef idx="minor">
-            <a:schemeClr val="dk1"/>
-          </a:fontRef>
-        </p:style>
-        <p:txBody>
-          <a:bodyPr rtlCol="0" anchor="ctr"/>
-          <a:lstStyle/>
-          <a:p>
-            <a:r>
-              <a:rPr lang="en-US" sz="1500" dirty="0"/>
-              <a:t>Script to convert the results expressed as PDF to PDF per Mm3 of roundwood equivalent. The input data for this script are the .csv files in </a:t>
-            </a:r>
-            <a:r>
-              <a:rPr lang="en-US" sz="1500" i="1" dirty="0" err="1"/>
-              <a:t>forest_management</a:t>
-            </a:r>
-            <a:r>
-              <a:rPr lang="en-US" sz="1500" i="1" dirty="0"/>
-              <a:t>/results.</a:t>
-            </a:r>
-            <a:r>
-              <a:rPr lang="en-US" sz="1500" dirty="0"/>
-              <a:t> Used in </a:t>
-            </a:r>
-            <a:r>
-              <a:rPr lang="en-US" sz="1500" i="1" dirty="0" err="1"/>
-              <a:t>main.R</a:t>
-            </a:r>
-            <a:r>
-              <a:rPr lang="en-US" sz="1500" i="1" dirty="0"/>
-              <a:t>.</a:t>
-            </a:r>
-          </a:p>
-        </p:txBody>
-      </p:sp>
       <p:cxnSp>
         <p:nvCxnSpPr>
-          <p:cNvPr id="29" name="Straight Arrow Connector 28">
-            <a:extLst>
-              <a:ext uri="{FF2B5EF4-FFF2-40B4-BE49-F238E27FC236}">
-                <a16:creationId xmlns:a16="http://schemas.microsoft.com/office/drawing/2014/main" id="{5BB458BA-DCF1-4ED3-95B7-9F16B17D6498}"/>
+          <p:cNvPr id="76" name="Straight Arrow Connector 75">
+            <a:extLst>
+              <a:ext uri="{FF2B5EF4-FFF2-40B4-BE49-F238E27FC236}">
+                <a16:creationId xmlns:a16="http://schemas.microsoft.com/office/drawing/2014/main" id="{242C991F-A3D3-4EE6-9308-CC7704004947}"/>
               </a:ext>
             </a:extLst>
           </p:cNvPr>
@@ -18886,9 +19487,9 @@
           <p:nvPr/>
         </p:nvCxnSpPr>
         <p:spPr>
-          <a:xfrm>
-            <a:off x="2011367" y="2731776"/>
-            <a:ext cx="479320" cy="0"/>
+          <a:xfrm flipH="1">
+            <a:off x="2036860" y="8620784"/>
+            <a:ext cx="286187" cy="0"/>
           </a:xfrm>
           <a:prstGeom prst="straightConnector1">
             <a:avLst/>
@@ -18912,10 +19513,908 @@
           </a:fontRef>
         </p:style>
       </p:cxnSp>
+      <p:cxnSp>
+        <p:nvCxnSpPr>
+          <p:cNvPr id="77" name="Straight Arrow Connector 76">
+            <a:extLst>
+              <a:ext uri="{FF2B5EF4-FFF2-40B4-BE49-F238E27FC236}">
+                <a16:creationId xmlns:a16="http://schemas.microsoft.com/office/drawing/2014/main" id="{B87845D0-F253-4535-9344-9840B960967B}"/>
+              </a:ext>
+            </a:extLst>
+          </p:cNvPr>
+          <p:cNvCxnSpPr>
+            <a:cxnSpLocks/>
+          </p:cNvCxnSpPr>
+          <p:nvPr/>
+        </p:nvCxnSpPr>
+        <p:spPr>
+          <a:xfrm flipH="1">
+            <a:off x="2036860" y="9507697"/>
+            <a:ext cx="286187" cy="0"/>
+          </a:xfrm>
+          <a:prstGeom prst="straightConnector1">
+            <a:avLst/>
+          </a:prstGeom>
+          <a:ln>
+            <a:tailEnd type="triangle"/>
+          </a:ln>
+        </p:spPr>
+        <p:style>
+          <a:lnRef idx="1">
+            <a:schemeClr val="dk1"/>
+          </a:lnRef>
+          <a:fillRef idx="0">
+            <a:schemeClr val="dk1"/>
+          </a:fillRef>
+          <a:effectRef idx="0">
+            <a:schemeClr val="dk1"/>
+          </a:effectRef>
+          <a:fontRef idx="minor">
+            <a:schemeClr val="tx1"/>
+          </a:fontRef>
+        </p:style>
+      </p:cxnSp>
+      <p:sp>
+        <p:nvSpPr>
+          <p:cNvPr id="85" name="Rectangle 84">
+            <a:extLst>
+              <a:ext uri="{FF2B5EF4-FFF2-40B4-BE49-F238E27FC236}">
+                <a16:creationId xmlns:a16="http://schemas.microsoft.com/office/drawing/2014/main" id="{AAC3D41F-9C1A-48E5-8A33-9B54B0873123}"/>
+              </a:ext>
+            </a:extLst>
+          </p:cNvPr>
+          <p:cNvSpPr/>
+          <p:nvPr/>
+        </p:nvSpPr>
+        <p:spPr>
+          <a:xfrm>
+            <a:off x="5815085" y="7149503"/>
+            <a:ext cx="1628345" cy="239417"/>
+          </a:xfrm>
+          <a:prstGeom prst="rect">
+            <a:avLst/>
+          </a:prstGeom>
+          <a:noFill/>
+          <a:ln>
+            <a:noFill/>
+          </a:ln>
+        </p:spPr>
+        <p:style>
+          <a:lnRef idx="0">
+            <a:scrgbClr r="0" g="0" b="0"/>
+          </a:lnRef>
+          <a:fillRef idx="0">
+            <a:scrgbClr r="0" g="0" b="0"/>
+          </a:fillRef>
+          <a:effectRef idx="0">
+            <a:scrgbClr r="0" g="0" b="0"/>
+          </a:effectRef>
+          <a:fontRef idx="minor">
+            <a:schemeClr val="dk1"/>
+          </a:fontRef>
+        </p:style>
+        <p:txBody>
+          <a:bodyPr rtlCol="0" anchor="ctr"/>
+          <a:lstStyle/>
+          <a:p>
+            <a:pPr algn="ctr"/>
+            <a:r>
+              <a:rPr lang="en-US" sz="1400" i="1" dirty="0"/>
+              <a:t>Functions called</a:t>
+            </a:r>
+          </a:p>
+        </p:txBody>
+      </p:sp>
+      <p:sp>
+        <p:nvSpPr>
+          <p:cNvPr id="86" name="Rectangle 85">
+            <a:extLst>
+              <a:ext uri="{FF2B5EF4-FFF2-40B4-BE49-F238E27FC236}">
+                <a16:creationId xmlns:a16="http://schemas.microsoft.com/office/drawing/2014/main" id="{7BC184DD-235D-4F31-842F-7035333FE27E}"/>
+              </a:ext>
+            </a:extLst>
+          </p:cNvPr>
+          <p:cNvSpPr/>
+          <p:nvPr/>
+        </p:nvSpPr>
+        <p:spPr>
+          <a:xfrm>
+            <a:off x="5772864" y="7965649"/>
+            <a:ext cx="4543847" cy="289695"/>
+          </a:xfrm>
+          <a:prstGeom prst="rect">
+            <a:avLst/>
+          </a:prstGeom>
+          <a:noFill/>
+          <a:ln>
+            <a:noFill/>
+          </a:ln>
+        </p:spPr>
+        <p:style>
+          <a:lnRef idx="0">
+            <a:scrgbClr r="0" g="0" b="0"/>
+          </a:lnRef>
+          <a:fillRef idx="0">
+            <a:scrgbClr r="0" g="0" b="0"/>
+          </a:fillRef>
+          <a:effectRef idx="0">
+            <a:scrgbClr r="0" g="0" b="0"/>
+          </a:effectRef>
+          <a:fontRef idx="minor">
+            <a:schemeClr val="dk1"/>
+          </a:fontRef>
+        </p:style>
+        <p:txBody>
+          <a:bodyPr rtlCol="0" anchor="ctr"/>
+          <a:lstStyle/>
+          <a:p>
+            <a:pPr algn="ctr"/>
+            <a:r>
+              <a:rPr lang="en-US" sz="1400" i="1" dirty="0"/>
+              <a:t>Functions used to produce the data</a:t>
+            </a:r>
+          </a:p>
+        </p:txBody>
+      </p:sp>
+      <p:cxnSp>
+        <p:nvCxnSpPr>
+          <p:cNvPr id="90" name="Straight Arrow Connector 89">
+            <a:extLst>
+              <a:ext uri="{FF2B5EF4-FFF2-40B4-BE49-F238E27FC236}">
+                <a16:creationId xmlns:a16="http://schemas.microsoft.com/office/drawing/2014/main" id="{D866BCC2-B668-40CC-9956-CF82F4AE0DA2}"/>
+              </a:ext>
+            </a:extLst>
+          </p:cNvPr>
+          <p:cNvCxnSpPr>
+            <a:cxnSpLocks/>
+          </p:cNvCxnSpPr>
+          <p:nvPr/>
+        </p:nvCxnSpPr>
+        <p:spPr>
+          <a:xfrm flipH="1">
+            <a:off x="5144743" y="7530819"/>
+            <a:ext cx="286187" cy="0"/>
+          </a:xfrm>
+          <a:prstGeom prst="straightConnector1">
+            <a:avLst/>
+          </a:prstGeom>
+          <a:ln>
+            <a:tailEnd type="triangle"/>
+          </a:ln>
+        </p:spPr>
+        <p:style>
+          <a:lnRef idx="1">
+            <a:schemeClr val="dk1"/>
+          </a:lnRef>
+          <a:fillRef idx="0">
+            <a:schemeClr val="dk1"/>
+          </a:fillRef>
+          <a:effectRef idx="0">
+            <a:schemeClr val="dk1"/>
+          </a:effectRef>
+          <a:fontRef idx="minor">
+            <a:schemeClr val="tx1"/>
+          </a:fontRef>
+        </p:style>
+      </p:cxnSp>
+      <p:cxnSp>
+        <p:nvCxnSpPr>
+          <p:cNvPr id="92" name="Straight Arrow Connector 91">
+            <a:extLst>
+              <a:ext uri="{FF2B5EF4-FFF2-40B4-BE49-F238E27FC236}">
+                <a16:creationId xmlns:a16="http://schemas.microsoft.com/office/drawing/2014/main" id="{4303A7CC-79AB-47FA-AED6-EB0F78804354}"/>
+              </a:ext>
+            </a:extLst>
+          </p:cNvPr>
+          <p:cNvCxnSpPr>
+            <a:cxnSpLocks/>
+          </p:cNvCxnSpPr>
+          <p:nvPr/>
+        </p:nvCxnSpPr>
+        <p:spPr>
+          <a:xfrm flipH="1">
+            <a:off x="5144743" y="8716994"/>
+            <a:ext cx="286187" cy="0"/>
+          </a:xfrm>
+          <a:prstGeom prst="straightConnector1">
+            <a:avLst/>
+          </a:prstGeom>
+          <a:ln>
+            <a:tailEnd type="triangle"/>
+          </a:ln>
+        </p:spPr>
+        <p:style>
+          <a:lnRef idx="1">
+            <a:schemeClr val="dk1"/>
+          </a:lnRef>
+          <a:fillRef idx="0">
+            <a:schemeClr val="dk1"/>
+          </a:fillRef>
+          <a:effectRef idx="0">
+            <a:schemeClr val="dk1"/>
+          </a:effectRef>
+          <a:fontRef idx="minor">
+            <a:schemeClr val="tx1"/>
+          </a:fontRef>
+        </p:style>
+      </p:cxnSp>
+      <p:cxnSp>
+        <p:nvCxnSpPr>
+          <p:cNvPr id="93" name="Straight Arrow Connector 92">
+            <a:extLst>
+              <a:ext uri="{FF2B5EF4-FFF2-40B4-BE49-F238E27FC236}">
+                <a16:creationId xmlns:a16="http://schemas.microsoft.com/office/drawing/2014/main" id="{298CC40C-1BB1-4087-8C16-2AD42B8DB2C2}"/>
+              </a:ext>
+            </a:extLst>
+          </p:cNvPr>
+          <p:cNvCxnSpPr>
+            <a:cxnSpLocks/>
+          </p:cNvCxnSpPr>
+          <p:nvPr/>
+        </p:nvCxnSpPr>
+        <p:spPr>
+          <a:xfrm flipH="1">
+            <a:off x="5144743" y="9472032"/>
+            <a:ext cx="286187" cy="0"/>
+          </a:xfrm>
+          <a:prstGeom prst="straightConnector1">
+            <a:avLst/>
+          </a:prstGeom>
+          <a:ln>
+            <a:tailEnd type="triangle"/>
+          </a:ln>
+        </p:spPr>
+        <p:style>
+          <a:lnRef idx="1">
+            <a:schemeClr val="dk1"/>
+          </a:lnRef>
+          <a:fillRef idx="0">
+            <a:schemeClr val="dk1"/>
+          </a:fillRef>
+          <a:effectRef idx="0">
+            <a:schemeClr val="dk1"/>
+          </a:effectRef>
+          <a:fontRef idx="minor">
+            <a:schemeClr val="tx1"/>
+          </a:fontRef>
+        </p:style>
+      </p:cxnSp>
+      <p:cxnSp>
+        <p:nvCxnSpPr>
+          <p:cNvPr id="96" name="Straight Arrow Connector 95">
+            <a:extLst>
+              <a:ext uri="{FF2B5EF4-FFF2-40B4-BE49-F238E27FC236}">
+                <a16:creationId xmlns:a16="http://schemas.microsoft.com/office/drawing/2014/main" id="{27285420-91E1-4393-9974-E3ED36BFE362}"/>
+              </a:ext>
+            </a:extLst>
+          </p:cNvPr>
+          <p:cNvCxnSpPr>
+            <a:cxnSpLocks/>
+          </p:cNvCxnSpPr>
+          <p:nvPr/>
+        </p:nvCxnSpPr>
+        <p:spPr>
+          <a:xfrm flipH="1">
+            <a:off x="7691010" y="8724489"/>
+            <a:ext cx="286187" cy="0"/>
+          </a:xfrm>
+          <a:prstGeom prst="straightConnector1">
+            <a:avLst/>
+          </a:prstGeom>
+          <a:ln>
+            <a:tailEnd type="triangle"/>
+          </a:ln>
+        </p:spPr>
+        <p:style>
+          <a:lnRef idx="1">
+            <a:schemeClr val="dk1"/>
+          </a:lnRef>
+          <a:fillRef idx="0">
+            <a:schemeClr val="dk1"/>
+          </a:fillRef>
+          <a:effectRef idx="0">
+            <a:schemeClr val="dk1"/>
+          </a:effectRef>
+          <a:fontRef idx="minor">
+            <a:schemeClr val="tx1"/>
+          </a:fontRef>
+        </p:style>
+      </p:cxnSp>
+      <p:cxnSp>
+        <p:nvCxnSpPr>
+          <p:cNvPr id="98" name="Straight Arrow Connector 97">
+            <a:extLst>
+              <a:ext uri="{FF2B5EF4-FFF2-40B4-BE49-F238E27FC236}">
+                <a16:creationId xmlns:a16="http://schemas.microsoft.com/office/drawing/2014/main" id="{22BEF632-1184-4E11-87C6-14D23C0C530C}"/>
+              </a:ext>
+            </a:extLst>
+          </p:cNvPr>
+          <p:cNvCxnSpPr>
+            <a:cxnSpLocks/>
+          </p:cNvCxnSpPr>
+          <p:nvPr/>
+        </p:nvCxnSpPr>
+        <p:spPr>
+          <a:xfrm flipH="1">
+            <a:off x="5144743" y="8426408"/>
+            <a:ext cx="2834640" cy="0"/>
+          </a:xfrm>
+          <a:prstGeom prst="straightConnector1">
+            <a:avLst/>
+          </a:prstGeom>
+          <a:ln>
+            <a:tailEnd type="triangle"/>
+          </a:ln>
+        </p:spPr>
+        <p:style>
+          <a:lnRef idx="1">
+            <a:schemeClr val="dk1"/>
+          </a:lnRef>
+          <a:fillRef idx="0">
+            <a:schemeClr val="dk1"/>
+          </a:fillRef>
+          <a:effectRef idx="0">
+            <a:schemeClr val="dk1"/>
+          </a:effectRef>
+          <a:fontRef idx="minor">
+            <a:schemeClr val="tx1"/>
+          </a:fontRef>
+        </p:style>
+      </p:cxnSp>
+      <p:sp>
+        <p:nvSpPr>
+          <p:cNvPr id="100" name="Rectangle 99">
+            <a:extLst>
+              <a:ext uri="{FF2B5EF4-FFF2-40B4-BE49-F238E27FC236}">
+                <a16:creationId xmlns:a16="http://schemas.microsoft.com/office/drawing/2014/main" id="{4048ED9E-C9FA-4E83-9E61-6217D220468D}"/>
+              </a:ext>
+            </a:extLst>
+          </p:cNvPr>
+          <p:cNvSpPr/>
+          <p:nvPr/>
+        </p:nvSpPr>
+        <p:spPr>
+          <a:xfrm>
+            <a:off x="10603858" y="7965649"/>
+            <a:ext cx="1628345" cy="239417"/>
+          </a:xfrm>
+          <a:prstGeom prst="rect">
+            <a:avLst/>
+          </a:prstGeom>
+          <a:noFill/>
+          <a:ln>
+            <a:noFill/>
+          </a:ln>
+        </p:spPr>
+        <p:style>
+          <a:lnRef idx="0">
+            <a:scrgbClr r="0" g="0" b="0"/>
+          </a:lnRef>
+          <a:fillRef idx="0">
+            <a:scrgbClr r="0" g="0" b="0"/>
+          </a:fillRef>
+          <a:effectRef idx="0">
+            <a:scrgbClr r="0" g="0" b="0"/>
+          </a:effectRef>
+          <a:fontRef idx="minor">
+            <a:schemeClr val="dk1"/>
+          </a:fontRef>
+        </p:style>
+        <p:txBody>
+          <a:bodyPr rtlCol="0" anchor="ctr"/>
+          <a:lstStyle/>
+          <a:p>
+            <a:pPr algn="ctr"/>
+            <a:r>
+              <a:rPr lang="en-US" sz="1400" i="1" dirty="0"/>
+              <a:t>Functions called</a:t>
+            </a:r>
+          </a:p>
+        </p:txBody>
+      </p:sp>
+      <p:cxnSp>
+        <p:nvCxnSpPr>
+          <p:cNvPr id="101" name="Straight Arrow Connector 100">
+            <a:extLst>
+              <a:ext uri="{FF2B5EF4-FFF2-40B4-BE49-F238E27FC236}">
+                <a16:creationId xmlns:a16="http://schemas.microsoft.com/office/drawing/2014/main" id="{B14F54E3-12B1-4F70-B88F-6D587E756150}"/>
+              </a:ext>
+            </a:extLst>
+          </p:cNvPr>
+          <p:cNvCxnSpPr>
+            <a:cxnSpLocks/>
+          </p:cNvCxnSpPr>
+          <p:nvPr/>
+        </p:nvCxnSpPr>
+        <p:spPr>
+          <a:xfrm flipH="1">
+            <a:off x="10244983" y="8418249"/>
+            <a:ext cx="286187" cy="0"/>
+          </a:xfrm>
+          <a:prstGeom prst="straightConnector1">
+            <a:avLst/>
+          </a:prstGeom>
+          <a:ln>
+            <a:tailEnd type="triangle"/>
+          </a:ln>
+        </p:spPr>
+        <p:style>
+          <a:lnRef idx="1">
+            <a:schemeClr val="dk1"/>
+          </a:lnRef>
+          <a:fillRef idx="0">
+            <a:schemeClr val="dk1"/>
+          </a:fillRef>
+          <a:effectRef idx="0">
+            <a:schemeClr val="dk1"/>
+          </a:effectRef>
+          <a:fontRef idx="minor">
+            <a:schemeClr val="tx1"/>
+          </a:fontRef>
+        </p:style>
+      </p:cxnSp>
+      <p:cxnSp>
+        <p:nvCxnSpPr>
+          <p:cNvPr id="102" name="Straight Arrow Connector 101">
+            <a:extLst>
+              <a:ext uri="{FF2B5EF4-FFF2-40B4-BE49-F238E27FC236}">
+                <a16:creationId xmlns:a16="http://schemas.microsoft.com/office/drawing/2014/main" id="{8DD3E966-213F-47E7-BE9A-3B4E7F23613D}"/>
+              </a:ext>
+            </a:extLst>
+          </p:cNvPr>
+          <p:cNvCxnSpPr>
+            <a:cxnSpLocks/>
+          </p:cNvCxnSpPr>
+          <p:nvPr/>
+        </p:nvCxnSpPr>
+        <p:spPr>
+          <a:xfrm flipH="1">
+            <a:off x="10244983" y="8718234"/>
+            <a:ext cx="286187" cy="0"/>
+          </a:xfrm>
+          <a:prstGeom prst="straightConnector1">
+            <a:avLst/>
+          </a:prstGeom>
+          <a:ln>
+            <a:tailEnd type="triangle"/>
+          </a:ln>
+        </p:spPr>
+        <p:style>
+          <a:lnRef idx="1">
+            <a:schemeClr val="dk1"/>
+          </a:lnRef>
+          <a:fillRef idx="0">
+            <a:schemeClr val="dk1"/>
+          </a:fillRef>
+          <a:effectRef idx="0">
+            <a:schemeClr val="dk1"/>
+          </a:effectRef>
+          <a:fontRef idx="minor">
+            <a:schemeClr val="tx1"/>
+          </a:fontRef>
+        </p:style>
+      </p:cxnSp>
+      <p:sp>
+        <p:nvSpPr>
+          <p:cNvPr id="103" name="Rectangle 102">
+            <a:extLst>
+              <a:ext uri="{FF2B5EF4-FFF2-40B4-BE49-F238E27FC236}">
+                <a16:creationId xmlns:a16="http://schemas.microsoft.com/office/drawing/2014/main" id="{27BC4E14-BD89-42AF-A45C-28EA3A5DF982}"/>
+              </a:ext>
+            </a:extLst>
+          </p:cNvPr>
+          <p:cNvSpPr/>
+          <p:nvPr/>
+        </p:nvSpPr>
+        <p:spPr>
+          <a:xfrm>
+            <a:off x="-1458899" y="7923993"/>
+            <a:ext cx="1645863" cy="406137"/>
+          </a:xfrm>
+          <a:prstGeom prst="rect">
+            <a:avLst/>
+          </a:prstGeom>
+          <a:noFill/>
+          <a:ln>
+            <a:noFill/>
+          </a:ln>
+        </p:spPr>
+        <p:style>
+          <a:lnRef idx="0">
+            <a:scrgbClr r="0" g="0" b="0"/>
+          </a:lnRef>
+          <a:fillRef idx="0">
+            <a:scrgbClr r="0" g="0" b="0"/>
+          </a:fillRef>
+          <a:effectRef idx="0">
+            <a:scrgbClr r="0" g="0" b="0"/>
+          </a:effectRef>
+          <a:fontRef idx="minor">
+            <a:schemeClr val="dk1"/>
+          </a:fontRef>
+        </p:style>
+        <p:txBody>
+          <a:bodyPr rtlCol="0" anchor="ctr"/>
+          <a:lstStyle/>
+          <a:p>
+            <a:pPr algn="ctr"/>
+            <a:r>
+              <a:rPr lang="en-US" sz="1400" i="1" dirty="0"/>
+              <a:t>Results saved as .csv in</a:t>
+            </a:r>
+          </a:p>
+        </p:txBody>
+      </p:sp>
+      <p:cxnSp>
+        <p:nvCxnSpPr>
+          <p:cNvPr id="104" name="Straight Arrow Connector 103">
+            <a:extLst>
+              <a:ext uri="{FF2B5EF4-FFF2-40B4-BE49-F238E27FC236}">
+                <a16:creationId xmlns:a16="http://schemas.microsoft.com/office/drawing/2014/main" id="{107A0ACB-C649-4DCB-B81D-533185660A3C}"/>
+              </a:ext>
+            </a:extLst>
+          </p:cNvPr>
+          <p:cNvCxnSpPr>
+            <a:cxnSpLocks/>
+          </p:cNvCxnSpPr>
+          <p:nvPr/>
+        </p:nvCxnSpPr>
+        <p:spPr>
+          <a:xfrm flipH="1">
+            <a:off x="-194176" y="8521406"/>
+            <a:ext cx="286187" cy="0"/>
+          </a:xfrm>
+          <a:prstGeom prst="straightConnector1">
+            <a:avLst/>
+          </a:prstGeom>
+          <a:ln>
+            <a:tailEnd type="triangle"/>
+          </a:ln>
+        </p:spPr>
+        <p:style>
+          <a:lnRef idx="1">
+            <a:schemeClr val="dk1"/>
+          </a:lnRef>
+          <a:fillRef idx="0">
+            <a:schemeClr val="dk1"/>
+          </a:fillRef>
+          <a:effectRef idx="0">
+            <a:schemeClr val="dk1"/>
+          </a:effectRef>
+          <a:fontRef idx="minor">
+            <a:schemeClr val="tx1"/>
+          </a:fontRef>
+        </p:style>
+      </p:cxnSp>
+      <p:sp>
+        <p:nvSpPr>
+          <p:cNvPr id="105" name="Rectangle 104">
+            <a:extLst>
+              <a:ext uri="{FF2B5EF4-FFF2-40B4-BE49-F238E27FC236}">
+                <a16:creationId xmlns:a16="http://schemas.microsoft.com/office/drawing/2014/main" id="{2675FF2C-5A76-4DE6-95C8-441AE1A0DD74}"/>
+              </a:ext>
+            </a:extLst>
+          </p:cNvPr>
+          <p:cNvSpPr/>
+          <p:nvPr/>
+        </p:nvSpPr>
+        <p:spPr>
+          <a:xfrm>
+            <a:off x="-1073001" y="8386979"/>
+            <a:ext cx="874068" cy="274320"/>
+          </a:xfrm>
+          <a:prstGeom prst="rect">
+            <a:avLst/>
+          </a:prstGeom>
+          <a:solidFill>
+            <a:schemeClr val="accent4">
+              <a:lumMod val="20000"/>
+              <a:lumOff val="80000"/>
+            </a:schemeClr>
+          </a:solidFill>
+          <a:ln>
+            <a:noFill/>
+          </a:ln>
+        </p:spPr>
+        <p:style>
+          <a:lnRef idx="2">
+            <a:schemeClr val="dk1"/>
+          </a:lnRef>
+          <a:fillRef idx="1">
+            <a:schemeClr val="lt1"/>
+          </a:fillRef>
+          <a:effectRef idx="0">
+            <a:schemeClr val="dk1"/>
+          </a:effectRef>
+          <a:fontRef idx="minor">
+            <a:schemeClr val="dk1"/>
+          </a:fontRef>
+        </p:style>
+        <p:txBody>
+          <a:bodyPr rtlCol="0" anchor="ctr"/>
+          <a:lstStyle/>
+          <a:p>
+            <a:r>
+              <a:rPr lang="en-US" sz="1400" dirty="0"/>
+              <a:t>results/</a:t>
+            </a:r>
+          </a:p>
+        </p:txBody>
+      </p:sp>
+      <p:sp>
+        <p:nvSpPr>
+          <p:cNvPr id="37" name="Rectangle 36">
+            <a:extLst>
+              <a:ext uri="{FF2B5EF4-FFF2-40B4-BE49-F238E27FC236}">
+                <a16:creationId xmlns:a16="http://schemas.microsoft.com/office/drawing/2014/main" id="{C65E1EE8-82C0-4C70-8AFA-AD21641CB9A7}"/>
+              </a:ext>
+            </a:extLst>
+          </p:cNvPr>
+          <p:cNvSpPr/>
+          <p:nvPr/>
+        </p:nvSpPr>
+        <p:spPr>
+          <a:xfrm>
+            <a:off x="-1086886" y="10262678"/>
+            <a:ext cx="842165" cy="274320"/>
+          </a:xfrm>
+          <a:prstGeom prst="rect">
+            <a:avLst/>
+          </a:prstGeom>
+          <a:solidFill>
+            <a:schemeClr val="accent1">
+              <a:lumMod val="20000"/>
+              <a:lumOff val="80000"/>
+            </a:schemeClr>
+          </a:solidFill>
+          <a:ln>
+            <a:noFill/>
+          </a:ln>
+        </p:spPr>
+        <p:style>
+          <a:lnRef idx="2">
+            <a:schemeClr val="dk1"/>
+          </a:lnRef>
+          <a:fillRef idx="1">
+            <a:schemeClr val="lt1"/>
+          </a:fillRef>
+          <a:effectRef idx="0">
+            <a:schemeClr val="dk1"/>
+          </a:effectRef>
+          <a:fontRef idx="minor">
+            <a:schemeClr val="dk1"/>
+          </a:fontRef>
+        </p:style>
+        <p:txBody>
+          <a:bodyPr rtlCol="0" anchor="ctr"/>
+          <a:lstStyle/>
+          <a:p>
+            <a:r>
+              <a:rPr lang="en-US" sz="1400" dirty="0"/>
+              <a:t>scripts</a:t>
+            </a:r>
+          </a:p>
+        </p:txBody>
+      </p:sp>
+      <p:sp>
+        <p:nvSpPr>
+          <p:cNvPr id="38" name="Rectangle 37">
+            <a:extLst>
+              <a:ext uri="{FF2B5EF4-FFF2-40B4-BE49-F238E27FC236}">
+                <a16:creationId xmlns:a16="http://schemas.microsoft.com/office/drawing/2014/main" id="{392E5002-36CB-4C9B-9815-E38C8DF2B54E}"/>
+              </a:ext>
+            </a:extLst>
+          </p:cNvPr>
+          <p:cNvSpPr/>
+          <p:nvPr/>
+        </p:nvSpPr>
+        <p:spPr>
+          <a:xfrm>
+            <a:off x="-1086887" y="10626476"/>
+            <a:ext cx="842165" cy="274320"/>
+          </a:xfrm>
+          <a:prstGeom prst="rect">
+            <a:avLst/>
+          </a:prstGeom>
+          <a:solidFill>
+            <a:schemeClr val="accent5">
+              <a:lumMod val="20000"/>
+              <a:lumOff val="80000"/>
+            </a:schemeClr>
+          </a:solidFill>
+          <a:ln>
+            <a:noFill/>
+          </a:ln>
+        </p:spPr>
+        <p:style>
+          <a:lnRef idx="2">
+            <a:schemeClr val="dk1"/>
+          </a:lnRef>
+          <a:fillRef idx="1">
+            <a:schemeClr val="lt1"/>
+          </a:fillRef>
+          <a:effectRef idx="0">
+            <a:schemeClr val="dk1"/>
+          </a:effectRef>
+          <a:fontRef idx="minor">
+            <a:schemeClr val="dk1"/>
+          </a:fontRef>
+        </p:style>
+        <p:txBody>
+          <a:bodyPr rtlCol="0" anchor="ctr"/>
+          <a:lstStyle/>
+          <a:p>
+            <a:r>
+              <a:rPr lang="en-US" sz="1400" dirty="0"/>
+              <a:t>.</a:t>
+            </a:r>
+            <a:r>
+              <a:rPr lang="en-US" sz="1400" dirty="0" err="1"/>
+              <a:t>Rdata</a:t>
+            </a:r>
+            <a:endParaRPr lang="en-US" sz="1400" dirty="0"/>
+          </a:p>
+        </p:txBody>
+      </p:sp>
+      <p:sp>
+        <p:nvSpPr>
+          <p:cNvPr id="39" name="Rectangle 38">
+            <a:extLst>
+              <a:ext uri="{FF2B5EF4-FFF2-40B4-BE49-F238E27FC236}">
+                <a16:creationId xmlns:a16="http://schemas.microsoft.com/office/drawing/2014/main" id="{4ADCFDC2-D5B6-4A3D-92AE-C2C4306C28F2}"/>
+              </a:ext>
+            </a:extLst>
+          </p:cNvPr>
+          <p:cNvSpPr/>
+          <p:nvPr/>
+        </p:nvSpPr>
+        <p:spPr>
+          <a:xfrm>
+            <a:off x="-1086888" y="10990274"/>
+            <a:ext cx="842165" cy="274320"/>
+          </a:xfrm>
+          <a:prstGeom prst="rect">
+            <a:avLst/>
+          </a:prstGeom>
+          <a:solidFill>
+            <a:schemeClr val="accent4">
+              <a:lumMod val="20000"/>
+              <a:lumOff val="80000"/>
+            </a:schemeClr>
+          </a:solidFill>
+          <a:ln>
+            <a:noFill/>
+          </a:ln>
+        </p:spPr>
+        <p:style>
+          <a:lnRef idx="2">
+            <a:schemeClr val="dk1"/>
+          </a:lnRef>
+          <a:fillRef idx="1">
+            <a:schemeClr val="lt1"/>
+          </a:fillRef>
+          <a:effectRef idx="0">
+            <a:schemeClr val="dk1"/>
+          </a:effectRef>
+          <a:fontRef idx="minor">
+            <a:schemeClr val="dk1"/>
+          </a:fontRef>
+        </p:style>
+        <p:txBody>
+          <a:bodyPr rtlCol="0" anchor="ctr"/>
+          <a:lstStyle/>
+          <a:p>
+            <a:r>
+              <a:rPr lang="en-US" sz="1400" dirty="0"/>
+              <a:t>.csv</a:t>
+            </a:r>
+          </a:p>
+        </p:txBody>
+      </p:sp>
+      <p:sp>
+        <p:nvSpPr>
+          <p:cNvPr id="49" name="Rectangle 48">
+            <a:extLst>
+              <a:ext uri="{FF2B5EF4-FFF2-40B4-BE49-F238E27FC236}">
+                <a16:creationId xmlns:a16="http://schemas.microsoft.com/office/drawing/2014/main" id="{8067AE65-898A-4E20-ADC4-AECFB4ABDFC7}"/>
+              </a:ext>
+            </a:extLst>
+          </p:cNvPr>
+          <p:cNvSpPr/>
+          <p:nvPr/>
+        </p:nvSpPr>
+        <p:spPr>
+          <a:xfrm>
+            <a:off x="-266188" y="10647022"/>
+            <a:ext cx="8811794" cy="252178"/>
+          </a:xfrm>
+          <a:prstGeom prst="rect">
+            <a:avLst/>
+          </a:prstGeom>
+          <a:noFill/>
+          <a:ln>
+            <a:noFill/>
+          </a:ln>
+        </p:spPr>
+        <p:style>
+          <a:lnRef idx="0">
+            <a:scrgbClr r="0" g="0" b="0"/>
+          </a:lnRef>
+          <a:fillRef idx="0">
+            <a:scrgbClr r="0" g="0" b="0"/>
+          </a:fillRef>
+          <a:effectRef idx="0">
+            <a:scrgbClr r="0" g="0" b="0"/>
+          </a:effectRef>
+          <a:fontRef idx="minor">
+            <a:schemeClr val="dk1"/>
+          </a:fontRef>
+        </p:style>
+        <p:txBody>
+          <a:bodyPr rtlCol="0" anchor="ctr"/>
+          <a:lstStyle/>
+          <a:p>
+            <a:r>
+              <a:rPr lang="en-US" sz="1400" dirty="0"/>
+              <a:t>The model parameters have already been calculated and stored, there is not need to calculate them again.</a:t>
+            </a:r>
+          </a:p>
+        </p:txBody>
+      </p:sp>
+      <p:sp>
+        <p:nvSpPr>
+          <p:cNvPr id="50" name="Rectangle 49">
+            <a:extLst>
+              <a:ext uri="{FF2B5EF4-FFF2-40B4-BE49-F238E27FC236}">
+                <a16:creationId xmlns:a16="http://schemas.microsoft.com/office/drawing/2014/main" id="{7389A02B-F029-4FA8-AAA4-49B247CE43D9}"/>
+              </a:ext>
+            </a:extLst>
+          </p:cNvPr>
+          <p:cNvSpPr/>
+          <p:nvPr/>
+        </p:nvSpPr>
+        <p:spPr>
+          <a:xfrm>
+            <a:off x="-244723" y="11013152"/>
+            <a:ext cx="10004406" cy="252178"/>
+          </a:xfrm>
+          <a:prstGeom prst="rect">
+            <a:avLst/>
+          </a:prstGeom>
+          <a:noFill/>
+          <a:ln>
+            <a:noFill/>
+          </a:ln>
+        </p:spPr>
+        <p:style>
+          <a:lnRef idx="0">
+            <a:scrgbClr r="0" g="0" b="0"/>
+          </a:lnRef>
+          <a:fillRef idx="0">
+            <a:scrgbClr r="0" g="0" b="0"/>
+          </a:fillRef>
+          <a:effectRef idx="0">
+            <a:scrgbClr r="0" g="0" b="0"/>
+          </a:effectRef>
+          <a:fontRef idx="minor">
+            <a:schemeClr val="dk1"/>
+          </a:fontRef>
+        </p:style>
+        <p:txBody>
+          <a:bodyPr rtlCol="0" anchor="ctr"/>
+          <a:lstStyle/>
+          <a:p>
+            <a:r>
+              <a:rPr lang="en-US" sz="1400" dirty="0"/>
+              <a:t>The areas and the results of the scenarios considered in the manuscript are already available in the corresponding folders. </a:t>
+            </a:r>
+          </a:p>
+        </p:txBody>
+      </p:sp>
     </p:spTree>
     <p:extLst>
       <p:ext uri="{BB962C8B-B14F-4D97-AF65-F5344CB8AC3E}">
-        <p14:creationId xmlns:p14="http://schemas.microsoft.com/office/powerpoint/2010/main" val="940793495"/>
+        <p14:creationId xmlns:p14="http://schemas.microsoft.com/office/powerpoint/2010/main" val="3214340835"/>
       </p:ext>
     </p:extLst>
   </p:cSld>
@@ -18942,41 +20441,12 @@
           <a:chExt cx="0" cy="0"/>
         </a:xfrm>
       </p:grpSpPr>
-      <p:pic>
-        <p:nvPicPr>
-          <p:cNvPr id="40" name="Picture 39">
-            <a:extLst>
-              <a:ext uri="{FF2B5EF4-FFF2-40B4-BE49-F238E27FC236}">
-                <a16:creationId xmlns:a16="http://schemas.microsoft.com/office/drawing/2014/main" id="{DD532B26-980C-45FB-ADF2-B36A4A4FB66C}"/>
-              </a:ext>
-            </a:extLst>
-          </p:cNvPr>
-          <p:cNvPicPr>
-            <a:picLocks noChangeAspect="1"/>
-          </p:cNvPicPr>
-          <p:nvPr/>
-        </p:nvPicPr>
-        <p:blipFill rotWithShape="1">
-          <a:blip r:embed="rId2"/>
-          <a:srcRect b="83170"/>
-          <a:stretch/>
-        </p:blipFill>
-        <p:spPr>
-          <a:xfrm>
-            <a:off x="1101892" y="1332393"/>
-            <a:ext cx="2495741" cy="327279"/>
-          </a:xfrm>
-          <a:prstGeom prst="rect">
-            <a:avLst/>
-          </a:prstGeom>
-        </p:spPr>
-      </p:pic>
       <p:sp>
         <p:nvSpPr>
           <p:cNvPr id="2" name="Title 1">
             <a:extLst>
               <a:ext uri="{FF2B5EF4-FFF2-40B4-BE49-F238E27FC236}">
-                <a16:creationId xmlns:a16="http://schemas.microsoft.com/office/drawing/2014/main" id="{8943DDBD-0DAF-4F98-B87B-5544C1631230}"/>
+                <a16:creationId xmlns:a16="http://schemas.microsoft.com/office/drawing/2014/main" id="{E3B833BA-155A-4C5F-B1D5-000C537B7242}"/>
               </a:ext>
             </a:extLst>
           </p:cNvPr>
@@ -18994,17 +20464,46 @@
           <a:p>
             <a:r>
               <a:rPr lang="en-US" dirty="0"/>
-              <a:t>2d – scripts/plotting</a:t>
-            </a:r>
-          </a:p>
-        </p:txBody>
-      </p:sp>
+              <a:t>2c – scripts/aggregation</a:t>
+            </a:r>
+          </a:p>
+        </p:txBody>
+      </p:sp>
+      <p:pic>
+        <p:nvPicPr>
+          <p:cNvPr id="8" name="Content Placeholder 7">
+            <a:extLst>
+              <a:ext uri="{FF2B5EF4-FFF2-40B4-BE49-F238E27FC236}">
+                <a16:creationId xmlns:a16="http://schemas.microsoft.com/office/drawing/2014/main" id="{18693AF9-DB03-4F82-BB18-406BD6F15900}"/>
+              </a:ext>
+            </a:extLst>
+          </p:cNvPr>
+          <p:cNvPicPr>
+            <a:picLocks noGrp="1" noChangeAspect="1"/>
+          </p:cNvPicPr>
+          <p:nvPr>
+            <p:ph idx="1"/>
+          </p:nvPr>
+        </p:nvPicPr>
+        <p:blipFill>
+          <a:blip r:embed="rId2"/>
+          <a:stretch>
+            <a:fillRect/>
+          </a:stretch>
+        </p:blipFill>
+        <p:spPr>
+          <a:xfrm>
+            <a:off x="204907" y="1279418"/>
+            <a:ext cx="1626653" cy="553062"/>
+          </a:xfrm>
+        </p:spPr>
+      </p:pic>
       <p:sp>
         <p:nvSpPr>
           <p:cNvPr id="4" name="Date Placeholder 3">
             <a:extLst>
               <a:ext uri="{FF2B5EF4-FFF2-40B4-BE49-F238E27FC236}">
-                <a16:creationId xmlns:a16="http://schemas.microsoft.com/office/drawing/2014/main" id="{14805272-AFD2-4609-9D33-280B9C18C1F4}"/>
+                <a16:creationId xmlns:a16="http://schemas.microsoft.com/office/drawing/2014/main" id="{8D378AC1-0C93-48D9-B605-FFCE9FAF05F3}"/>
               </a:ext>
             </a:extLst>
           </p:cNvPr>
@@ -19022,7 +20521,7 @@
           <a:p>
             <a:fld id="{AF24159B-E4F0-491A-987A-BB36210A3487}" type="datetime1">
               <a:rPr lang="de-CH" noProof="0" smtClean="0"/>
-              <a:t>16.01.2023</a:t>
+              <a:t>22.01.2023</a:t>
             </a:fld>
             <a:endParaRPr lang="de-CH" noProof="0"/>
           </a:p>
@@ -19033,7 +20532,7 @@
           <p:cNvPr id="5" name="Footer Placeholder 4">
             <a:extLst>
               <a:ext uri="{FF2B5EF4-FFF2-40B4-BE49-F238E27FC236}">
-                <a16:creationId xmlns:a16="http://schemas.microsoft.com/office/drawing/2014/main" id="{B0B4A68A-D413-4C01-831D-1AFA7C0E1D1E}"/>
+                <a16:creationId xmlns:a16="http://schemas.microsoft.com/office/drawing/2014/main" id="{4C78B408-DA72-439F-BF0A-E2FCF5267D30}"/>
               </a:ext>
             </a:extLst>
           </p:cNvPr>
@@ -19062,7 +20561,7 @@
           <p:cNvPr id="6" name="Slide Number Placeholder 5">
             <a:extLst>
               <a:ext uri="{FF2B5EF4-FFF2-40B4-BE49-F238E27FC236}">
-                <a16:creationId xmlns:a16="http://schemas.microsoft.com/office/drawing/2014/main" id="{891F89F2-2B40-4EDB-87F0-CF82FC02FB0A}"/>
+                <a16:creationId xmlns:a16="http://schemas.microsoft.com/office/drawing/2014/main" id="{BB0323FB-FC1C-451E-87DC-5B29294DEA28}"/>
               </a:ext>
             </a:extLst>
           </p:cNvPr>
@@ -19086,100 +20585,12 @@
           </a:p>
         </p:txBody>
       </p:sp>
-      <p:sp>
-        <p:nvSpPr>
-          <p:cNvPr id="30" name="Rectangle: Rounded Corners 29">
-            <a:extLst>
-              <a:ext uri="{FF2B5EF4-FFF2-40B4-BE49-F238E27FC236}">
-                <a16:creationId xmlns:a16="http://schemas.microsoft.com/office/drawing/2014/main" id="{E736D7B8-5A5D-417B-B619-001488CE144F}"/>
-              </a:ext>
-            </a:extLst>
-          </p:cNvPr>
-          <p:cNvSpPr/>
-          <p:nvPr/>
-        </p:nvSpPr>
-        <p:spPr>
-          <a:xfrm>
-            <a:off x="4374785" y="1355900"/>
-            <a:ext cx="7531466" cy="284415"/>
-          </a:xfrm>
-          <a:prstGeom prst="roundRect">
-            <a:avLst/>
-          </a:prstGeom>
-          <a:ln/>
-        </p:spPr>
-        <p:style>
-          <a:lnRef idx="2">
-            <a:schemeClr val="dk1"/>
-          </a:lnRef>
-          <a:fillRef idx="1">
-            <a:schemeClr val="lt1"/>
-          </a:fillRef>
-          <a:effectRef idx="0">
-            <a:schemeClr val="dk1"/>
-          </a:effectRef>
-          <a:fontRef idx="minor">
-            <a:schemeClr val="dk1"/>
-          </a:fontRef>
-        </p:style>
-        <p:txBody>
-          <a:bodyPr rtlCol="0" anchor="ctr"/>
-          <a:lstStyle/>
-          <a:p>
-            <a:r>
-              <a:rPr lang="en-US" sz="1500" dirty="0"/>
-              <a:t>Maps of the world ecoregions, the GLOBIOM regions and the EU28 border.</a:t>
-            </a:r>
-          </a:p>
-        </p:txBody>
-      </p:sp>
-      <p:cxnSp>
-        <p:nvCxnSpPr>
-          <p:cNvPr id="29" name="Straight Arrow Connector 28">
-            <a:extLst>
-              <a:ext uri="{FF2B5EF4-FFF2-40B4-BE49-F238E27FC236}">
-                <a16:creationId xmlns:a16="http://schemas.microsoft.com/office/drawing/2014/main" id="{3F356820-8517-4490-AF32-C46AF5919C32}"/>
-              </a:ext>
-            </a:extLst>
-          </p:cNvPr>
-          <p:cNvCxnSpPr>
-            <a:cxnSpLocks/>
-          </p:cNvCxnSpPr>
-          <p:nvPr/>
-        </p:nvCxnSpPr>
-        <p:spPr>
-          <a:xfrm>
-            <a:off x="3074408" y="1507333"/>
-            <a:ext cx="1262277" cy="0"/>
-          </a:xfrm>
-          <a:prstGeom prst="straightConnector1">
-            <a:avLst/>
-          </a:prstGeom>
-          <a:ln>
-            <a:tailEnd type="triangle"/>
-          </a:ln>
-        </p:spPr>
-        <p:style>
-          <a:lnRef idx="1">
-            <a:schemeClr val="dk1"/>
-          </a:lnRef>
-          <a:fillRef idx="0">
-            <a:schemeClr val="dk1"/>
-          </a:fillRef>
-          <a:effectRef idx="0">
-            <a:schemeClr val="dk1"/>
-          </a:effectRef>
-          <a:fontRef idx="minor">
-            <a:schemeClr val="tx1"/>
-          </a:fontRef>
-        </p:style>
-      </p:cxnSp>
       <p:pic>
         <p:nvPicPr>
-          <p:cNvPr id="7" name="Picture 6">
-            <a:extLst>
-              <a:ext uri="{FF2B5EF4-FFF2-40B4-BE49-F238E27FC236}">
-                <a16:creationId xmlns:a16="http://schemas.microsoft.com/office/drawing/2014/main" id="{45AA58B0-C686-41F3-99B2-56BE4AF93F68}"/>
+          <p:cNvPr id="10" name="Picture 9">
+            <a:extLst>
+              <a:ext uri="{FF2B5EF4-FFF2-40B4-BE49-F238E27FC236}">
+                <a16:creationId xmlns:a16="http://schemas.microsoft.com/office/drawing/2014/main" id="{9CDCA6D2-058D-43F9-8515-404EED86AA0B}"/>
               </a:ext>
             </a:extLst>
           </p:cNvPr>
@@ -19196,18 +20607,664 @@
         </p:blipFill>
         <p:spPr>
           <a:xfrm>
-            <a:off x="1101892" y="2185432"/>
-            <a:ext cx="2850025" cy="3038977"/>
+            <a:off x="204907" y="2321860"/>
+            <a:ext cx="1737265" cy="819833"/>
           </a:xfrm>
           <a:prstGeom prst="rect">
             <a:avLst/>
           </a:prstGeom>
         </p:spPr>
       </p:pic>
+      <p:pic>
+        <p:nvPicPr>
+          <p:cNvPr id="12" name="Picture 11">
+            <a:extLst>
+              <a:ext uri="{FF2B5EF4-FFF2-40B4-BE49-F238E27FC236}">
+                <a16:creationId xmlns:a16="http://schemas.microsoft.com/office/drawing/2014/main" id="{55C2FF07-6D45-4DE3-886D-5F7CF94D442D}"/>
+              </a:ext>
+            </a:extLst>
+          </p:cNvPr>
+          <p:cNvPicPr>
+            <a:picLocks noChangeAspect="1"/>
+          </p:cNvPicPr>
+          <p:nvPr/>
+        </p:nvPicPr>
+        <p:blipFill>
+          <a:blip r:embed="rId4"/>
+          <a:stretch>
+            <a:fillRect/>
+          </a:stretch>
+        </p:blipFill>
+        <p:spPr>
+          <a:xfrm>
+            <a:off x="204907" y="4480431"/>
+            <a:ext cx="1639665" cy="266772"/>
+          </a:xfrm>
+          <a:prstGeom prst="rect">
+            <a:avLst/>
+          </a:prstGeom>
+        </p:spPr>
+      </p:pic>
+      <p:pic>
+        <p:nvPicPr>
+          <p:cNvPr id="14" name="Picture 13">
+            <a:extLst>
+              <a:ext uri="{FF2B5EF4-FFF2-40B4-BE49-F238E27FC236}">
+                <a16:creationId xmlns:a16="http://schemas.microsoft.com/office/drawing/2014/main" id="{E2156D53-AEB8-4C85-AAEF-A711C0C55487}"/>
+              </a:ext>
+            </a:extLst>
+          </p:cNvPr>
+          <p:cNvPicPr>
+            <a:picLocks noChangeAspect="1"/>
+          </p:cNvPicPr>
+          <p:nvPr/>
+        </p:nvPicPr>
+        <p:blipFill>
+          <a:blip r:embed="rId5"/>
+          <a:stretch>
+            <a:fillRect/>
+          </a:stretch>
+        </p:blipFill>
+        <p:spPr>
+          <a:xfrm>
+            <a:off x="204907" y="5465319"/>
+            <a:ext cx="2030063" cy="266772"/>
+          </a:xfrm>
+          <a:prstGeom prst="rect">
+            <a:avLst/>
+          </a:prstGeom>
+        </p:spPr>
+      </p:pic>
+      <p:pic>
+        <p:nvPicPr>
+          <p:cNvPr id="16" name="Picture 15">
+            <a:extLst>
+              <a:ext uri="{FF2B5EF4-FFF2-40B4-BE49-F238E27FC236}">
+                <a16:creationId xmlns:a16="http://schemas.microsoft.com/office/drawing/2014/main" id="{88E74792-219B-4D54-ACDC-775255D2FCD5}"/>
+              </a:ext>
+            </a:extLst>
+          </p:cNvPr>
+          <p:cNvPicPr>
+            <a:picLocks noChangeAspect="1"/>
+          </p:cNvPicPr>
+          <p:nvPr/>
+        </p:nvPicPr>
+        <p:blipFill>
+          <a:blip r:embed="rId6"/>
+          <a:stretch>
+            <a:fillRect/>
+          </a:stretch>
+        </p:blipFill>
+        <p:spPr>
+          <a:xfrm>
+            <a:off x="204907" y="3579233"/>
+            <a:ext cx="1769798" cy="279785"/>
+          </a:xfrm>
+          <a:prstGeom prst="rect">
+            <a:avLst/>
+          </a:prstGeom>
+        </p:spPr>
+      </p:pic>
+      <p:cxnSp>
+        <p:nvCxnSpPr>
+          <p:cNvPr id="17" name="Straight Arrow Connector 16">
+            <a:extLst>
+              <a:ext uri="{FF2B5EF4-FFF2-40B4-BE49-F238E27FC236}">
+                <a16:creationId xmlns:a16="http://schemas.microsoft.com/office/drawing/2014/main" id="{25D35313-F29C-4D7C-8FDB-1C1D54E8D3BB}"/>
+              </a:ext>
+            </a:extLst>
+          </p:cNvPr>
+          <p:cNvCxnSpPr>
+            <a:cxnSpLocks/>
+          </p:cNvCxnSpPr>
+          <p:nvPr/>
+        </p:nvCxnSpPr>
+        <p:spPr>
+          <a:xfrm>
+            <a:off x="1881972" y="1555949"/>
+            <a:ext cx="608715" cy="0"/>
+          </a:xfrm>
+          <a:prstGeom prst="straightConnector1">
+            <a:avLst/>
+          </a:prstGeom>
+          <a:ln>
+            <a:tailEnd type="triangle"/>
+          </a:ln>
+        </p:spPr>
+        <p:style>
+          <a:lnRef idx="1">
+            <a:schemeClr val="dk1"/>
+          </a:lnRef>
+          <a:fillRef idx="0">
+            <a:schemeClr val="dk1"/>
+          </a:fillRef>
+          <a:effectRef idx="0">
+            <a:schemeClr val="dk1"/>
+          </a:effectRef>
+          <a:fontRef idx="minor">
+            <a:schemeClr val="tx1"/>
+          </a:fontRef>
+        </p:style>
+      </p:cxnSp>
+      <p:sp>
+        <p:nvSpPr>
+          <p:cNvPr id="18" name="Rectangle: Rounded Corners 17">
+            <a:extLst>
+              <a:ext uri="{FF2B5EF4-FFF2-40B4-BE49-F238E27FC236}">
+                <a16:creationId xmlns:a16="http://schemas.microsoft.com/office/drawing/2014/main" id="{4F4A1376-9B45-413C-A9FF-2D1A7F8178B4}"/>
+              </a:ext>
+            </a:extLst>
+          </p:cNvPr>
+          <p:cNvSpPr/>
+          <p:nvPr/>
+        </p:nvSpPr>
+        <p:spPr>
+          <a:xfrm>
+            <a:off x="2572670" y="5418480"/>
+            <a:ext cx="9144000" cy="391567"/>
+          </a:xfrm>
+          <a:prstGeom prst="roundRect">
+            <a:avLst/>
+          </a:prstGeom>
+          <a:ln/>
+        </p:spPr>
+        <p:style>
+          <a:lnRef idx="2">
+            <a:schemeClr val="dk1"/>
+          </a:lnRef>
+          <a:fillRef idx="1">
+            <a:schemeClr val="lt1"/>
+          </a:fillRef>
+          <a:effectRef idx="0">
+            <a:schemeClr val="dk1"/>
+          </a:effectRef>
+          <a:fontRef idx="minor">
+            <a:schemeClr val="dk1"/>
+          </a:fontRef>
+        </p:style>
+        <p:txBody>
+          <a:bodyPr rtlCol="0" anchor="ctr"/>
+          <a:lstStyle/>
+          <a:p>
+            <a:r>
+              <a:rPr lang="en-US" sz="1500" dirty="0"/>
+              <a:t>Script to convert the results at ecoregion resolution to GLOBIOM resolution. Used in </a:t>
+            </a:r>
+            <a:r>
+              <a:rPr lang="en-US" sz="1500" i="1" dirty="0" err="1"/>
+              <a:t>main.R</a:t>
+            </a:r>
+            <a:r>
+              <a:rPr lang="en-US" sz="1500" i="1" dirty="0"/>
+              <a:t>.</a:t>
+            </a:r>
+          </a:p>
+        </p:txBody>
+      </p:sp>
+      <p:cxnSp>
+        <p:nvCxnSpPr>
+          <p:cNvPr id="20" name="Straight Arrow Connector 19">
+            <a:extLst>
+              <a:ext uri="{FF2B5EF4-FFF2-40B4-BE49-F238E27FC236}">
+                <a16:creationId xmlns:a16="http://schemas.microsoft.com/office/drawing/2014/main" id="{42C5696A-B4F6-4213-A105-CB316D1B60B4}"/>
+              </a:ext>
+            </a:extLst>
+          </p:cNvPr>
+          <p:cNvCxnSpPr>
+            <a:cxnSpLocks/>
+          </p:cNvCxnSpPr>
+          <p:nvPr/>
+        </p:nvCxnSpPr>
+        <p:spPr>
+          <a:xfrm>
+            <a:off x="1852712" y="4609095"/>
+            <a:ext cx="637975" cy="0"/>
+          </a:xfrm>
+          <a:prstGeom prst="straightConnector1">
+            <a:avLst/>
+          </a:prstGeom>
+          <a:ln>
+            <a:tailEnd type="triangle"/>
+          </a:ln>
+        </p:spPr>
+        <p:style>
+          <a:lnRef idx="1">
+            <a:schemeClr val="dk1"/>
+          </a:lnRef>
+          <a:fillRef idx="0">
+            <a:schemeClr val="dk1"/>
+          </a:fillRef>
+          <a:effectRef idx="0">
+            <a:schemeClr val="dk1"/>
+          </a:effectRef>
+          <a:fontRef idx="minor">
+            <a:schemeClr val="tx1"/>
+          </a:fontRef>
+        </p:style>
+      </p:cxnSp>
+      <p:sp>
+        <p:nvSpPr>
+          <p:cNvPr id="21" name="Rectangle: Rounded Corners 20">
+            <a:extLst>
+              <a:ext uri="{FF2B5EF4-FFF2-40B4-BE49-F238E27FC236}">
+                <a16:creationId xmlns:a16="http://schemas.microsoft.com/office/drawing/2014/main" id="{E113418E-2E5E-4EE8-A28E-1F3584ED4668}"/>
+              </a:ext>
+            </a:extLst>
+          </p:cNvPr>
+          <p:cNvSpPr/>
+          <p:nvPr/>
+        </p:nvSpPr>
+        <p:spPr>
+          <a:xfrm>
+            <a:off x="2572670" y="2465477"/>
+            <a:ext cx="9144000" cy="548640"/>
+          </a:xfrm>
+          <a:prstGeom prst="roundRect">
+            <a:avLst/>
+          </a:prstGeom>
+          <a:ln/>
+        </p:spPr>
+        <p:style>
+          <a:lnRef idx="2">
+            <a:schemeClr val="dk1"/>
+          </a:lnRef>
+          <a:fillRef idx="1">
+            <a:schemeClr val="lt1"/>
+          </a:fillRef>
+          <a:effectRef idx="0">
+            <a:schemeClr val="dk1"/>
+          </a:effectRef>
+          <a:fontRef idx="minor">
+            <a:schemeClr val="dk1"/>
+          </a:fontRef>
+        </p:style>
+        <p:txBody>
+          <a:bodyPr rtlCol="0" anchor="ctr"/>
+          <a:lstStyle/>
+          <a:p>
+            <a:r>
+              <a:rPr lang="en-US" sz="1500" dirty="0"/>
+              <a:t>Scripts which convert the .</a:t>
+            </a:r>
+            <a:r>
+              <a:rPr lang="en-US" sz="1500" dirty="0" err="1"/>
+              <a:t>Rdata</a:t>
+            </a:r>
+            <a:r>
+              <a:rPr lang="en-US" sz="1500" dirty="0"/>
+              <a:t> files created using </a:t>
+            </a:r>
+            <a:r>
+              <a:rPr lang="en-US" sz="1500" i="1" dirty="0" err="1"/>
+              <a:t>aggregate_areas.R</a:t>
+            </a:r>
+            <a:r>
+              <a:rPr lang="en-US" sz="1500" i="1" dirty="0"/>
+              <a:t> </a:t>
+            </a:r>
+            <a:r>
+              <a:rPr lang="en-US" sz="1500" dirty="0"/>
+              <a:t>and </a:t>
+            </a:r>
+            <a:r>
+              <a:rPr lang="en-US" sz="1500" i="1" dirty="0" err="1"/>
+              <a:t>aggregate_results.R</a:t>
+            </a:r>
+            <a:r>
+              <a:rPr lang="en-US" sz="1500" dirty="0"/>
+              <a:t> to separate .csv files and save them in </a:t>
+            </a:r>
+            <a:r>
+              <a:rPr lang="en-US" sz="1500" i="1" dirty="0" err="1"/>
+              <a:t>aggregation_plotting</a:t>
+            </a:r>
+            <a:r>
+              <a:rPr lang="en-US" sz="1500" dirty="0"/>
+              <a:t>. Used in </a:t>
+            </a:r>
+            <a:r>
+              <a:rPr lang="en-US" sz="1500" i="1" dirty="0" err="1"/>
+              <a:t>main.R</a:t>
+            </a:r>
+            <a:r>
+              <a:rPr lang="en-US" sz="1500" dirty="0"/>
+              <a:t>. </a:t>
+            </a:r>
+          </a:p>
+        </p:txBody>
+      </p:sp>
+      <p:sp>
+        <p:nvSpPr>
+          <p:cNvPr id="23" name="Rectangle: Rounded Corners 22">
+            <a:extLst>
+              <a:ext uri="{FF2B5EF4-FFF2-40B4-BE49-F238E27FC236}">
+                <a16:creationId xmlns:a16="http://schemas.microsoft.com/office/drawing/2014/main" id="{FF58AB39-4D8C-4C29-B54B-D1E942F1BFF9}"/>
+              </a:ext>
+            </a:extLst>
+          </p:cNvPr>
+          <p:cNvSpPr/>
+          <p:nvPr/>
+        </p:nvSpPr>
+        <p:spPr>
+          <a:xfrm>
+            <a:off x="2572670" y="1278781"/>
+            <a:ext cx="9144000" cy="548640"/>
+          </a:xfrm>
+          <a:prstGeom prst="roundRect">
+            <a:avLst/>
+          </a:prstGeom>
+          <a:ln/>
+        </p:spPr>
+        <p:style>
+          <a:lnRef idx="2">
+            <a:schemeClr val="dk1"/>
+          </a:lnRef>
+          <a:fillRef idx="1">
+            <a:schemeClr val="lt1"/>
+          </a:fillRef>
+          <a:effectRef idx="0">
+            <a:schemeClr val="dk1"/>
+          </a:effectRef>
+          <a:fontRef idx="minor">
+            <a:schemeClr val="dk1"/>
+          </a:fontRef>
+        </p:style>
+        <p:txBody>
+          <a:bodyPr rtlCol="0" anchor="ctr"/>
+          <a:lstStyle/>
+          <a:p>
+            <a:r>
+              <a:rPr lang="en-US" sz="1500" dirty="0"/>
+              <a:t>Scripts which sums the results and the areas per ecoregion, scenario and land uses at different level. The output are .</a:t>
+            </a:r>
+            <a:r>
+              <a:rPr lang="en-US" sz="1500" dirty="0" err="1"/>
+              <a:t>Rdata</a:t>
+            </a:r>
+            <a:r>
+              <a:rPr lang="en-US" sz="1500" dirty="0"/>
+              <a:t> files saved in the folder </a:t>
+            </a:r>
+            <a:r>
+              <a:rPr lang="en-US" sz="1500" i="1" dirty="0" err="1"/>
+              <a:t>aggregation_plotting</a:t>
+            </a:r>
+            <a:r>
+              <a:rPr lang="en-US" sz="1500" dirty="0"/>
+              <a:t>. Used in </a:t>
+            </a:r>
+            <a:r>
+              <a:rPr lang="en-US" sz="1500" i="1" dirty="0" err="1"/>
+              <a:t>main.R</a:t>
+            </a:r>
+            <a:r>
+              <a:rPr lang="en-US" sz="1500" dirty="0"/>
+              <a:t>. </a:t>
+            </a:r>
+          </a:p>
+        </p:txBody>
+      </p:sp>
+      <p:cxnSp>
+        <p:nvCxnSpPr>
+          <p:cNvPr id="25" name="Straight Arrow Connector 24">
+            <a:extLst>
+              <a:ext uri="{FF2B5EF4-FFF2-40B4-BE49-F238E27FC236}">
+                <a16:creationId xmlns:a16="http://schemas.microsoft.com/office/drawing/2014/main" id="{ABCA0DA3-962F-43DE-A924-584EF9424609}"/>
+              </a:ext>
+            </a:extLst>
+          </p:cNvPr>
+          <p:cNvCxnSpPr>
+            <a:cxnSpLocks/>
+          </p:cNvCxnSpPr>
+          <p:nvPr/>
+        </p:nvCxnSpPr>
+        <p:spPr>
+          <a:xfrm>
+            <a:off x="2054193" y="3719125"/>
+            <a:ext cx="436494" cy="0"/>
+          </a:xfrm>
+          <a:prstGeom prst="straightConnector1">
+            <a:avLst/>
+          </a:prstGeom>
+          <a:ln>
+            <a:tailEnd type="triangle"/>
+          </a:ln>
+        </p:spPr>
+        <p:style>
+          <a:lnRef idx="1">
+            <a:schemeClr val="dk1"/>
+          </a:lnRef>
+          <a:fillRef idx="0">
+            <a:schemeClr val="dk1"/>
+          </a:fillRef>
+          <a:effectRef idx="0">
+            <a:schemeClr val="dk1"/>
+          </a:effectRef>
+          <a:fontRef idx="minor">
+            <a:schemeClr val="tx1"/>
+          </a:fontRef>
+        </p:style>
+      </p:cxnSp>
+      <p:cxnSp>
+        <p:nvCxnSpPr>
+          <p:cNvPr id="26" name="Straight Arrow Connector 25">
+            <a:extLst>
+              <a:ext uri="{FF2B5EF4-FFF2-40B4-BE49-F238E27FC236}">
+                <a16:creationId xmlns:a16="http://schemas.microsoft.com/office/drawing/2014/main" id="{B34C4002-489C-4220-B35E-0D3DD1E6A67D}"/>
+              </a:ext>
+            </a:extLst>
+          </p:cNvPr>
+          <p:cNvCxnSpPr>
+            <a:cxnSpLocks/>
+          </p:cNvCxnSpPr>
+          <p:nvPr/>
+        </p:nvCxnSpPr>
+        <p:spPr>
+          <a:xfrm>
+            <a:off x="2315274" y="5623250"/>
+            <a:ext cx="180175" cy="0"/>
+          </a:xfrm>
+          <a:prstGeom prst="straightConnector1">
+            <a:avLst/>
+          </a:prstGeom>
+          <a:ln>
+            <a:tailEnd type="triangle"/>
+          </a:ln>
+        </p:spPr>
+        <p:style>
+          <a:lnRef idx="1">
+            <a:schemeClr val="dk1"/>
+          </a:lnRef>
+          <a:fillRef idx="0">
+            <a:schemeClr val="dk1"/>
+          </a:fillRef>
+          <a:effectRef idx="0">
+            <a:schemeClr val="dk1"/>
+          </a:effectRef>
+          <a:fontRef idx="minor">
+            <a:schemeClr val="tx1"/>
+          </a:fontRef>
+        </p:style>
+      </p:cxnSp>
+      <p:sp>
+        <p:nvSpPr>
+          <p:cNvPr id="27" name="Rectangle: Rounded Corners 26">
+            <a:extLst>
+              <a:ext uri="{FF2B5EF4-FFF2-40B4-BE49-F238E27FC236}">
+                <a16:creationId xmlns:a16="http://schemas.microsoft.com/office/drawing/2014/main" id="{ADE63353-6197-4C31-81F5-A03C25F64CDD}"/>
+              </a:ext>
+            </a:extLst>
+          </p:cNvPr>
+          <p:cNvSpPr/>
+          <p:nvPr/>
+        </p:nvSpPr>
+        <p:spPr>
+          <a:xfrm>
+            <a:off x="2572670" y="4246630"/>
+            <a:ext cx="9144000" cy="640080"/>
+          </a:xfrm>
+          <a:prstGeom prst="roundRect">
+            <a:avLst/>
+          </a:prstGeom>
+          <a:ln/>
+        </p:spPr>
+        <p:style>
+          <a:lnRef idx="2">
+            <a:schemeClr val="dk1"/>
+          </a:lnRef>
+          <a:fillRef idx="1">
+            <a:schemeClr val="lt1"/>
+          </a:fillRef>
+          <a:effectRef idx="0">
+            <a:schemeClr val="dk1"/>
+          </a:effectRef>
+          <a:fontRef idx="minor">
+            <a:schemeClr val="dk1"/>
+          </a:fontRef>
+        </p:style>
+        <p:txBody>
+          <a:bodyPr rtlCol="0" anchor="ctr"/>
+          <a:lstStyle/>
+          <a:p>
+            <a:r>
+              <a:rPr lang="en-US" sz="1500" dirty="0"/>
+              <a:t>Script to convert the results expressed as PDF to PDF per hectare. The input data for this script are the .csv files in </a:t>
+            </a:r>
+            <a:r>
+              <a:rPr lang="en-US" sz="1500" i="1" dirty="0" err="1"/>
+              <a:t>forest_management</a:t>
+            </a:r>
+            <a:r>
+              <a:rPr lang="en-US" sz="1500" i="1" dirty="0"/>
+              <a:t>/results. </a:t>
+            </a:r>
+            <a:r>
+              <a:rPr lang="en-US" sz="1500" dirty="0"/>
+              <a:t>Used in </a:t>
+            </a:r>
+            <a:r>
+              <a:rPr lang="en-US" sz="1500" i="1" dirty="0" err="1"/>
+              <a:t>main.R</a:t>
+            </a:r>
+            <a:r>
+              <a:rPr lang="en-US" sz="1500" i="1" dirty="0"/>
+              <a:t>.</a:t>
+            </a:r>
+          </a:p>
+        </p:txBody>
+      </p:sp>
+      <p:sp>
+        <p:nvSpPr>
+          <p:cNvPr id="28" name="Rectangle: Rounded Corners 27">
+            <a:extLst>
+              <a:ext uri="{FF2B5EF4-FFF2-40B4-BE49-F238E27FC236}">
+                <a16:creationId xmlns:a16="http://schemas.microsoft.com/office/drawing/2014/main" id="{764A5181-4CF9-4F5F-B6D5-9C48E727D53D}"/>
+              </a:ext>
+            </a:extLst>
+          </p:cNvPr>
+          <p:cNvSpPr/>
+          <p:nvPr/>
+        </p:nvSpPr>
+        <p:spPr>
+          <a:xfrm>
+            <a:off x="2572670" y="3409025"/>
+            <a:ext cx="9144000" cy="640080"/>
+          </a:xfrm>
+          <a:prstGeom prst="roundRect">
+            <a:avLst/>
+          </a:prstGeom>
+          <a:ln/>
+        </p:spPr>
+        <p:style>
+          <a:lnRef idx="2">
+            <a:schemeClr val="dk1"/>
+          </a:lnRef>
+          <a:fillRef idx="1">
+            <a:schemeClr val="lt1"/>
+          </a:fillRef>
+          <a:effectRef idx="0">
+            <a:schemeClr val="dk1"/>
+          </a:effectRef>
+          <a:fontRef idx="minor">
+            <a:schemeClr val="dk1"/>
+          </a:fontRef>
+        </p:style>
+        <p:txBody>
+          <a:bodyPr rtlCol="0" anchor="ctr"/>
+          <a:lstStyle/>
+          <a:p>
+            <a:r>
+              <a:rPr lang="en-US" sz="1500" dirty="0"/>
+              <a:t>Script to convert the results expressed as PDF to PDF per Mm3 of roundwood equivalent. The input data for this script are the .csv files in </a:t>
+            </a:r>
+            <a:r>
+              <a:rPr lang="en-US" sz="1500" i="1" dirty="0" err="1"/>
+              <a:t>forest_management</a:t>
+            </a:r>
+            <a:r>
+              <a:rPr lang="en-US" sz="1500" i="1" dirty="0"/>
+              <a:t>/results.</a:t>
+            </a:r>
+            <a:r>
+              <a:rPr lang="en-US" sz="1500" dirty="0"/>
+              <a:t> Used in </a:t>
+            </a:r>
+            <a:r>
+              <a:rPr lang="en-US" sz="1500" i="1" dirty="0" err="1"/>
+              <a:t>main.R</a:t>
+            </a:r>
+            <a:r>
+              <a:rPr lang="en-US" sz="1500" i="1" dirty="0"/>
+              <a:t>.</a:t>
+            </a:r>
+          </a:p>
+        </p:txBody>
+      </p:sp>
+      <p:cxnSp>
+        <p:nvCxnSpPr>
+          <p:cNvPr id="29" name="Straight Arrow Connector 28">
+            <a:extLst>
+              <a:ext uri="{FF2B5EF4-FFF2-40B4-BE49-F238E27FC236}">
+                <a16:creationId xmlns:a16="http://schemas.microsoft.com/office/drawing/2014/main" id="{5BB458BA-DCF1-4ED3-95B7-9F16B17D6498}"/>
+              </a:ext>
+            </a:extLst>
+          </p:cNvPr>
+          <p:cNvCxnSpPr>
+            <a:cxnSpLocks/>
+          </p:cNvCxnSpPr>
+          <p:nvPr/>
+        </p:nvCxnSpPr>
+        <p:spPr>
+          <a:xfrm>
+            <a:off x="2011367" y="2731776"/>
+            <a:ext cx="479320" cy="0"/>
+          </a:xfrm>
+          <a:prstGeom prst="straightConnector1">
+            <a:avLst/>
+          </a:prstGeom>
+          <a:ln>
+            <a:tailEnd type="triangle"/>
+          </a:ln>
+        </p:spPr>
+        <p:style>
+          <a:lnRef idx="1">
+            <a:schemeClr val="dk1"/>
+          </a:lnRef>
+          <a:fillRef idx="0">
+            <a:schemeClr val="dk1"/>
+          </a:fillRef>
+          <a:effectRef idx="0">
+            <a:schemeClr val="dk1"/>
+          </a:effectRef>
+          <a:fontRef idx="minor">
+            <a:schemeClr val="tx1"/>
+          </a:fontRef>
+        </p:style>
+      </p:cxnSp>
     </p:spTree>
     <p:extLst>
       <p:ext uri="{BB962C8B-B14F-4D97-AF65-F5344CB8AC3E}">
-        <p14:creationId xmlns:p14="http://schemas.microsoft.com/office/powerpoint/2010/main" val="2959597689"/>
+        <p14:creationId xmlns:p14="http://schemas.microsoft.com/office/powerpoint/2010/main" val="940793495"/>
       </p:ext>
     </p:extLst>
   </p:cSld>

--- a/archived/20221123_folder_script_structure.pptx
+++ b/archived/20221123_folder_script_structure.pptx
@@ -16394,7 +16394,7 @@
         </p:nvSpPr>
         <p:spPr>
           <a:xfrm>
-            <a:off x="-381504" y="1992341"/>
+            <a:off x="-381504" y="1272815"/>
             <a:ext cx="13828425" cy="4581289"/>
           </a:xfrm>
           <a:prstGeom prst="rect">
@@ -16562,7 +16562,7 @@
         </p:nvSpPr>
         <p:spPr>
           <a:xfrm>
-            <a:off x="1034416" y="2420913"/>
+            <a:off x="1034416" y="1701387"/>
             <a:ext cx="1842704" cy="2321799"/>
           </a:xfrm>
           <a:prstGeom prst="rect">
@@ -16652,7 +16652,7 @@
         </p:nvSpPr>
         <p:spPr>
           <a:xfrm>
-            <a:off x="3254764" y="2420912"/>
+            <a:off x="3254764" y="1701386"/>
             <a:ext cx="2743200" cy="274320"/>
           </a:xfrm>
           <a:prstGeom prst="rect">
@@ -16716,7 +16716,7 @@
         </p:nvSpPr>
         <p:spPr>
           <a:xfrm>
-            <a:off x="3254764" y="3155190"/>
+            <a:off x="3254764" y="2435664"/>
             <a:ext cx="2743200" cy="919465"/>
           </a:xfrm>
           <a:prstGeom prst="rect">
@@ -16805,7 +16805,7 @@
         </p:nvSpPr>
         <p:spPr>
           <a:xfrm>
-            <a:off x="3254764" y="4156164"/>
+            <a:off x="3254764" y="3436638"/>
             <a:ext cx="2743200" cy="690808"/>
           </a:xfrm>
           <a:prstGeom prst="rect">
@@ -16878,7 +16878,7 @@
         </p:nvSpPr>
         <p:spPr>
           <a:xfrm>
-            <a:off x="9059933" y="3283604"/>
+            <a:off x="9059933" y="2564078"/>
             <a:ext cx="2193250" cy="601921"/>
           </a:xfrm>
           <a:prstGeom prst="rect">
@@ -16934,7 +16934,7 @@
         </p:nvSpPr>
         <p:spPr>
           <a:xfrm>
-            <a:off x="3254764" y="2786976"/>
+            <a:off x="3254764" y="2067450"/>
             <a:ext cx="2743200" cy="274320"/>
           </a:xfrm>
           <a:prstGeom prst="rect">
@@ -16998,7 +16998,7 @@
         </p:nvSpPr>
         <p:spPr>
           <a:xfrm>
-            <a:off x="6362798" y="3577363"/>
+            <a:off x="6362798" y="2857837"/>
             <a:ext cx="2188030" cy="274320"/>
           </a:xfrm>
           <a:prstGeom prst="rect">
@@ -17054,7 +17054,7 @@
         </p:nvSpPr>
         <p:spPr>
           <a:xfrm>
-            <a:off x="11605034" y="3227411"/>
+            <a:off x="11605034" y="2507885"/>
             <a:ext cx="1753092" cy="274320"/>
           </a:xfrm>
           <a:prstGeom prst="rect">
@@ -17110,7 +17110,7 @@
         </p:nvSpPr>
         <p:spPr>
           <a:xfrm>
-            <a:off x="6362798" y="2420912"/>
+            <a:off x="6362798" y="1701386"/>
             <a:ext cx="2184359" cy="274320"/>
           </a:xfrm>
           <a:prstGeom prst="rect">
@@ -17166,7 +17166,7 @@
         </p:nvSpPr>
         <p:spPr>
           <a:xfrm>
-            <a:off x="11597540" y="3582294"/>
+            <a:off x="11597540" y="2862768"/>
             <a:ext cx="1753092" cy="274320"/>
           </a:xfrm>
           <a:prstGeom prst="rect">
@@ -17222,7 +17222,7 @@
         </p:nvSpPr>
         <p:spPr>
           <a:xfrm>
-            <a:off x="6362798" y="4151494"/>
+            <a:off x="6362798" y="3431968"/>
             <a:ext cx="2219268" cy="690805"/>
           </a:xfrm>
           <a:prstGeom prst="rect">
@@ -17297,7 +17297,7 @@
         </p:nvSpPr>
         <p:spPr>
           <a:xfrm>
-            <a:off x="2775481" y="2173361"/>
+            <a:off x="2775481" y="1453835"/>
             <a:ext cx="627797" cy="239417"/>
           </a:xfrm>
           <a:prstGeom prst="rect">
@@ -17350,7 +17350,7 @@
         </p:nvCxnSpPr>
         <p:spPr>
           <a:xfrm>
-            <a:off x="2906540" y="2561799"/>
+            <a:off x="2906540" y="1842273"/>
             <a:ext cx="286187" cy="0"/>
           </a:xfrm>
           <a:prstGeom prst="straightConnector1">
@@ -17391,7 +17391,7 @@
         </p:nvCxnSpPr>
         <p:spPr>
           <a:xfrm>
-            <a:off x="2906540" y="2894079"/>
+            <a:off x="2906540" y="2174553"/>
             <a:ext cx="286187" cy="0"/>
           </a:xfrm>
           <a:prstGeom prst="straightConnector1">
@@ -17432,7 +17432,7 @@
         </p:nvCxnSpPr>
         <p:spPr>
           <a:xfrm>
-            <a:off x="2906540" y="3601109"/>
+            <a:off x="2906540" y="2881583"/>
             <a:ext cx="286187" cy="0"/>
           </a:xfrm>
           <a:prstGeom prst="straightConnector1">
@@ -17473,7 +17473,7 @@
         </p:nvCxnSpPr>
         <p:spPr>
           <a:xfrm>
-            <a:off x="2906540" y="4488022"/>
+            <a:off x="2906540" y="3768496"/>
             <a:ext cx="286187" cy="0"/>
           </a:xfrm>
           <a:prstGeom prst="straightConnector1">
@@ -17512,7 +17512,7 @@
         </p:nvSpPr>
         <p:spPr>
           <a:xfrm>
-            <a:off x="5914359" y="2173361"/>
+            <a:off x="5914359" y="1453835"/>
             <a:ext cx="570725" cy="239417"/>
           </a:xfrm>
           <a:prstGeom prst="rect">
@@ -17563,7 +17563,7 @@
         </p:nvSpPr>
         <p:spPr>
           <a:xfrm>
-            <a:off x="5933409" y="3047062"/>
+            <a:off x="5933409" y="2327536"/>
             <a:ext cx="1751850" cy="289695"/>
           </a:xfrm>
           <a:prstGeom prst="rect">
@@ -17616,7 +17616,7 @@
         </p:nvCxnSpPr>
         <p:spPr>
           <a:xfrm>
-            <a:off x="6030318" y="2542948"/>
+            <a:off x="6030318" y="1823422"/>
             <a:ext cx="286187" cy="0"/>
           </a:xfrm>
           <a:prstGeom prst="straightConnector1">
@@ -17657,7 +17657,7 @@
         </p:nvCxnSpPr>
         <p:spPr>
           <a:xfrm>
-            <a:off x="6030318" y="3729123"/>
+            <a:off x="6030318" y="3009597"/>
             <a:ext cx="286187" cy="0"/>
           </a:xfrm>
           <a:prstGeom prst="straightConnector1">
@@ -17698,7 +17698,7 @@
         </p:nvCxnSpPr>
         <p:spPr>
           <a:xfrm>
-            <a:off x="6030318" y="4484161"/>
+            <a:off x="6030318" y="3764635"/>
             <a:ext cx="286187" cy="0"/>
           </a:xfrm>
           <a:prstGeom prst="straightConnector1">
@@ -17739,7 +17739,7 @@
         </p:nvCxnSpPr>
         <p:spPr>
           <a:xfrm>
-            <a:off x="6030318" y="3359027"/>
+            <a:off x="6030318" y="2639501"/>
             <a:ext cx="2954656" cy="0"/>
           </a:xfrm>
           <a:prstGeom prst="straightConnector1">
@@ -17778,7 +17778,7 @@
         </p:nvSpPr>
         <p:spPr>
           <a:xfrm>
-            <a:off x="11121888" y="2984407"/>
+            <a:off x="11121888" y="2264881"/>
             <a:ext cx="570725" cy="239417"/>
           </a:xfrm>
           <a:prstGeom prst="rect">
@@ -17831,7 +17831,7 @@
         </p:nvCxnSpPr>
         <p:spPr>
           <a:xfrm>
-            <a:off x="11273683" y="3398574"/>
+            <a:off x="11273683" y="2679048"/>
             <a:ext cx="286187" cy="0"/>
           </a:xfrm>
           <a:prstGeom prst="straightConnector1">
@@ -17872,7 +17872,7 @@
         </p:nvCxnSpPr>
         <p:spPr>
           <a:xfrm>
-            <a:off x="11273683" y="3698559"/>
+            <a:off x="11273683" y="2979033"/>
             <a:ext cx="286187" cy="0"/>
           </a:xfrm>
           <a:prstGeom prst="straightConnector1">
@@ -17911,7 +17911,7 @@
         </p:nvSpPr>
         <p:spPr>
           <a:xfrm>
-            <a:off x="-304513" y="2904318"/>
+            <a:off x="-304513" y="2184792"/>
             <a:ext cx="1124146" cy="406137"/>
           </a:xfrm>
           <a:prstGeom prst="rect">
@@ -17964,7 +17964,7 @@
         </p:nvCxnSpPr>
         <p:spPr>
           <a:xfrm flipH="1">
-            <a:off x="683449" y="3501731"/>
+            <a:off x="683449" y="2782205"/>
             <a:ext cx="286187" cy="0"/>
           </a:xfrm>
           <a:prstGeom prst="straightConnector1">
@@ -18003,7 +18003,7 @@
         </p:nvSpPr>
         <p:spPr>
           <a:xfrm>
-            <a:off x="-219229" y="3367304"/>
+            <a:off x="-219229" y="2647778"/>
             <a:ext cx="874068" cy="274320"/>
           </a:xfrm>
           <a:prstGeom prst="rect">
@@ -18058,7 +18058,7 @@
         </p:nvSpPr>
         <p:spPr>
           <a:xfrm>
-            <a:off x="-58186" y="5243003"/>
+            <a:off x="-58186" y="4523477"/>
             <a:ext cx="842165" cy="274320"/>
           </a:xfrm>
           <a:prstGeom prst="rect">
@@ -18113,7 +18113,7 @@
         </p:nvSpPr>
         <p:spPr>
           <a:xfrm>
-            <a:off x="-58187" y="5606801"/>
+            <a:off x="-58187" y="4887275"/>
             <a:ext cx="842165" cy="274320"/>
           </a:xfrm>
           <a:prstGeom prst="rect">
@@ -18173,7 +18173,7 @@
         </p:nvSpPr>
         <p:spPr>
           <a:xfrm>
-            <a:off x="-58188" y="5970599"/>
+            <a:off x="-58188" y="5251073"/>
             <a:ext cx="842165" cy="274320"/>
           </a:xfrm>
           <a:prstGeom prst="rect">
@@ -18228,7 +18228,7 @@
         </p:nvSpPr>
         <p:spPr>
           <a:xfrm>
-            <a:off x="762512" y="5627347"/>
+            <a:off x="762512" y="4907821"/>
             <a:ext cx="8811794" cy="252178"/>
           </a:xfrm>
           <a:prstGeom prst="rect">
@@ -18278,7 +18278,7 @@
         </p:nvSpPr>
         <p:spPr>
           <a:xfrm>
-            <a:off x="783977" y="5993477"/>
+            <a:off x="783977" y="5273951"/>
             <a:ext cx="10004406" cy="252178"/>
           </a:xfrm>
           <a:prstGeom prst="rect">
@@ -18328,7 +18328,7 @@
         </p:nvSpPr>
         <p:spPr>
           <a:xfrm>
-            <a:off x="8506940" y="3475106"/>
+            <a:off x="8506940" y="2755580"/>
             <a:ext cx="570725" cy="239417"/>
           </a:xfrm>
           <a:prstGeom prst="rect">
@@ -18381,7 +18381,7 @@
         </p:nvCxnSpPr>
         <p:spPr>
           <a:xfrm>
-            <a:off x="8635060" y="3760927"/>
+            <a:off x="8635060" y="3041401"/>
             <a:ext cx="346287" cy="0"/>
           </a:xfrm>
           <a:prstGeom prst="straightConnector1">
@@ -20411,6 +20411,1864 @@
           </a:p>
         </p:txBody>
       </p:sp>
+      <p:sp>
+        <p:nvSpPr>
+          <p:cNvPr id="52" name="Rectangle 51">
+            <a:extLst>
+              <a:ext uri="{FF2B5EF4-FFF2-40B4-BE49-F238E27FC236}">
+                <a16:creationId xmlns:a16="http://schemas.microsoft.com/office/drawing/2014/main" id="{250418CC-FC2C-447B-AE92-DB560B6B2BFD}"/>
+              </a:ext>
+            </a:extLst>
+          </p:cNvPr>
+          <p:cNvSpPr/>
+          <p:nvPr/>
+        </p:nvSpPr>
+        <p:spPr>
+          <a:xfrm>
+            <a:off x="1034416" y="1701387"/>
+            <a:ext cx="1842704" cy="2321799"/>
+          </a:xfrm>
+          <a:prstGeom prst="rect">
+            <a:avLst/>
+          </a:prstGeom>
+          <a:solidFill>
+            <a:schemeClr val="accent1">
+              <a:lumMod val="20000"/>
+              <a:lumOff val="80000"/>
+            </a:schemeClr>
+          </a:solidFill>
+          <a:ln>
+            <a:noFill/>
+          </a:ln>
+        </p:spPr>
+        <p:style>
+          <a:lnRef idx="3">
+            <a:schemeClr val="lt1"/>
+          </a:lnRef>
+          <a:fillRef idx="1">
+            <a:schemeClr val="accent3"/>
+          </a:fillRef>
+          <a:effectRef idx="1">
+            <a:schemeClr val="accent3"/>
+          </a:effectRef>
+          <a:fontRef idx="minor">
+            <a:schemeClr val="lt1"/>
+          </a:fontRef>
+        </p:style>
+        <p:txBody>
+          <a:bodyPr rtlCol="0" anchor="ctr"/>
+          <a:lstStyle/>
+          <a:p>
+            <a:r>
+              <a:rPr lang="en-US" sz="1400" dirty="0" err="1">
+                <a:solidFill>
+                  <a:sysClr val="windowText" lastClr="000000"/>
+                </a:solidFill>
+              </a:rPr>
+              <a:t>calculate_impacts.R</a:t>
+            </a:r>
+            <a:r>
+              <a:rPr lang="en-US" sz="1400" dirty="0">
+                <a:solidFill>
+                  <a:sysClr val="windowText" lastClr="000000"/>
+                </a:solidFill>
+              </a:rPr>
+              <a:t>, </a:t>
+            </a:r>
+          </a:p>
+          <a:p>
+            <a:r>
+              <a:rPr lang="en-US" sz="1400" dirty="0">
+                <a:solidFill>
+                  <a:sysClr val="windowText" lastClr="000000"/>
+                </a:solidFill>
+              </a:rPr>
+              <a:t>called in </a:t>
+            </a:r>
+            <a:r>
+              <a:rPr lang="en-US" sz="1400" dirty="0" err="1">
+                <a:solidFill>
+                  <a:sysClr val="windowText" lastClr="000000"/>
+                </a:solidFill>
+              </a:rPr>
+              <a:t>main.R</a:t>
+            </a:r>
+            <a:endParaRPr lang="en-US" sz="1400" dirty="0">
+              <a:solidFill>
+                <a:sysClr val="windowText" lastClr="000000"/>
+              </a:solidFill>
+            </a:endParaRPr>
+          </a:p>
+        </p:txBody>
+      </p:sp>
+      <p:sp>
+        <p:nvSpPr>
+          <p:cNvPr id="53" name="Rectangle 52">
+            <a:extLst>
+              <a:ext uri="{FF2B5EF4-FFF2-40B4-BE49-F238E27FC236}">
+                <a16:creationId xmlns:a16="http://schemas.microsoft.com/office/drawing/2014/main" id="{47000BA9-87BB-42AC-919A-C07AB6EEE326}"/>
+              </a:ext>
+            </a:extLst>
+          </p:cNvPr>
+          <p:cNvSpPr/>
+          <p:nvPr/>
+        </p:nvSpPr>
+        <p:spPr>
+          <a:xfrm>
+            <a:off x="3254764" y="1701386"/>
+            <a:ext cx="2743200" cy="274320"/>
+          </a:xfrm>
+          <a:prstGeom prst="rect">
+            <a:avLst/>
+          </a:prstGeom>
+          <a:solidFill>
+            <a:schemeClr val="accent1">
+              <a:lumMod val="20000"/>
+              <a:lumOff val="80000"/>
+            </a:schemeClr>
+          </a:solidFill>
+          <a:ln>
+            <a:noFill/>
+          </a:ln>
+        </p:spPr>
+        <p:style>
+          <a:lnRef idx="3">
+            <a:schemeClr val="lt1"/>
+          </a:lnRef>
+          <a:fillRef idx="1">
+            <a:schemeClr val="accent3"/>
+          </a:fillRef>
+          <a:effectRef idx="1">
+            <a:schemeClr val="accent3"/>
+          </a:effectRef>
+          <a:fontRef idx="minor">
+            <a:schemeClr val="lt1"/>
+          </a:fontRef>
+        </p:style>
+        <p:txBody>
+          <a:bodyPr rtlCol="0" anchor="ctr"/>
+          <a:lstStyle/>
+          <a:p>
+            <a:r>
+              <a:rPr lang="en-US" sz="1400" dirty="0" err="1">
+                <a:solidFill>
+                  <a:sysClr val="windowText" lastClr="000000"/>
+                </a:solidFill>
+              </a:rPr>
+              <a:t>calculate_slost.R</a:t>
+            </a:r>
+            <a:endParaRPr lang="en-US" sz="1400" dirty="0">
+              <a:solidFill>
+                <a:sysClr val="windowText" lastClr="000000"/>
+              </a:solidFill>
+            </a:endParaRPr>
+          </a:p>
+        </p:txBody>
+      </p:sp>
+      <p:sp>
+        <p:nvSpPr>
+          <p:cNvPr id="54" name="Rectangle 53">
+            <a:extLst>
+              <a:ext uri="{FF2B5EF4-FFF2-40B4-BE49-F238E27FC236}">
+                <a16:creationId xmlns:a16="http://schemas.microsoft.com/office/drawing/2014/main" id="{28C2EE00-BE0A-41E8-9AD8-0CAC122D83B1}"/>
+              </a:ext>
+            </a:extLst>
+          </p:cNvPr>
+          <p:cNvSpPr/>
+          <p:nvPr/>
+        </p:nvSpPr>
+        <p:spPr>
+          <a:xfrm>
+            <a:off x="3254764" y="2435664"/>
+            <a:ext cx="2743200" cy="919465"/>
+          </a:xfrm>
+          <a:prstGeom prst="rect">
+            <a:avLst/>
+          </a:prstGeom>
+          <a:solidFill>
+            <a:schemeClr val="accent5">
+              <a:lumMod val="20000"/>
+              <a:lumOff val="80000"/>
+            </a:schemeClr>
+          </a:solidFill>
+          <a:ln>
+            <a:noFill/>
+          </a:ln>
+        </p:spPr>
+        <p:style>
+          <a:lnRef idx="2">
+            <a:schemeClr val="dk1"/>
+          </a:lnRef>
+          <a:fillRef idx="1">
+            <a:schemeClr val="lt1"/>
+          </a:fillRef>
+          <a:effectRef idx="0">
+            <a:schemeClr val="dk1"/>
+          </a:effectRef>
+          <a:fontRef idx="minor">
+            <a:schemeClr val="dk1"/>
+          </a:fontRef>
+        </p:style>
+        <p:txBody>
+          <a:bodyPr rtlCol="0" anchor="ctr"/>
+          <a:lstStyle/>
+          <a:p>
+            <a:r>
+              <a:rPr lang="en-US" sz="1400" dirty="0"/>
+              <a:t>.</a:t>
+            </a:r>
+            <a:r>
+              <a:rPr lang="en-US" sz="1400" dirty="0" err="1"/>
+              <a:t>Rdata</a:t>
+            </a:r>
+            <a:r>
+              <a:rPr lang="en-US" sz="1400" dirty="0"/>
+              <a:t> files in data/</a:t>
+            </a:r>
+            <a:r>
+              <a:rPr lang="en-US" sz="1400" dirty="0" err="1"/>
+              <a:t>model_parameters</a:t>
+            </a:r>
+            <a:r>
+              <a:rPr lang="en-US" sz="1400" dirty="0"/>
+              <a:t>/</a:t>
+            </a:r>
+          </a:p>
+          <a:p>
+            <a:r>
+              <a:rPr lang="en-US" sz="1400" dirty="0" err="1"/>
+              <a:t>ecoregions_data</a:t>
+            </a:r>
+            <a:r>
+              <a:rPr lang="en-US" sz="1400" dirty="0"/>
+              <a:t>/</a:t>
+            </a:r>
+            <a:r>
+              <a:rPr lang="en-US" sz="1400" dirty="0" err="1"/>
+              <a:t>rr_zz</a:t>
+            </a:r>
+            <a:r>
+              <a:rPr lang="en-US" sz="1400" dirty="0"/>
+              <a:t>/ selected according to the initial settings</a:t>
+            </a:r>
+          </a:p>
+        </p:txBody>
+      </p:sp>
+      <p:sp>
+        <p:nvSpPr>
+          <p:cNvPr id="55" name="Rectangle 54">
+            <a:extLst>
+              <a:ext uri="{FF2B5EF4-FFF2-40B4-BE49-F238E27FC236}">
+                <a16:creationId xmlns:a16="http://schemas.microsoft.com/office/drawing/2014/main" id="{5A1ADD11-0818-4E09-AE47-742F733BE7CF}"/>
+              </a:ext>
+            </a:extLst>
+          </p:cNvPr>
+          <p:cNvSpPr/>
+          <p:nvPr/>
+        </p:nvSpPr>
+        <p:spPr>
+          <a:xfrm>
+            <a:off x="3254764" y="3436638"/>
+            <a:ext cx="2743200" cy="690808"/>
+          </a:xfrm>
+          <a:prstGeom prst="rect">
+            <a:avLst/>
+          </a:prstGeom>
+          <a:solidFill>
+            <a:schemeClr val="accent4">
+              <a:lumMod val="20000"/>
+              <a:lumOff val="80000"/>
+            </a:schemeClr>
+          </a:solidFill>
+          <a:ln>
+            <a:noFill/>
+          </a:ln>
+        </p:spPr>
+        <p:style>
+          <a:lnRef idx="2">
+            <a:schemeClr val="dk1"/>
+          </a:lnRef>
+          <a:fillRef idx="1">
+            <a:schemeClr val="lt1"/>
+          </a:fillRef>
+          <a:effectRef idx="0">
+            <a:schemeClr val="dk1"/>
+          </a:effectRef>
+          <a:fontRef idx="minor">
+            <a:schemeClr val="dk1"/>
+          </a:fontRef>
+        </p:style>
+        <p:txBody>
+          <a:bodyPr rtlCol="0" anchor="ctr"/>
+          <a:lstStyle/>
+          <a:p>
+            <a:r>
+              <a:rPr lang="en-US" sz="1400" dirty="0"/>
+              <a:t>.csv files in data/</a:t>
+            </a:r>
+            <a:r>
+              <a:rPr lang="en-US" sz="1400" dirty="0" err="1"/>
+              <a:t>land_use_data</a:t>
+            </a:r>
+            <a:r>
+              <a:rPr lang="en-US" sz="1400" dirty="0"/>
+              <a:t>/</a:t>
+            </a:r>
+          </a:p>
+          <a:p>
+            <a:r>
+              <a:rPr lang="en-US" sz="1400" dirty="0" err="1"/>
+              <a:t>areas_processed</a:t>
+            </a:r>
+            <a:r>
+              <a:rPr lang="en-US" sz="1400" dirty="0"/>
+              <a:t>/ selected according to the initial settings</a:t>
+            </a:r>
+          </a:p>
+        </p:txBody>
+      </p:sp>
+      <p:sp>
+        <p:nvSpPr>
+          <p:cNvPr id="56" name="Rectangle 55">
+            <a:extLst>
+              <a:ext uri="{FF2B5EF4-FFF2-40B4-BE49-F238E27FC236}">
+                <a16:creationId xmlns:a16="http://schemas.microsoft.com/office/drawing/2014/main" id="{35C22F18-6C04-44B1-B794-0D7A69DA5D1D}"/>
+              </a:ext>
+            </a:extLst>
+          </p:cNvPr>
+          <p:cNvSpPr/>
+          <p:nvPr/>
+        </p:nvSpPr>
+        <p:spPr>
+          <a:xfrm>
+            <a:off x="9059933" y="2564078"/>
+            <a:ext cx="2193250" cy="601921"/>
+          </a:xfrm>
+          <a:prstGeom prst="rect">
+            <a:avLst/>
+          </a:prstGeom>
+          <a:solidFill>
+            <a:schemeClr val="accent1">
+              <a:lumMod val="20000"/>
+              <a:lumOff val="80000"/>
+            </a:schemeClr>
+          </a:solidFill>
+          <a:ln>
+            <a:noFill/>
+          </a:ln>
+        </p:spPr>
+        <p:style>
+          <a:lnRef idx="2">
+            <a:schemeClr val="dk1"/>
+          </a:lnRef>
+          <a:fillRef idx="1">
+            <a:schemeClr val="lt1"/>
+          </a:fillRef>
+          <a:effectRef idx="0">
+            <a:schemeClr val="dk1"/>
+          </a:effectRef>
+          <a:fontRef idx="minor">
+            <a:schemeClr val="dk1"/>
+          </a:fontRef>
+        </p:style>
+        <p:txBody>
+          <a:bodyPr rtlCol="0" anchor="ctr"/>
+          <a:lstStyle/>
+          <a:p>
+            <a:r>
+              <a:rPr lang="en-US" sz="1400" dirty="0" err="1"/>
+              <a:t>parameters_calculation.R</a:t>
+            </a:r>
+            <a:endParaRPr lang="en-US" sz="1400" dirty="0"/>
+          </a:p>
+        </p:txBody>
+      </p:sp>
+      <p:sp>
+        <p:nvSpPr>
+          <p:cNvPr id="57" name="Rectangle 56">
+            <a:extLst>
+              <a:ext uri="{FF2B5EF4-FFF2-40B4-BE49-F238E27FC236}">
+                <a16:creationId xmlns:a16="http://schemas.microsoft.com/office/drawing/2014/main" id="{13764613-6270-47F9-987B-B72BB3A9D936}"/>
+              </a:ext>
+            </a:extLst>
+          </p:cNvPr>
+          <p:cNvSpPr/>
+          <p:nvPr/>
+        </p:nvSpPr>
+        <p:spPr>
+          <a:xfrm>
+            <a:off x="3254764" y="2067450"/>
+            <a:ext cx="2743200" cy="274320"/>
+          </a:xfrm>
+          <a:prstGeom prst="rect">
+            <a:avLst/>
+          </a:prstGeom>
+          <a:solidFill>
+            <a:schemeClr val="accent1">
+              <a:lumMod val="20000"/>
+              <a:lumOff val="80000"/>
+            </a:schemeClr>
+          </a:solidFill>
+          <a:ln>
+            <a:noFill/>
+          </a:ln>
+        </p:spPr>
+        <p:style>
+          <a:lnRef idx="3">
+            <a:schemeClr val="lt1"/>
+          </a:lnRef>
+          <a:fillRef idx="1">
+            <a:schemeClr val="accent3"/>
+          </a:fillRef>
+          <a:effectRef idx="1">
+            <a:schemeClr val="accent3"/>
+          </a:effectRef>
+          <a:fontRef idx="minor">
+            <a:schemeClr val="lt1"/>
+          </a:fontRef>
+        </p:style>
+        <p:txBody>
+          <a:bodyPr rtlCol="0" anchor="ctr"/>
+          <a:lstStyle/>
+          <a:p>
+            <a:r>
+              <a:rPr lang="en-US" sz="1400" dirty="0" err="1">
+                <a:solidFill>
+                  <a:sysClr val="windowText" lastClr="000000"/>
+                </a:solidFill>
+              </a:rPr>
+              <a:t>allocate_impacts.R</a:t>
+            </a:r>
+            <a:endParaRPr lang="en-US" sz="1400" dirty="0">
+              <a:solidFill>
+                <a:sysClr val="windowText" lastClr="000000"/>
+              </a:solidFill>
+            </a:endParaRPr>
+          </a:p>
+        </p:txBody>
+      </p:sp>
+      <p:sp>
+        <p:nvSpPr>
+          <p:cNvPr id="58" name="Rectangle 57">
+            <a:extLst>
+              <a:ext uri="{FF2B5EF4-FFF2-40B4-BE49-F238E27FC236}">
+                <a16:creationId xmlns:a16="http://schemas.microsoft.com/office/drawing/2014/main" id="{25FF3677-5F9B-494F-990C-78D48CE4AC1A}"/>
+              </a:ext>
+            </a:extLst>
+          </p:cNvPr>
+          <p:cNvSpPr/>
+          <p:nvPr/>
+        </p:nvSpPr>
+        <p:spPr>
+          <a:xfrm>
+            <a:off x="6362798" y="2857837"/>
+            <a:ext cx="2188030" cy="274320"/>
+          </a:xfrm>
+          <a:prstGeom prst="rect">
+            <a:avLst/>
+          </a:prstGeom>
+          <a:solidFill>
+            <a:schemeClr val="accent1">
+              <a:lumMod val="20000"/>
+              <a:lumOff val="80000"/>
+            </a:schemeClr>
+          </a:solidFill>
+          <a:ln>
+            <a:noFill/>
+          </a:ln>
+        </p:spPr>
+        <p:style>
+          <a:lnRef idx="2">
+            <a:schemeClr val="dk1"/>
+          </a:lnRef>
+          <a:fillRef idx="1">
+            <a:schemeClr val="lt1"/>
+          </a:fillRef>
+          <a:effectRef idx="0">
+            <a:schemeClr val="dk1"/>
+          </a:effectRef>
+          <a:fontRef idx="minor">
+            <a:schemeClr val="dk1"/>
+          </a:fontRef>
+        </p:style>
+        <p:txBody>
+          <a:bodyPr rtlCol="0" anchor="ctr"/>
+          <a:lstStyle/>
+          <a:p>
+            <a:r>
+              <a:rPr lang="en-US" sz="1400" dirty="0" err="1"/>
+              <a:t>bootstrapping.R</a:t>
+            </a:r>
+            <a:endParaRPr lang="en-US" sz="1400" dirty="0"/>
+          </a:p>
+        </p:txBody>
+      </p:sp>
+      <p:sp>
+        <p:nvSpPr>
+          <p:cNvPr id="59" name="Rectangle 58">
+            <a:extLst>
+              <a:ext uri="{FF2B5EF4-FFF2-40B4-BE49-F238E27FC236}">
+                <a16:creationId xmlns:a16="http://schemas.microsoft.com/office/drawing/2014/main" id="{A59D8936-D27E-4FFF-BF4A-54F81365A4FE}"/>
+              </a:ext>
+            </a:extLst>
+          </p:cNvPr>
+          <p:cNvSpPr/>
+          <p:nvPr/>
+        </p:nvSpPr>
+        <p:spPr>
+          <a:xfrm>
+            <a:off x="11605034" y="2507885"/>
+            <a:ext cx="1753092" cy="274320"/>
+          </a:xfrm>
+          <a:prstGeom prst="rect">
+            <a:avLst/>
+          </a:prstGeom>
+          <a:solidFill>
+            <a:schemeClr val="accent1">
+              <a:lumMod val="20000"/>
+              <a:lumOff val="80000"/>
+            </a:schemeClr>
+          </a:solidFill>
+          <a:ln>
+            <a:noFill/>
+          </a:ln>
+        </p:spPr>
+        <p:style>
+          <a:lnRef idx="2">
+            <a:schemeClr val="dk1"/>
+          </a:lnRef>
+          <a:fillRef idx="1">
+            <a:schemeClr val="lt1"/>
+          </a:fillRef>
+          <a:effectRef idx="0">
+            <a:schemeClr val="dk1"/>
+          </a:effectRef>
+          <a:fontRef idx="minor">
+            <a:schemeClr val="dk1"/>
+          </a:fontRef>
+        </p:style>
+        <p:txBody>
+          <a:bodyPr rtlCol="0" anchor="ctr"/>
+          <a:lstStyle/>
+          <a:p>
+            <a:r>
+              <a:rPr lang="en-US" sz="1400" dirty="0" err="1"/>
+              <a:t>distributions.R</a:t>
+            </a:r>
+            <a:endParaRPr lang="en-US" sz="1400" dirty="0"/>
+          </a:p>
+        </p:txBody>
+      </p:sp>
+      <p:sp>
+        <p:nvSpPr>
+          <p:cNvPr id="61" name="Rectangle 60">
+            <a:extLst>
+              <a:ext uri="{FF2B5EF4-FFF2-40B4-BE49-F238E27FC236}">
+                <a16:creationId xmlns:a16="http://schemas.microsoft.com/office/drawing/2014/main" id="{E0E3D146-B389-481E-B8EE-720806A33CA8}"/>
+              </a:ext>
+            </a:extLst>
+          </p:cNvPr>
+          <p:cNvSpPr/>
+          <p:nvPr/>
+        </p:nvSpPr>
+        <p:spPr>
+          <a:xfrm>
+            <a:off x="6362798" y="1701386"/>
+            <a:ext cx="2184359" cy="274320"/>
+          </a:xfrm>
+          <a:prstGeom prst="rect">
+            <a:avLst/>
+          </a:prstGeom>
+          <a:solidFill>
+            <a:schemeClr val="accent1">
+              <a:lumMod val="20000"/>
+              <a:lumOff val="80000"/>
+            </a:schemeClr>
+          </a:solidFill>
+          <a:ln>
+            <a:noFill/>
+          </a:ln>
+        </p:spPr>
+        <p:style>
+          <a:lnRef idx="2">
+            <a:schemeClr val="dk1"/>
+          </a:lnRef>
+          <a:fillRef idx="1">
+            <a:schemeClr val="lt1"/>
+          </a:fillRef>
+          <a:effectRef idx="0">
+            <a:schemeClr val="dk1"/>
+          </a:effectRef>
+          <a:fontRef idx="minor">
+            <a:schemeClr val="dk1"/>
+          </a:fontRef>
+        </p:style>
+        <p:txBody>
+          <a:bodyPr rtlCol="0" anchor="ctr"/>
+          <a:lstStyle/>
+          <a:p>
+            <a:r>
+              <a:rPr lang="en-US" sz="1400" dirty="0" err="1"/>
+              <a:t>model_functions.R</a:t>
+            </a:r>
+            <a:endParaRPr lang="en-US" sz="1400" dirty="0"/>
+          </a:p>
+        </p:txBody>
+      </p:sp>
+      <p:sp>
+        <p:nvSpPr>
+          <p:cNvPr id="62" name="Rectangle 61">
+            <a:extLst>
+              <a:ext uri="{FF2B5EF4-FFF2-40B4-BE49-F238E27FC236}">
+                <a16:creationId xmlns:a16="http://schemas.microsoft.com/office/drawing/2014/main" id="{91F730E8-2438-41EA-A267-FA28122FB057}"/>
+              </a:ext>
+            </a:extLst>
+          </p:cNvPr>
+          <p:cNvSpPr/>
+          <p:nvPr/>
+        </p:nvSpPr>
+        <p:spPr>
+          <a:xfrm>
+            <a:off x="11597540" y="2862768"/>
+            <a:ext cx="1753092" cy="274320"/>
+          </a:xfrm>
+          <a:prstGeom prst="rect">
+            <a:avLst/>
+          </a:prstGeom>
+          <a:solidFill>
+            <a:schemeClr val="accent1">
+              <a:lumMod val="20000"/>
+              <a:lumOff val="80000"/>
+            </a:schemeClr>
+          </a:solidFill>
+          <a:ln>
+            <a:noFill/>
+          </a:ln>
+        </p:spPr>
+        <p:style>
+          <a:lnRef idx="2">
+            <a:schemeClr val="dk1"/>
+          </a:lnRef>
+          <a:fillRef idx="1">
+            <a:schemeClr val="lt1"/>
+          </a:fillRef>
+          <a:effectRef idx="0">
+            <a:schemeClr val="dk1"/>
+          </a:effectRef>
+          <a:fontRef idx="minor">
+            <a:schemeClr val="dk1"/>
+          </a:fontRef>
+        </p:style>
+        <p:txBody>
+          <a:bodyPr rtlCol="0" anchor="ctr"/>
+          <a:lstStyle/>
+          <a:p>
+            <a:r>
+              <a:rPr lang="en-US" sz="1400" dirty="0" err="1"/>
+              <a:t>model_functions.R</a:t>
+            </a:r>
+            <a:endParaRPr lang="en-US" sz="1400" dirty="0"/>
+          </a:p>
+        </p:txBody>
+      </p:sp>
+      <p:sp>
+        <p:nvSpPr>
+          <p:cNvPr id="63" name="Rectangle 62">
+            <a:extLst>
+              <a:ext uri="{FF2B5EF4-FFF2-40B4-BE49-F238E27FC236}">
+                <a16:creationId xmlns:a16="http://schemas.microsoft.com/office/drawing/2014/main" id="{ABB4CBA6-92BB-4905-B0E6-4BD35BA57695}"/>
+              </a:ext>
+            </a:extLst>
+          </p:cNvPr>
+          <p:cNvSpPr/>
+          <p:nvPr/>
+        </p:nvSpPr>
+        <p:spPr>
+          <a:xfrm>
+            <a:off x="6362798" y="3431968"/>
+            <a:ext cx="2219268" cy="690805"/>
+          </a:xfrm>
+          <a:prstGeom prst="rect">
+            <a:avLst/>
+          </a:prstGeom>
+          <a:solidFill>
+            <a:schemeClr val="accent1">
+              <a:lumMod val="20000"/>
+              <a:lumOff val="80000"/>
+            </a:schemeClr>
+          </a:solidFill>
+          <a:ln>
+            <a:noFill/>
+          </a:ln>
+        </p:spPr>
+        <p:style>
+          <a:lnRef idx="2">
+            <a:schemeClr val="dk1"/>
+          </a:lnRef>
+          <a:fillRef idx="1">
+            <a:schemeClr val="lt1"/>
+          </a:fillRef>
+          <a:effectRef idx="0">
+            <a:schemeClr val="dk1"/>
+          </a:effectRef>
+          <a:fontRef idx="minor">
+            <a:schemeClr val="dk1"/>
+          </a:fontRef>
+        </p:style>
+        <p:txBody>
+          <a:bodyPr rtlCol="0" anchor="ctr"/>
+          <a:lstStyle/>
+          <a:p>
+            <a:r>
+              <a:rPr lang="en-US" sz="1400" dirty="0" err="1"/>
+              <a:t>data_preparation</a:t>
+            </a:r>
+            <a:r>
+              <a:rPr lang="en-US" sz="1400" dirty="0"/>
+              <a:t>/</a:t>
+            </a:r>
+            <a:r>
+              <a:rPr lang="en-US" sz="1400" dirty="0" err="1"/>
+              <a:t>do_tidy_match.R</a:t>
+            </a:r>
+            <a:r>
+              <a:rPr lang="en-US" sz="1400" dirty="0"/>
+              <a:t> (called in </a:t>
+            </a:r>
+            <a:r>
+              <a:rPr lang="en-US" sz="1400" dirty="0" err="1"/>
+              <a:t>main.R</a:t>
+            </a:r>
+            <a:r>
+              <a:rPr lang="en-US" sz="1400" dirty="0"/>
+              <a:t>)</a:t>
+            </a:r>
+          </a:p>
+        </p:txBody>
+      </p:sp>
+      <p:sp>
+        <p:nvSpPr>
+          <p:cNvPr id="64" name="Rectangle 63">
+            <a:extLst>
+              <a:ext uri="{FF2B5EF4-FFF2-40B4-BE49-F238E27FC236}">
+                <a16:creationId xmlns:a16="http://schemas.microsoft.com/office/drawing/2014/main" id="{41EC9AC2-7CDB-4B9E-9C90-451472B91601}"/>
+              </a:ext>
+            </a:extLst>
+          </p:cNvPr>
+          <p:cNvSpPr/>
+          <p:nvPr/>
+        </p:nvSpPr>
+        <p:spPr>
+          <a:xfrm>
+            <a:off x="-893985" y="789833"/>
+            <a:ext cx="627797" cy="239417"/>
+          </a:xfrm>
+          <a:prstGeom prst="rect">
+            <a:avLst/>
+          </a:prstGeom>
+          <a:noFill/>
+          <a:ln>
+            <a:noFill/>
+          </a:ln>
+        </p:spPr>
+        <p:style>
+          <a:lnRef idx="0">
+            <a:scrgbClr r="0" g="0" b="0"/>
+          </a:lnRef>
+          <a:fillRef idx="0">
+            <a:scrgbClr r="0" g="0" b="0"/>
+          </a:fillRef>
+          <a:effectRef idx="0">
+            <a:scrgbClr r="0" g="0" b="0"/>
+          </a:effectRef>
+          <a:fontRef idx="minor">
+            <a:schemeClr val="dk1"/>
+          </a:fontRef>
+        </p:style>
+        <p:txBody>
+          <a:bodyPr rtlCol="0" anchor="ctr"/>
+          <a:lstStyle/>
+          <a:p>
+            <a:pPr algn="ctr"/>
+            <a:r>
+              <a:rPr lang="en-US" sz="1400" i="1" dirty="0"/>
+              <a:t>calls</a:t>
+            </a:r>
+          </a:p>
+        </p:txBody>
+      </p:sp>
+      <p:cxnSp>
+        <p:nvCxnSpPr>
+          <p:cNvPr id="65" name="Straight Arrow Connector 64">
+            <a:extLst>
+              <a:ext uri="{FF2B5EF4-FFF2-40B4-BE49-F238E27FC236}">
+                <a16:creationId xmlns:a16="http://schemas.microsoft.com/office/drawing/2014/main" id="{8C000004-B8DA-4571-BA81-1AF4851B6551}"/>
+              </a:ext>
+            </a:extLst>
+          </p:cNvPr>
+          <p:cNvCxnSpPr>
+            <a:cxnSpLocks/>
+          </p:cNvCxnSpPr>
+          <p:nvPr/>
+        </p:nvCxnSpPr>
+        <p:spPr>
+          <a:xfrm>
+            <a:off x="2906540" y="1842273"/>
+            <a:ext cx="286187" cy="0"/>
+          </a:xfrm>
+          <a:prstGeom prst="straightConnector1">
+            <a:avLst/>
+          </a:prstGeom>
+          <a:ln>
+            <a:tailEnd type="triangle"/>
+          </a:ln>
+        </p:spPr>
+        <p:style>
+          <a:lnRef idx="1">
+            <a:schemeClr val="dk1"/>
+          </a:lnRef>
+          <a:fillRef idx="0">
+            <a:schemeClr val="dk1"/>
+          </a:fillRef>
+          <a:effectRef idx="0">
+            <a:schemeClr val="dk1"/>
+          </a:effectRef>
+          <a:fontRef idx="minor">
+            <a:schemeClr val="tx1"/>
+          </a:fontRef>
+        </p:style>
+      </p:cxnSp>
+      <p:cxnSp>
+        <p:nvCxnSpPr>
+          <p:cNvPr id="66" name="Straight Arrow Connector 65">
+            <a:extLst>
+              <a:ext uri="{FF2B5EF4-FFF2-40B4-BE49-F238E27FC236}">
+                <a16:creationId xmlns:a16="http://schemas.microsoft.com/office/drawing/2014/main" id="{F08B5960-547A-472E-BCDF-35042F0A48AA}"/>
+              </a:ext>
+            </a:extLst>
+          </p:cNvPr>
+          <p:cNvCxnSpPr>
+            <a:cxnSpLocks/>
+          </p:cNvCxnSpPr>
+          <p:nvPr/>
+        </p:nvCxnSpPr>
+        <p:spPr>
+          <a:xfrm>
+            <a:off x="2906540" y="2174553"/>
+            <a:ext cx="286187" cy="0"/>
+          </a:xfrm>
+          <a:prstGeom prst="straightConnector1">
+            <a:avLst/>
+          </a:prstGeom>
+          <a:ln>
+            <a:tailEnd type="triangle"/>
+          </a:ln>
+        </p:spPr>
+        <p:style>
+          <a:lnRef idx="1">
+            <a:schemeClr val="dk1"/>
+          </a:lnRef>
+          <a:fillRef idx="0">
+            <a:schemeClr val="dk1"/>
+          </a:fillRef>
+          <a:effectRef idx="0">
+            <a:schemeClr val="dk1"/>
+          </a:effectRef>
+          <a:fontRef idx="minor">
+            <a:schemeClr val="tx1"/>
+          </a:fontRef>
+        </p:style>
+      </p:cxnSp>
+      <p:cxnSp>
+        <p:nvCxnSpPr>
+          <p:cNvPr id="67" name="Straight Arrow Connector 66">
+            <a:extLst>
+              <a:ext uri="{FF2B5EF4-FFF2-40B4-BE49-F238E27FC236}">
+                <a16:creationId xmlns:a16="http://schemas.microsoft.com/office/drawing/2014/main" id="{2F55A013-EDB8-4798-901B-11DCC0E45AFD}"/>
+              </a:ext>
+            </a:extLst>
+          </p:cNvPr>
+          <p:cNvCxnSpPr>
+            <a:cxnSpLocks/>
+          </p:cNvCxnSpPr>
+          <p:nvPr/>
+        </p:nvCxnSpPr>
+        <p:spPr>
+          <a:xfrm>
+            <a:off x="2906540" y="2881583"/>
+            <a:ext cx="286187" cy="0"/>
+          </a:xfrm>
+          <a:prstGeom prst="straightConnector1">
+            <a:avLst/>
+          </a:prstGeom>
+          <a:ln>
+            <a:tailEnd type="triangle"/>
+          </a:ln>
+        </p:spPr>
+        <p:style>
+          <a:lnRef idx="1">
+            <a:schemeClr val="dk1"/>
+          </a:lnRef>
+          <a:fillRef idx="0">
+            <a:schemeClr val="dk1"/>
+          </a:fillRef>
+          <a:effectRef idx="0">
+            <a:schemeClr val="dk1"/>
+          </a:effectRef>
+          <a:fontRef idx="minor">
+            <a:schemeClr val="tx1"/>
+          </a:fontRef>
+        </p:style>
+      </p:cxnSp>
+      <p:cxnSp>
+        <p:nvCxnSpPr>
+          <p:cNvPr id="68" name="Straight Arrow Connector 67">
+            <a:extLst>
+              <a:ext uri="{FF2B5EF4-FFF2-40B4-BE49-F238E27FC236}">
+                <a16:creationId xmlns:a16="http://schemas.microsoft.com/office/drawing/2014/main" id="{40EDB40C-5650-4530-A4F7-98B9B2A40F42}"/>
+              </a:ext>
+            </a:extLst>
+          </p:cNvPr>
+          <p:cNvCxnSpPr>
+            <a:cxnSpLocks/>
+          </p:cNvCxnSpPr>
+          <p:nvPr/>
+        </p:nvCxnSpPr>
+        <p:spPr>
+          <a:xfrm>
+            <a:off x="2906540" y="3768496"/>
+            <a:ext cx="286187" cy="0"/>
+          </a:xfrm>
+          <a:prstGeom prst="straightConnector1">
+            <a:avLst/>
+          </a:prstGeom>
+          <a:ln>
+            <a:tailEnd type="triangle"/>
+          </a:ln>
+        </p:spPr>
+        <p:style>
+          <a:lnRef idx="1">
+            <a:schemeClr val="dk1"/>
+          </a:lnRef>
+          <a:fillRef idx="0">
+            <a:schemeClr val="dk1"/>
+          </a:fillRef>
+          <a:effectRef idx="0">
+            <a:schemeClr val="dk1"/>
+          </a:effectRef>
+          <a:fontRef idx="minor">
+            <a:schemeClr val="tx1"/>
+          </a:fontRef>
+        </p:style>
+      </p:cxnSp>
+      <p:sp>
+        <p:nvSpPr>
+          <p:cNvPr id="69" name="Rectangle 68">
+            <a:extLst>
+              <a:ext uri="{FF2B5EF4-FFF2-40B4-BE49-F238E27FC236}">
+                <a16:creationId xmlns:a16="http://schemas.microsoft.com/office/drawing/2014/main" id="{4522708B-2E97-4D10-A0A2-AE239147F24B}"/>
+              </a:ext>
+            </a:extLst>
+          </p:cNvPr>
+          <p:cNvSpPr/>
+          <p:nvPr/>
+        </p:nvSpPr>
+        <p:spPr>
+          <a:xfrm>
+            <a:off x="-1843051" y="939030"/>
+            <a:ext cx="570725" cy="239417"/>
+          </a:xfrm>
+          <a:prstGeom prst="rect">
+            <a:avLst/>
+          </a:prstGeom>
+          <a:noFill/>
+          <a:ln>
+            <a:noFill/>
+          </a:ln>
+        </p:spPr>
+        <p:style>
+          <a:lnRef idx="0">
+            <a:scrgbClr r="0" g="0" b="0"/>
+          </a:lnRef>
+          <a:fillRef idx="0">
+            <a:scrgbClr r="0" g="0" b="0"/>
+          </a:fillRef>
+          <a:effectRef idx="0">
+            <a:scrgbClr r="0" g="0" b="0"/>
+          </a:effectRef>
+          <a:fontRef idx="minor">
+            <a:schemeClr val="dk1"/>
+          </a:fontRef>
+        </p:style>
+        <p:txBody>
+          <a:bodyPr rtlCol="0" anchor="ctr"/>
+          <a:lstStyle/>
+          <a:p>
+            <a:pPr algn="ctr"/>
+            <a:r>
+              <a:rPr lang="en-US" sz="1400" i="1" dirty="0"/>
+              <a:t>calls</a:t>
+            </a:r>
+          </a:p>
+        </p:txBody>
+      </p:sp>
+      <p:sp>
+        <p:nvSpPr>
+          <p:cNvPr id="70" name="Rectangle 69">
+            <a:extLst>
+              <a:ext uri="{FF2B5EF4-FFF2-40B4-BE49-F238E27FC236}">
+                <a16:creationId xmlns:a16="http://schemas.microsoft.com/office/drawing/2014/main" id="{4501ED2C-59E3-4467-ACCF-6539B88FCC31}"/>
+              </a:ext>
+            </a:extLst>
+          </p:cNvPr>
+          <p:cNvSpPr/>
+          <p:nvPr/>
+        </p:nvSpPr>
+        <p:spPr>
+          <a:xfrm>
+            <a:off x="4939160" y="804790"/>
+            <a:ext cx="1751850" cy="289695"/>
+          </a:xfrm>
+          <a:prstGeom prst="rect">
+            <a:avLst/>
+          </a:prstGeom>
+          <a:noFill/>
+          <a:ln>
+            <a:noFill/>
+          </a:ln>
+        </p:spPr>
+        <p:style>
+          <a:lnRef idx="0">
+            <a:scrgbClr r="0" g="0" b="0"/>
+          </a:lnRef>
+          <a:fillRef idx="0">
+            <a:scrgbClr r="0" g="0" b="0"/>
+          </a:fillRef>
+          <a:effectRef idx="0">
+            <a:scrgbClr r="0" g="0" b="0"/>
+          </a:effectRef>
+          <a:fontRef idx="minor">
+            <a:schemeClr val="dk1"/>
+          </a:fontRef>
+        </p:style>
+        <p:txBody>
+          <a:bodyPr rtlCol="0" anchor="ctr"/>
+          <a:lstStyle/>
+          <a:p>
+            <a:pPr algn="ctr"/>
+            <a:r>
+              <a:rPr lang="en-US" sz="1400" i="1" dirty="0"/>
+              <a:t>data produced by</a:t>
+            </a:r>
+          </a:p>
+        </p:txBody>
+      </p:sp>
+      <p:cxnSp>
+        <p:nvCxnSpPr>
+          <p:cNvPr id="71" name="Straight Arrow Connector 70">
+            <a:extLst>
+              <a:ext uri="{FF2B5EF4-FFF2-40B4-BE49-F238E27FC236}">
+                <a16:creationId xmlns:a16="http://schemas.microsoft.com/office/drawing/2014/main" id="{9862A6AE-E299-4579-A311-B70C88106791}"/>
+              </a:ext>
+            </a:extLst>
+          </p:cNvPr>
+          <p:cNvCxnSpPr>
+            <a:cxnSpLocks/>
+          </p:cNvCxnSpPr>
+          <p:nvPr/>
+        </p:nvCxnSpPr>
+        <p:spPr>
+          <a:xfrm>
+            <a:off x="6030318" y="1823422"/>
+            <a:ext cx="286187" cy="0"/>
+          </a:xfrm>
+          <a:prstGeom prst="straightConnector1">
+            <a:avLst/>
+          </a:prstGeom>
+          <a:ln>
+            <a:tailEnd type="triangle"/>
+          </a:ln>
+        </p:spPr>
+        <p:style>
+          <a:lnRef idx="1">
+            <a:schemeClr val="dk1"/>
+          </a:lnRef>
+          <a:fillRef idx="0">
+            <a:schemeClr val="dk1"/>
+          </a:fillRef>
+          <a:effectRef idx="0">
+            <a:schemeClr val="dk1"/>
+          </a:effectRef>
+          <a:fontRef idx="minor">
+            <a:schemeClr val="tx1"/>
+          </a:fontRef>
+        </p:style>
+      </p:cxnSp>
+      <p:cxnSp>
+        <p:nvCxnSpPr>
+          <p:cNvPr id="72" name="Straight Arrow Connector 71">
+            <a:extLst>
+              <a:ext uri="{FF2B5EF4-FFF2-40B4-BE49-F238E27FC236}">
+                <a16:creationId xmlns:a16="http://schemas.microsoft.com/office/drawing/2014/main" id="{BDEE8E68-0AF1-4867-8EE7-FF5693CC8638}"/>
+              </a:ext>
+            </a:extLst>
+          </p:cNvPr>
+          <p:cNvCxnSpPr>
+            <a:cxnSpLocks/>
+          </p:cNvCxnSpPr>
+          <p:nvPr/>
+        </p:nvCxnSpPr>
+        <p:spPr>
+          <a:xfrm>
+            <a:off x="6030318" y="3009597"/>
+            <a:ext cx="286187" cy="0"/>
+          </a:xfrm>
+          <a:prstGeom prst="straightConnector1">
+            <a:avLst/>
+          </a:prstGeom>
+          <a:ln>
+            <a:tailEnd type="triangle"/>
+          </a:ln>
+        </p:spPr>
+        <p:style>
+          <a:lnRef idx="1">
+            <a:schemeClr val="dk1"/>
+          </a:lnRef>
+          <a:fillRef idx="0">
+            <a:schemeClr val="dk1"/>
+          </a:fillRef>
+          <a:effectRef idx="0">
+            <a:schemeClr val="dk1"/>
+          </a:effectRef>
+          <a:fontRef idx="minor">
+            <a:schemeClr val="tx1"/>
+          </a:fontRef>
+        </p:style>
+      </p:cxnSp>
+      <p:cxnSp>
+        <p:nvCxnSpPr>
+          <p:cNvPr id="78" name="Straight Arrow Connector 77">
+            <a:extLst>
+              <a:ext uri="{FF2B5EF4-FFF2-40B4-BE49-F238E27FC236}">
+                <a16:creationId xmlns:a16="http://schemas.microsoft.com/office/drawing/2014/main" id="{10044867-1229-49FF-860E-C280100B6E78}"/>
+              </a:ext>
+            </a:extLst>
+          </p:cNvPr>
+          <p:cNvCxnSpPr>
+            <a:cxnSpLocks/>
+          </p:cNvCxnSpPr>
+          <p:nvPr/>
+        </p:nvCxnSpPr>
+        <p:spPr>
+          <a:xfrm>
+            <a:off x="6030318" y="3764635"/>
+            <a:ext cx="286187" cy="0"/>
+          </a:xfrm>
+          <a:prstGeom prst="straightConnector1">
+            <a:avLst/>
+          </a:prstGeom>
+          <a:ln>
+            <a:tailEnd type="triangle"/>
+          </a:ln>
+        </p:spPr>
+        <p:style>
+          <a:lnRef idx="1">
+            <a:schemeClr val="dk1"/>
+          </a:lnRef>
+          <a:fillRef idx="0">
+            <a:schemeClr val="dk1"/>
+          </a:fillRef>
+          <a:effectRef idx="0">
+            <a:schemeClr val="dk1"/>
+          </a:effectRef>
+          <a:fontRef idx="minor">
+            <a:schemeClr val="tx1"/>
+          </a:fontRef>
+        </p:style>
+      </p:cxnSp>
+      <p:cxnSp>
+        <p:nvCxnSpPr>
+          <p:cNvPr id="79" name="Straight Arrow Connector 78">
+            <a:extLst>
+              <a:ext uri="{FF2B5EF4-FFF2-40B4-BE49-F238E27FC236}">
+                <a16:creationId xmlns:a16="http://schemas.microsoft.com/office/drawing/2014/main" id="{88530F32-0C1E-4EF2-B694-668297B09F0B}"/>
+              </a:ext>
+            </a:extLst>
+          </p:cNvPr>
+          <p:cNvCxnSpPr>
+            <a:cxnSpLocks/>
+          </p:cNvCxnSpPr>
+          <p:nvPr/>
+        </p:nvCxnSpPr>
+        <p:spPr>
+          <a:xfrm>
+            <a:off x="6030318" y="2639501"/>
+            <a:ext cx="2954656" cy="0"/>
+          </a:xfrm>
+          <a:prstGeom prst="straightConnector1">
+            <a:avLst/>
+          </a:prstGeom>
+          <a:ln>
+            <a:tailEnd type="triangle"/>
+          </a:ln>
+        </p:spPr>
+        <p:style>
+          <a:lnRef idx="1">
+            <a:schemeClr val="dk1"/>
+          </a:lnRef>
+          <a:fillRef idx="0">
+            <a:schemeClr val="dk1"/>
+          </a:fillRef>
+          <a:effectRef idx="0">
+            <a:schemeClr val="dk1"/>
+          </a:effectRef>
+          <a:fontRef idx="minor">
+            <a:schemeClr val="tx1"/>
+          </a:fontRef>
+        </p:style>
+      </p:cxnSp>
+      <p:sp>
+        <p:nvSpPr>
+          <p:cNvPr id="80" name="Rectangle 79">
+            <a:extLst>
+              <a:ext uri="{FF2B5EF4-FFF2-40B4-BE49-F238E27FC236}">
+                <a16:creationId xmlns:a16="http://schemas.microsoft.com/office/drawing/2014/main" id="{F7923E8C-2717-4BB8-9F89-E7C97E63B5EA}"/>
+              </a:ext>
+            </a:extLst>
+          </p:cNvPr>
+          <p:cNvSpPr/>
+          <p:nvPr/>
+        </p:nvSpPr>
+        <p:spPr>
+          <a:xfrm>
+            <a:off x="7745870" y="867310"/>
+            <a:ext cx="570725" cy="239417"/>
+          </a:xfrm>
+          <a:prstGeom prst="rect">
+            <a:avLst/>
+          </a:prstGeom>
+          <a:noFill/>
+          <a:ln>
+            <a:noFill/>
+          </a:ln>
+        </p:spPr>
+        <p:style>
+          <a:lnRef idx="0">
+            <a:scrgbClr r="0" g="0" b="0"/>
+          </a:lnRef>
+          <a:fillRef idx="0">
+            <a:scrgbClr r="0" g="0" b="0"/>
+          </a:fillRef>
+          <a:effectRef idx="0">
+            <a:scrgbClr r="0" g="0" b="0"/>
+          </a:effectRef>
+          <a:fontRef idx="minor">
+            <a:schemeClr val="dk1"/>
+          </a:fontRef>
+        </p:style>
+        <p:txBody>
+          <a:bodyPr rtlCol="0" anchor="ctr"/>
+          <a:lstStyle/>
+          <a:p>
+            <a:pPr algn="ctr"/>
+            <a:r>
+              <a:rPr lang="en-US" sz="1400" i="1" dirty="0"/>
+              <a:t>calls</a:t>
+            </a:r>
+          </a:p>
+        </p:txBody>
+      </p:sp>
+      <p:cxnSp>
+        <p:nvCxnSpPr>
+          <p:cNvPr id="81" name="Straight Arrow Connector 80">
+            <a:extLst>
+              <a:ext uri="{FF2B5EF4-FFF2-40B4-BE49-F238E27FC236}">
+                <a16:creationId xmlns:a16="http://schemas.microsoft.com/office/drawing/2014/main" id="{61FC7C58-1FC6-4A39-8E3F-19698FF8909F}"/>
+              </a:ext>
+            </a:extLst>
+          </p:cNvPr>
+          <p:cNvCxnSpPr>
+            <a:cxnSpLocks/>
+          </p:cNvCxnSpPr>
+          <p:nvPr/>
+        </p:nvCxnSpPr>
+        <p:spPr>
+          <a:xfrm>
+            <a:off x="11273683" y="2679048"/>
+            <a:ext cx="286187" cy="0"/>
+          </a:xfrm>
+          <a:prstGeom prst="straightConnector1">
+            <a:avLst/>
+          </a:prstGeom>
+          <a:ln>
+            <a:tailEnd type="triangle"/>
+          </a:ln>
+        </p:spPr>
+        <p:style>
+          <a:lnRef idx="1">
+            <a:schemeClr val="dk1"/>
+          </a:lnRef>
+          <a:fillRef idx="0">
+            <a:schemeClr val="dk1"/>
+          </a:fillRef>
+          <a:effectRef idx="0">
+            <a:schemeClr val="dk1"/>
+          </a:effectRef>
+          <a:fontRef idx="minor">
+            <a:schemeClr val="tx1"/>
+          </a:fontRef>
+        </p:style>
+      </p:cxnSp>
+      <p:cxnSp>
+        <p:nvCxnSpPr>
+          <p:cNvPr id="82" name="Straight Arrow Connector 81">
+            <a:extLst>
+              <a:ext uri="{FF2B5EF4-FFF2-40B4-BE49-F238E27FC236}">
+                <a16:creationId xmlns:a16="http://schemas.microsoft.com/office/drawing/2014/main" id="{221815C4-03C8-4E3E-A8B7-E7E4AF039891}"/>
+              </a:ext>
+            </a:extLst>
+          </p:cNvPr>
+          <p:cNvCxnSpPr>
+            <a:cxnSpLocks/>
+          </p:cNvCxnSpPr>
+          <p:nvPr/>
+        </p:nvCxnSpPr>
+        <p:spPr>
+          <a:xfrm>
+            <a:off x="11273683" y="2979033"/>
+            <a:ext cx="286187" cy="0"/>
+          </a:xfrm>
+          <a:prstGeom prst="straightConnector1">
+            <a:avLst/>
+          </a:prstGeom>
+          <a:ln>
+            <a:tailEnd type="triangle"/>
+          </a:ln>
+        </p:spPr>
+        <p:style>
+          <a:lnRef idx="1">
+            <a:schemeClr val="dk1"/>
+          </a:lnRef>
+          <a:fillRef idx="0">
+            <a:schemeClr val="dk1"/>
+          </a:fillRef>
+          <a:effectRef idx="0">
+            <a:schemeClr val="dk1"/>
+          </a:effectRef>
+          <a:fontRef idx="minor">
+            <a:schemeClr val="tx1"/>
+          </a:fontRef>
+        </p:style>
+      </p:cxnSp>
+      <p:sp>
+        <p:nvSpPr>
+          <p:cNvPr id="83" name="Rectangle 82">
+            <a:extLst>
+              <a:ext uri="{FF2B5EF4-FFF2-40B4-BE49-F238E27FC236}">
+                <a16:creationId xmlns:a16="http://schemas.microsoft.com/office/drawing/2014/main" id="{27B0BA35-1BA5-4308-8BA5-3AB27F22265A}"/>
+              </a:ext>
+            </a:extLst>
+          </p:cNvPr>
+          <p:cNvSpPr/>
+          <p:nvPr/>
+        </p:nvSpPr>
+        <p:spPr>
+          <a:xfrm>
+            <a:off x="-1958032" y="291316"/>
+            <a:ext cx="1124146" cy="406137"/>
+          </a:xfrm>
+          <a:prstGeom prst="rect">
+            <a:avLst/>
+          </a:prstGeom>
+          <a:noFill/>
+          <a:ln>
+            <a:noFill/>
+          </a:ln>
+        </p:spPr>
+        <p:style>
+          <a:lnRef idx="0">
+            <a:scrgbClr r="0" g="0" b="0"/>
+          </a:lnRef>
+          <a:fillRef idx="0">
+            <a:scrgbClr r="0" g="0" b="0"/>
+          </a:fillRef>
+          <a:effectRef idx="0">
+            <a:scrgbClr r="0" g="0" b="0"/>
+          </a:effectRef>
+          <a:fontRef idx="minor">
+            <a:schemeClr val="dk1"/>
+          </a:fontRef>
+        </p:style>
+        <p:txBody>
+          <a:bodyPr lIns="0" rIns="0" rtlCol="0" anchor="ctr"/>
+          <a:lstStyle/>
+          <a:p>
+            <a:pPr algn="ctr"/>
+            <a:r>
+              <a:rPr lang="en-US" sz="1400" i="1" dirty="0"/>
+              <a:t>Results saved as .csv in</a:t>
+            </a:r>
+          </a:p>
+        </p:txBody>
+      </p:sp>
+      <p:cxnSp>
+        <p:nvCxnSpPr>
+          <p:cNvPr id="84" name="Straight Arrow Connector 83">
+            <a:extLst>
+              <a:ext uri="{FF2B5EF4-FFF2-40B4-BE49-F238E27FC236}">
+                <a16:creationId xmlns:a16="http://schemas.microsoft.com/office/drawing/2014/main" id="{5AD35C92-8EEE-4AD2-A944-ABB3E6FD2697}"/>
+              </a:ext>
+            </a:extLst>
+          </p:cNvPr>
+          <p:cNvCxnSpPr>
+            <a:cxnSpLocks/>
+          </p:cNvCxnSpPr>
+          <p:nvPr/>
+        </p:nvCxnSpPr>
+        <p:spPr>
+          <a:xfrm flipH="1">
+            <a:off x="683449" y="2782205"/>
+            <a:ext cx="286187" cy="0"/>
+          </a:xfrm>
+          <a:prstGeom prst="straightConnector1">
+            <a:avLst/>
+          </a:prstGeom>
+          <a:ln>
+            <a:tailEnd type="triangle"/>
+          </a:ln>
+        </p:spPr>
+        <p:style>
+          <a:lnRef idx="1">
+            <a:schemeClr val="dk1"/>
+          </a:lnRef>
+          <a:fillRef idx="0">
+            <a:schemeClr val="dk1"/>
+          </a:fillRef>
+          <a:effectRef idx="0">
+            <a:schemeClr val="dk1"/>
+          </a:effectRef>
+          <a:fontRef idx="minor">
+            <a:schemeClr val="tx1"/>
+          </a:fontRef>
+        </p:style>
+      </p:cxnSp>
+      <p:sp>
+        <p:nvSpPr>
+          <p:cNvPr id="87" name="Rectangle 86">
+            <a:extLst>
+              <a:ext uri="{FF2B5EF4-FFF2-40B4-BE49-F238E27FC236}">
+                <a16:creationId xmlns:a16="http://schemas.microsoft.com/office/drawing/2014/main" id="{560868AF-38F4-442C-B01A-773954B190BC}"/>
+              </a:ext>
+            </a:extLst>
+          </p:cNvPr>
+          <p:cNvSpPr/>
+          <p:nvPr/>
+        </p:nvSpPr>
+        <p:spPr>
+          <a:xfrm>
+            <a:off x="-219229" y="2647778"/>
+            <a:ext cx="874068" cy="274320"/>
+          </a:xfrm>
+          <a:prstGeom prst="rect">
+            <a:avLst/>
+          </a:prstGeom>
+          <a:solidFill>
+            <a:schemeClr val="accent4">
+              <a:lumMod val="20000"/>
+              <a:lumOff val="80000"/>
+            </a:schemeClr>
+          </a:solidFill>
+          <a:ln>
+            <a:noFill/>
+          </a:ln>
+        </p:spPr>
+        <p:style>
+          <a:lnRef idx="2">
+            <a:schemeClr val="dk1"/>
+          </a:lnRef>
+          <a:fillRef idx="1">
+            <a:schemeClr val="lt1"/>
+          </a:fillRef>
+          <a:effectRef idx="0">
+            <a:schemeClr val="dk1"/>
+          </a:effectRef>
+          <a:fontRef idx="minor">
+            <a:schemeClr val="dk1"/>
+          </a:fontRef>
+        </p:style>
+        <p:txBody>
+          <a:bodyPr rtlCol="0" anchor="ctr"/>
+          <a:lstStyle/>
+          <a:p>
+            <a:r>
+              <a:rPr lang="en-US" sz="1400" dirty="0"/>
+              <a:t>results/</a:t>
+            </a:r>
+          </a:p>
+        </p:txBody>
+      </p:sp>
+      <p:sp>
+        <p:nvSpPr>
+          <p:cNvPr id="88" name="Rectangle 87">
+            <a:extLst>
+              <a:ext uri="{FF2B5EF4-FFF2-40B4-BE49-F238E27FC236}">
+                <a16:creationId xmlns:a16="http://schemas.microsoft.com/office/drawing/2014/main" id="{200A5AD3-D02B-402C-989A-A2EF2E6EF80E}"/>
+              </a:ext>
+            </a:extLst>
+          </p:cNvPr>
+          <p:cNvSpPr/>
+          <p:nvPr/>
+        </p:nvSpPr>
+        <p:spPr>
+          <a:xfrm>
+            <a:off x="-58186" y="4523477"/>
+            <a:ext cx="842165" cy="274320"/>
+          </a:xfrm>
+          <a:prstGeom prst="rect">
+            <a:avLst/>
+          </a:prstGeom>
+          <a:solidFill>
+            <a:schemeClr val="accent1">
+              <a:lumMod val="20000"/>
+              <a:lumOff val="80000"/>
+            </a:schemeClr>
+          </a:solidFill>
+          <a:ln>
+            <a:noFill/>
+          </a:ln>
+        </p:spPr>
+        <p:style>
+          <a:lnRef idx="2">
+            <a:schemeClr val="dk1"/>
+          </a:lnRef>
+          <a:fillRef idx="1">
+            <a:schemeClr val="lt1"/>
+          </a:fillRef>
+          <a:effectRef idx="0">
+            <a:schemeClr val="dk1"/>
+          </a:effectRef>
+          <a:fontRef idx="minor">
+            <a:schemeClr val="dk1"/>
+          </a:fontRef>
+        </p:style>
+        <p:txBody>
+          <a:bodyPr rtlCol="0" anchor="ctr"/>
+          <a:lstStyle/>
+          <a:p>
+            <a:r>
+              <a:rPr lang="en-US" sz="1400" dirty="0"/>
+              <a:t>scripts</a:t>
+            </a:r>
+          </a:p>
+        </p:txBody>
+      </p:sp>
+      <p:sp>
+        <p:nvSpPr>
+          <p:cNvPr id="89" name="Rectangle 88">
+            <a:extLst>
+              <a:ext uri="{FF2B5EF4-FFF2-40B4-BE49-F238E27FC236}">
+                <a16:creationId xmlns:a16="http://schemas.microsoft.com/office/drawing/2014/main" id="{14C9569B-5064-4ECE-BDF3-53B150DCFB86}"/>
+              </a:ext>
+            </a:extLst>
+          </p:cNvPr>
+          <p:cNvSpPr/>
+          <p:nvPr/>
+        </p:nvSpPr>
+        <p:spPr>
+          <a:xfrm>
+            <a:off x="-58187" y="4887275"/>
+            <a:ext cx="842165" cy="274320"/>
+          </a:xfrm>
+          <a:prstGeom prst="rect">
+            <a:avLst/>
+          </a:prstGeom>
+          <a:solidFill>
+            <a:schemeClr val="accent5">
+              <a:lumMod val="20000"/>
+              <a:lumOff val="80000"/>
+            </a:schemeClr>
+          </a:solidFill>
+          <a:ln>
+            <a:noFill/>
+          </a:ln>
+        </p:spPr>
+        <p:style>
+          <a:lnRef idx="2">
+            <a:schemeClr val="dk1"/>
+          </a:lnRef>
+          <a:fillRef idx="1">
+            <a:schemeClr val="lt1"/>
+          </a:fillRef>
+          <a:effectRef idx="0">
+            <a:schemeClr val="dk1"/>
+          </a:effectRef>
+          <a:fontRef idx="minor">
+            <a:schemeClr val="dk1"/>
+          </a:fontRef>
+        </p:style>
+        <p:txBody>
+          <a:bodyPr rtlCol="0" anchor="ctr"/>
+          <a:lstStyle/>
+          <a:p>
+            <a:r>
+              <a:rPr lang="en-US" sz="1400" dirty="0"/>
+              <a:t>.</a:t>
+            </a:r>
+            <a:r>
+              <a:rPr lang="en-US" sz="1400" dirty="0" err="1"/>
+              <a:t>Rdata</a:t>
+            </a:r>
+            <a:endParaRPr lang="en-US" sz="1400" dirty="0"/>
+          </a:p>
+        </p:txBody>
+      </p:sp>
+      <p:sp>
+        <p:nvSpPr>
+          <p:cNvPr id="91" name="Rectangle 90">
+            <a:extLst>
+              <a:ext uri="{FF2B5EF4-FFF2-40B4-BE49-F238E27FC236}">
+                <a16:creationId xmlns:a16="http://schemas.microsoft.com/office/drawing/2014/main" id="{0FF9B89B-F9AC-454F-893E-190DE4D41C8C}"/>
+              </a:ext>
+            </a:extLst>
+          </p:cNvPr>
+          <p:cNvSpPr/>
+          <p:nvPr/>
+        </p:nvSpPr>
+        <p:spPr>
+          <a:xfrm>
+            <a:off x="-58188" y="5251073"/>
+            <a:ext cx="842165" cy="274320"/>
+          </a:xfrm>
+          <a:prstGeom prst="rect">
+            <a:avLst/>
+          </a:prstGeom>
+          <a:solidFill>
+            <a:schemeClr val="accent4">
+              <a:lumMod val="20000"/>
+              <a:lumOff val="80000"/>
+            </a:schemeClr>
+          </a:solidFill>
+          <a:ln>
+            <a:noFill/>
+          </a:ln>
+        </p:spPr>
+        <p:style>
+          <a:lnRef idx="2">
+            <a:schemeClr val="dk1"/>
+          </a:lnRef>
+          <a:fillRef idx="1">
+            <a:schemeClr val="lt1"/>
+          </a:fillRef>
+          <a:effectRef idx="0">
+            <a:schemeClr val="dk1"/>
+          </a:effectRef>
+          <a:fontRef idx="minor">
+            <a:schemeClr val="dk1"/>
+          </a:fontRef>
+        </p:style>
+        <p:txBody>
+          <a:bodyPr rtlCol="0" anchor="ctr"/>
+          <a:lstStyle/>
+          <a:p>
+            <a:r>
+              <a:rPr lang="en-US" sz="1400" dirty="0"/>
+              <a:t>.csv</a:t>
+            </a:r>
+          </a:p>
+        </p:txBody>
+      </p:sp>
+      <p:sp>
+        <p:nvSpPr>
+          <p:cNvPr id="94" name="Rectangle 93">
+            <a:extLst>
+              <a:ext uri="{FF2B5EF4-FFF2-40B4-BE49-F238E27FC236}">
+                <a16:creationId xmlns:a16="http://schemas.microsoft.com/office/drawing/2014/main" id="{70035C45-D2CF-4884-85CE-85BAF5B4A3E5}"/>
+              </a:ext>
+            </a:extLst>
+          </p:cNvPr>
+          <p:cNvSpPr/>
+          <p:nvPr/>
+        </p:nvSpPr>
+        <p:spPr>
+          <a:xfrm>
+            <a:off x="762512" y="4907821"/>
+            <a:ext cx="8811794" cy="252178"/>
+          </a:xfrm>
+          <a:prstGeom prst="rect">
+            <a:avLst/>
+          </a:prstGeom>
+          <a:noFill/>
+          <a:ln>
+            <a:noFill/>
+          </a:ln>
+        </p:spPr>
+        <p:style>
+          <a:lnRef idx="0">
+            <a:scrgbClr r="0" g="0" b="0"/>
+          </a:lnRef>
+          <a:fillRef idx="0">
+            <a:scrgbClr r="0" g="0" b="0"/>
+          </a:fillRef>
+          <a:effectRef idx="0">
+            <a:scrgbClr r="0" g="0" b="0"/>
+          </a:effectRef>
+          <a:fontRef idx="minor">
+            <a:schemeClr val="dk1"/>
+          </a:fontRef>
+        </p:style>
+        <p:txBody>
+          <a:bodyPr rtlCol="0" anchor="ctr"/>
+          <a:lstStyle/>
+          <a:p>
+            <a:r>
+              <a:rPr lang="en-US" sz="1400" dirty="0"/>
+              <a:t>The model parameters have already been calculated and stored, there is not need to calculate them again.</a:t>
+            </a:r>
+          </a:p>
+        </p:txBody>
+      </p:sp>
+      <p:sp>
+        <p:nvSpPr>
+          <p:cNvPr id="95" name="Rectangle 94">
+            <a:extLst>
+              <a:ext uri="{FF2B5EF4-FFF2-40B4-BE49-F238E27FC236}">
+                <a16:creationId xmlns:a16="http://schemas.microsoft.com/office/drawing/2014/main" id="{427A952C-6515-4A8F-A5E3-AED1524B34E1}"/>
+              </a:ext>
+            </a:extLst>
+          </p:cNvPr>
+          <p:cNvSpPr/>
+          <p:nvPr/>
+        </p:nvSpPr>
+        <p:spPr>
+          <a:xfrm>
+            <a:off x="783977" y="5273951"/>
+            <a:ext cx="10004406" cy="252178"/>
+          </a:xfrm>
+          <a:prstGeom prst="rect">
+            <a:avLst/>
+          </a:prstGeom>
+          <a:noFill/>
+          <a:ln>
+            <a:noFill/>
+          </a:ln>
+        </p:spPr>
+        <p:style>
+          <a:lnRef idx="0">
+            <a:scrgbClr r="0" g="0" b="0"/>
+          </a:lnRef>
+          <a:fillRef idx="0">
+            <a:scrgbClr r="0" g="0" b="0"/>
+          </a:fillRef>
+          <a:effectRef idx="0">
+            <a:scrgbClr r="0" g="0" b="0"/>
+          </a:effectRef>
+          <a:fontRef idx="minor">
+            <a:schemeClr val="dk1"/>
+          </a:fontRef>
+        </p:style>
+        <p:txBody>
+          <a:bodyPr rtlCol="0" anchor="ctr"/>
+          <a:lstStyle/>
+          <a:p>
+            <a:r>
+              <a:rPr lang="en-US" sz="1400" dirty="0"/>
+              <a:t>The areas and the results of the scenarios considered in the manuscript are already available in the corresponding folders. </a:t>
+            </a:r>
+          </a:p>
+        </p:txBody>
+      </p:sp>
+      <p:sp>
+        <p:nvSpPr>
+          <p:cNvPr id="97" name="Rectangle 96">
+            <a:extLst>
+              <a:ext uri="{FF2B5EF4-FFF2-40B4-BE49-F238E27FC236}">
+                <a16:creationId xmlns:a16="http://schemas.microsoft.com/office/drawing/2014/main" id="{436E4F56-66EE-4801-882A-90FAF261D760}"/>
+              </a:ext>
+            </a:extLst>
+          </p:cNvPr>
+          <p:cNvSpPr/>
+          <p:nvPr/>
+        </p:nvSpPr>
+        <p:spPr>
+          <a:xfrm>
+            <a:off x="7000975" y="889930"/>
+            <a:ext cx="570725" cy="239417"/>
+          </a:xfrm>
+          <a:prstGeom prst="rect">
+            <a:avLst/>
+          </a:prstGeom>
+          <a:noFill/>
+          <a:ln>
+            <a:noFill/>
+          </a:ln>
+        </p:spPr>
+        <p:style>
+          <a:lnRef idx="0">
+            <a:scrgbClr r="0" g="0" b="0"/>
+          </a:lnRef>
+          <a:fillRef idx="0">
+            <a:scrgbClr r="0" g="0" b="0"/>
+          </a:fillRef>
+          <a:effectRef idx="0">
+            <a:scrgbClr r="0" g="0" b="0"/>
+          </a:effectRef>
+          <a:fontRef idx="minor">
+            <a:schemeClr val="dk1"/>
+          </a:fontRef>
+        </p:style>
+        <p:txBody>
+          <a:bodyPr rtlCol="0" anchor="ctr"/>
+          <a:lstStyle/>
+          <a:p>
+            <a:pPr algn="ctr"/>
+            <a:r>
+              <a:rPr lang="en-US" sz="1400" i="1" dirty="0"/>
+              <a:t>calls</a:t>
+            </a:r>
+          </a:p>
+        </p:txBody>
+      </p:sp>
+      <p:cxnSp>
+        <p:nvCxnSpPr>
+          <p:cNvPr id="99" name="Straight Arrow Connector 98">
+            <a:extLst>
+              <a:ext uri="{FF2B5EF4-FFF2-40B4-BE49-F238E27FC236}">
+                <a16:creationId xmlns:a16="http://schemas.microsoft.com/office/drawing/2014/main" id="{2DC25E42-3F02-40B3-B7B3-27D157E860B6}"/>
+              </a:ext>
+            </a:extLst>
+          </p:cNvPr>
+          <p:cNvCxnSpPr>
+            <a:cxnSpLocks/>
+          </p:cNvCxnSpPr>
+          <p:nvPr/>
+        </p:nvCxnSpPr>
+        <p:spPr>
+          <a:xfrm>
+            <a:off x="8635060" y="3041401"/>
+            <a:ext cx="346287" cy="0"/>
+          </a:xfrm>
+          <a:prstGeom prst="straightConnector1">
+            <a:avLst/>
+          </a:prstGeom>
+          <a:ln>
+            <a:tailEnd type="triangle"/>
+          </a:ln>
+        </p:spPr>
+        <p:style>
+          <a:lnRef idx="1">
+            <a:schemeClr val="dk1"/>
+          </a:lnRef>
+          <a:fillRef idx="0">
+            <a:schemeClr val="dk1"/>
+          </a:fillRef>
+          <a:effectRef idx="0">
+            <a:schemeClr val="dk1"/>
+          </a:effectRef>
+          <a:fontRef idx="minor">
+            <a:schemeClr val="tx1"/>
+          </a:fontRef>
+        </p:style>
+      </p:cxnSp>
     </p:spTree>
     <p:extLst>
       <p:ext uri="{BB962C8B-B14F-4D97-AF65-F5344CB8AC3E}">
